--- a/Steaming/H- Aula 1 (Streaming).pptx
+++ b/Steaming/H- Aula 1 (Streaming).pptx
@@ -22,7 +22,6 @@
     <p:sldId id="270" r:id="rId17"/>
     <p:sldId id="271" r:id="rId18"/>
     <p:sldId id="272" r:id="rId19"/>
-    <p:sldId id="273" r:id="rId20"/>
   </p:sldIdLst>
   <p:sldSz cx="12192000" cy="6858000"/>
   <p:notesSz cx="7559675" cy="10691812"/>
@@ -1438,13 +1437,7 @@
               <a:rPr b="0" lang="pt-BR" sz="4400" spc="-1" strike="noStrike">
                 <a:latin typeface="Arial"/>
               </a:rPr>
-              <a:t>Clique para editar o formato do </a:t>
-            </a:r>
-            <a:r>
-              <a:rPr b="0" lang="pt-BR" sz="4400" spc="-1" strike="noStrike">
-                <a:latin typeface="Arial"/>
-              </a:rPr>
-              <a:t>texto do título</a:t>
+              <a:t>Clique para editar o formato do texto do título</a:t>
             </a:r>
             <a:endParaRPr b="0" lang="pt-BR" sz="4400" spc="-1" strike="noStrike">
               <a:latin typeface="Arial"/>
@@ -1677,7 +1670,7 @@
         <p:spPr>
           <a:xfrm>
             <a:off x="395280" y="374400"/>
-            <a:ext cx="8292600" cy="884880"/>
+            <a:ext cx="8291520" cy="883800"/>
           </a:xfrm>
           <a:prstGeom prst="rect">
             <a:avLst/>
@@ -1728,7 +1721,7 @@
         <p:spPr>
           <a:xfrm>
             <a:off x="395280" y="1479960"/>
-            <a:ext cx="11488320" cy="5087160"/>
+            <a:ext cx="11487240" cy="5086080"/>
           </a:xfrm>
           <a:prstGeom prst="rect">
             <a:avLst/>
@@ -1749,7 +1742,7 @@
             <a:normAutofit/>
           </a:bodyPr>
           <a:p>
-            <a:pPr marL="228600" indent="-225000">
+            <a:pPr marL="228600" indent="-223920">
               <a:lnSpc>
                 <a:spcPct val="90000"/>
               </a:lnSpc>
@@ -1777,7 +1770,7 @@
             </a:endParaRPr>
           </a:p>
           <a:p>
-            <a:pPr marL="228600" indent="-225000">
+            <a:pPr marL="228600" indent="-223920">
               <a:lnSpc>
                 <a:spcPct val="90000"/>
               </a:lnSpc>
@@ -1805,7 +1798,7 @@
             </a:endParaRPr>
           </a:p>
           <a:p>
-            <a:pPr marL="228600" indent="-225000">
+            <a:pPr marL="228600" indent="-223920">
               <a:lnSpc>
                 <a:spcPct val="90000"/>
               </a:lnSpc>
@@ -1833,7 +1826,7 @@
             </a:endParaRPr>
           </a:p>
           <a:p>
-            <a:pPr marL="228600" indent="-225000">
+            <a:pPr marL="228600" indent="-223920">
               <a:lnSpc>
                 <a:spcPct val="90000"/>
               </a:lnSpc>
@@ -1861,7 +1854,7 @@
             </a:endParaRPr>
           </a:p>
           <a:p>
-            <a:pPr marL="228600" indent="-225000">
+            <a:pPr marL="228600" indent="-223920">
               <a:lnSpc>
                 <a:spcPct val="90000"/>
               </a:lnSpc>
@@ -1889,7 +1882,7 @@
             </a:endParaRPr>
           </a:p>
           <a:p>
-            <a:pPr marL="228600" indent="-225000">
+            <a:pPr marL="228600" indent="-223920">
               <a:lnSpc>
                 <a:spcPct val="90000"/>
               </a:lnSpc>
@@ -1917,7 +1910,7 @@
             </a:endParaRPr>
           </a:p>
           <a:p>
-            <a:pPr marL="228600" indent="-225000">
+            <a:pPr marL="228600" indent="-223920">
               <a:lnSpc>
                 <a:spcPct val="90000"/>
               </a:lnSpc>
@@ -1945,7 +1938,7 @@
             </a:endParaRPr>
           </a:p>
           <a:p>
-            <a:pPr marL="228600" indent="-225000">
+            <a:pPr marL="228600" indent="-223920">
               <a:lnSpc>
                 <a:spcPct val="90000"/>
               </a:lnSpc>
@@ -2000,7 +1993,7 @@
         <p:spPr>
           <a:xfrm>
             <a:off x="9180000" y="360000"/>
-            <a:ext cx="2655360" cy="978840"/>
+            <a:ext cx="2654280" cy="977760"/>
           </a:xfrm>
           <a:prstGeom prst="rect">
             <a:avLst/>
@@ -2018,13 +2011,13 @@
         </p:nvPicPr>
         <p:blipFill>
           <a:blip r:embed="rId2"/>
-          <a:srcRect l="53190" t="72072" r="0" b="8636"/>
+          <a:srcRect l="53176" t="72043" r="0" b="8636"/>
           <a:stretch/>
         </p:blipFill>
         <p:spPr>
           <a:xfrm>
             <a:off x="5580000" y="2520360"/>
-            <a:ext cx="3598200" cy="717840"/>
+            <a:ext cx="3597120" cy="716760"/>
           </a:xfrm>
           <a:prstGeom prst="rect">
             <a:avLst/>
@@ -2047,7 +2040,7 @@
         <p:spPr>
           <a:xfrm>
             <a:off x="9360000" y="2520000"/>
-            <a:ext cx="2436120" cy="1321920"/>
+            <a:ext cx="2435040" cy="1320840"/>
           </a:xfrm>
           <a:prstGeom prst="rect">
             <a:avLst/>
@@ -2065,13 +2058,13 @@
         </p:nvPicPr>
         <p:blipFill>
           <a:blip r:embed="rId4"/>
-          <a:srcRect l="0" t="0" r="71204" b="79270"/>
+          <a:srcRect l="0" t="0" r="71181" b="79227"/>
           <a:stretch/>
         </p:blipFill>
         <p:spPr>
           <a:xfrm>
             <a:off x="8178840" y="4111920"/>
-            <a:ext cx="1378080" cy="513000"/>
+            <a:ext cx="1377000" cy="511920"/>
           </a:xfrm>
           <a:prstGeom prst="rect">
             <a:avLst/>
@@ -2089,13 +2082,13 @@
         </p:nvPicPr>
         <p:blipFill>
           <a:blip r:embed="rId5"/>
-          <a:srcRect l="0" t="73442" r="57053" b="0"/>
+          <a:srcRect l="0" t="73399" r="57030" b="0"/>
           <a:stretch/>
         </p:blipFill>
         <p:spPr>
           <a:xfrm>
             <a:off x="9720000" y="4019760"/>
-            <a:ext cx="2057400" cy="658440"/>
+            <a:ext cx="2056320" cy="657360"/>
           </a:xfrm>
           <a:prstGeom prst="rect">
             <a:avLst/>
@@ -2113,13 +2106,13 @@
         </p:nvPicPr>
         <p:blipFill>
           <a:blip r:embed="rId6"/>
-          <a:srcRect l="-641" t="0" r="0" b="71091"/>
+          <a:srcRect l="-641" t="0" r="0" b="71062"/>
           <a:stretch/>
         </p:blipFill>
         <p:spPr>
           <a:xfrm>
             <a:off x="4134600" y="1340640"/>
-            <a:ext cx="7743600" cy="1077840"/>
+            <a:ext cx="7742520" cy="1076760"/>
           </a:xfrm>
           <a:prstGeom prst="rect">
             <a:avLst/>
@@ -2143,7 +2136,7 @@
         <p:spPr>
           <a:xfrm>
             <a:off x="9540000" y="4860000"/>
-            <a:ext cx="2322000" cy="1463040"/>
+            <a:ext cx="2320920" cy="1461960"/>
           </a:xfrm>
           <a:prstGeom prst="rect">
             <a:avLst/>
@@ -2185,14 +2178,14 @@
       </p:grpSpPr>
       <p:sp>
         <p:nvSpPr>
-          <p:cNvPr id="85" name="CustomShape 1"/>
+          <p:cNvPr id="98" name="CustomShape 1"/>
           <p:cNvSpPr/>
           <p:nvPr/>
         </p:nvSpPr>
         <p:spPr>
           <a:xfrm>
             <a:off x="395280" y="374400"/>
-            <a:ext cx="8292600" cy="884880"/>
+            <a:ext cx="8291520" cy="883800"/>
           </a:xfrm>
           <a:prstGeom prst="rect">
             <a:avLst/>
@@ -2226,7 +2219,7 @@
                 <a:latin typeface="Calibri Light"/>
                 <a:ea typeface="DejaVu Sans"/>
               </a:rPr>
-              <a:t>Teste:</a:t>
+              <a:t>Duas classes?</a:t>
             </a:r>
             <a:endParaRPr b="0" lang="pt-BR" sz="4400" spc="-1" strike="noStrike">
               <a:latin typeface="Arial"/>
@@ -2236,14 +2229,14 @@
       </p:sp>
       <p:sp>
         <p:nvSpPr>
-          <p:cNvPr id="86" name="CustomShape 2"/>
+          <p:cNvPr id="99" name="CustomShape 2"/>
           <p:cNvSpPr/>
           <p:nvPr/>
         </p:nvSpPr>
         <p:spPr>
           <a:xfrm>
             <a:off x="395280" y="1479960"/>
-            <a:ext cx="11488320" cy="5087160"/>
+            <a:ext cx="11487240" cy="5086080"/>
           </a:xfrm>
           <a:prstGeom prst="rect">
             <a:avLst/>
@@ -2264,28 +2257,196 @@
             <a:normAutofit/>
           </a:bodyPr>
           <a:p>
-            <a:pPr marL="228600" indent="-225000">
-              <a:lnSpc>
-                <a:spcPct val="90000"/>
-              </a:lnSpc>
-              <a:spcBef>
-                <a:spcPts val="1001"/>
-              </a:spcBef>
-              <a:buClr>
-                <a:srgbClr val="000000"/>
-              </a:buClr>
-              <a:buFont typeface="Arial"/>
-              <a:buChar char="•"/>
-            </a:pPr>
-            <a:r>
-              <a:rPr b="0" lang="pt-BR" sz="3200" spc="-1" strike="noStrike">
-                <a:solidFill>
-                  <a:srgbClr val="000000"/>
-                </a:solidFill>
-                <a:latin typeface="Calibri"/>
-                <a:ea typeface="DejaVu Sans"/>
-              </a:rPr>
-              <a:t>Texto</a:t>
+            <a:pPr marL="228600" indent="-223920">
+              <a:lnSpc>
+                <a:spcPct val="90000"/>
+              </a:lnSpc>
+              <a:spcBef>
+                <a:spcPts val="1001"/>
+              </a:spcBef>
+              <a:buClr>
+                <a:srgbClr val="000000"/>
+              </a:buClr>
+              <a:buFont typeface="Arial"/>
+              <a:buChar char="•"/>
+            </a:pPr>
+            <a:r>
+              <a:rPr b="0" lang="pt-BR" sz="3200" spc="-1" strike="noStrike">
+                <a:solidFill>
+                  <a:srgbClr val="000000"/>
+                </a:solidFill>
+                <a:latin typeface="Calibri"/>
+                <a:ea typeface="DejaVu Sans"/>
+              </a:rPr>
+              <a:t>Vamos adicionar uma nova </a:t>
+            </a:r>
+            <a:endParaRPr b="0" lang="pt-BR" sz="3200" spc="-1" strike="noStrike">
+              <a:latin typeface="Arial"/>
+            </a:endParaRPr>
+          </a:p>
+          <a:p>
+            <a:pPr marL="228600" indent="-223920">
+              <a:lnSpc>
+                <a:spcPct val="90000"/>
+              </a:lnSpc>
+              <a:spcBef>
+                <a:spcPts val="1001"/>
+              </a:spcBef>
+              <a:buClr>
+                <a:srgbClr val="000000"/>
+              </a:buClr>
+              <a:buFont typeface="Arial"/>
+              <a:buChar char="•"/>
+            </a:pPr>
+            <a:r>
+              <a:rPr b="0" lang="pt-BR" sz="3200" spc="-1" strike="noStrike">
+                <a:solidFill>
+                  <a:srgbClr val="000000"/>
+                </a:solidFill>
+                <a:latin typeface="Calibri"/>
+                <a:ea typeface="DejaVu Sans"/>
+              </a:rPr>
+              <a:t>classe na nossa secção </a:t>
+            </a:r>
+            <a:endParaRPr b="0" lang="pt-BR" sz="3200" spc="-1" strike="noStrike">
+              <a:latin typeface="Arial"/>
+            </a:endParaRPr>
+          </a:p>
+          <a:p>
+            <a:pPr marL="228600" indent="-223920">
+              <a:lnSpc>
+                <a:spcPct val="90000"/>
+              </a:lnSpc>
+              <a:spcBef>
+                <a:spcPts val="1001"/>
+              </a:spcBef>
+              <a:buClr>
+                <a:srgbClr val="000000"/>
+              </a:buClr>
+              <a:buFont typeface="Arial"/>
+              <a:buChar char="•"/>
+            </a:pPr>
+            <a:r>
+              <a:rPr b="0" lang="pt-BR" sz="3200" spc="-1" strike="noStrike">
+                <a:solidFill>
+                  <a:srgbClr val="000000"/>
+                </a:solidFill>
+                <a:latin typeface="Calibri"/>
+                <a:ea typeface="DejaVu Sans"/>
+              </a:rPr>
+              <a:t>principal. Pra isso só</a:t>
+            </a:r>
+            <a:endParaRPr b="0" lang="pt-BR" sz="3200" spc="-1" strike="noStrike">
+              <a:latin typeface="Arial"/>
+            </a:endParaRPr>
+          </a:p>
+          <a:p>
+            <a:pPr marL="228600" indent="-223920">
+              <a:lnSpc>
+                <a:spcPct val="90000"/>
+              </a:lnSpc>
+              <a:spcBef>
+                <a:spcPts val="1001"/>
+              </a:spcBef>
+              <a:buClr>
+                <a:srgbClr val="000000"/>
+              </a:buClr>
+              <a:buFont typeface="Arial"/>
+              <a:buChar char="•"/>
+            </a:pPr>
+            <a:r>
+              <a:rPr b="0" lang="pt-BR" sz="3200" spc="-1" strike="noStrike">
+                <a:solidFill>
+                  <a:srgbClr val="000000"/>
+                </a:solidFill>
+                <a:latin typeface="Calibri"/>
+                <a:ea typeface="DejaVu Sans"/>
+              </a:rPr>
+              <a:t>precisamos dar um espaço.</a:t>
+            </a:r>
+            <a:endParaRPr b="0" lang="pt-BR" sz="3200" spc="-1" strike="noStrike">
+              <a:latin typeface="Arial"/>
+            </a:endParaRPr>
+          </a:p>
+          <a:p>
+            <a:pPr marL="228600" indent="-223920">
+              <a:lnSpc>
+                <a:spcPct val="90000"/>
+              </a:lnSpc>
+              <a:spcBef>
+                <a:spcPts val="1001"/>
+              </a:spcBef>
+              <a:buClr>
+                <a:srgbClr val="000000"/>
+              </a:buClr>
+              <a:buFont typeface="Arial"/>
+              <a:buChar char="•"/>
+            </a:pPr>
+            <a:r>
+              <a:rPr b="0" lang="pt-BR" sz="3200" spc="-1" strike="noStrike">
+                <a:solidFill>
+                  <a:srgbClr val="000000"/>
+                </a:solidFill>
+                <a:latin typeface="Calibri"/>
+                <a:ea typeface="DejaVu Sans"/>
+              </a:rPr>
+              <a:t> </a:t>
+            </a:r>
+            <a:endParaRPr b="0" lang="pt-BR" sz="3200" spc="-1" strike="noStrike">
+              <a:latin typeface="Arial"/>
+            </a:endParaRPr>
+          </a:p>
+          <a:p>
+            <a:pPr marL="228600" indent="-223920">
+              <a:lnSpc>
+                <a:spcPct val="90000"/>
+              </a:lnSpc>
+              <a:spcBef>
+                <a:spcPts val="1001"/>
+              </a:spcBef>
+              <a:buClr>
+                <a:srgbClr val="000000"/>
+              </a:buClr>
+              <a:buFont typeface="Arial"/>
+              <a:buChar char="•"/>
+            </a:pPr>
+            <a:r>
+              <a:rPr b="0" lang="pt-BR" sz="3200" spc="-1" strike="noStrike">
+                <a:solidFill>
+                  <a:srgbClr val="000000"/>
+                </a:solidFill>
+                <a:latin typeface="Calibri"/>
+                <a:ea typeface="DejaVu Sans"/>
+              </a:rPr>
+              <a:t>Pra arrumar a altura da nossa imagem, vamor usar essa nova classe.</a:t>
+            </a:r>
+            <a:endParaRPr b="0" lang="pt-BR" sz="3200" spc="-1" strike="noStrike">
+              <a:latin typeface="Arial"/>
+            </a:endParaRPr>
+          </a:p>
+          <a:p>
+            <a:pPr marL="228600" indent="-223920">
+              <a:lnSpc>
+                <a:spcPct val="90000"/>
+              </a:lnSpc>
+              <a:spcBef>
+                <a:spcPts val="1001"/>
+              </a:spcBef>
+              <a:buClr>
+                <a:srgbClr val="000000"/>
+              </a:buClr>
+              <a:buFont typeface="Arial"/>
+              <a:buChar char="•"/>
+            </a:pPr>
+            <a:r>
+              <a:rPr b="0" lang="pt-BR" sz="3200" spc="-1" strike="noStrike">
+                <a:solidFill>
+                  <a:srgbClr val="000000"/>
+                </a:solidFill>
+                <a:latin typeface="Calibri"/>
+                <a:ea typeface="DejaVu Sans"/>
+              </a:rPr>
+              <a:t>Essa classe vai servir pra tornar os elementos com o tamanho da tela.</a:t>
             </a:r>
             <a:endParaRPr b="0" lang="pt-BR" sz="3200" spc="-1" strike="noStrike">
               <a:latin typeface="Arial"/>
@@ -2306,6 +2467,75 @@
           </a:p>
         </p:txBody>
       </p:sp>
+      <p:pic>
+        <p:nvPicPr>
+          <p:cNvPr id="100" name="" descr=""/>
+          <p:cNvPicPr/>
+          <p:nvPr/>
+        </p:nvPicPr>
+        <p:blipFill>
+          <a:blip r:embed="rId1"/>
+          <a:stretch/>
+        </p:blipFill>
+        <p:spPr>
+          <a:xfrm>
+            <a:off x="5856480" y="376560"/>
+            <a:ext cx="5947200" cy="883080"/>
+          </a:xfrm>
+          <a:prstGeom prst="rect">
+            <a:avLst/>
+          </a:prstGeom>
+          <a:ln w="0">
+            <a:noFill/>
+          </a:ln>
+        </p:spPr>
+      </p:pic>
+      <p:pic>
+        <p:nvPicPr>
+          <p:cNvPr id="101" name="" descr=""/>
+          <p:cNvPicPr/>
+          <p:nvPr/>
+        </p:nvPicPr>
+        <p:blipFill>
+          <a:blip r:embed="rId2"/>
+          <a:stretch/>
+        </p:blipFill>
+        <p:spPr>
+          <a:xfrm>
+            <a:off x="5567040" y="1862280"/>
+            <a:ext cx="6178680" cy="1017360"/>
+          </a:xfrm>
+          <a:prstGeom prst="rect">
+            <a:avLst/>
+          </a:prstGeom>
+          <a:ln w="0">
+            <a:noFill/>
+          </a:ln>
+        </p:spPr>
+      </p:pic>
+      <p:pic>
+        <p:nvPicPr>
+          <p:cNvPr id="102" name="" descr=""/>
+          <p:cNvPicPr/>
+          <p:nvPr/>
+        </p:nvPicPr>
+        <p:blipFill>
+          <a:blip r:embed="rId3"/>
+          <a:stretch/>
+        </p:blipFill>
+        <p:spPr>
+          <a:xfrm>
+            <a:off x="5760000" y="2996280"/>
+            <a:ext cx="5939640" cy="1627920"/>
+          </a:xfrm>
+          <a:prstGeom prst="rect">
+            <a:avLst/>
+          </a:prstGeom>
+          <a:ln w="0">
+            <a:noFill/>
+          </a:ln>
+        </p:spPr>
+      </p:pic>
     </p:spTree>
   </p:cSld>
   <mc:AlternateContent>
@@ -2338,14 +2568,14 @@
       </p:grpSpPr>
       <p:sp>
         <p:nvSpPr>
-          <p:cNvPr id="87" name="CustomShape 1"/>
+          <p:cNvPr id="103" name="CustomShape 1"/>
           <p:cNvSpPr/>
           <p:nvPr/>
         </p:nvSpPr>
         <p:spPr>
           <a:xfrm>
             <a:off x="395280" y="374400"/>
-            <a:ext cx="8292600" cy="884880"/>
+            <a:ext cx="8291520" cy="883800"/>
           </a:xfrm>
           <a:prstGeom prst="rect">
             <a:avLst/>
@@ -2379,7 +2609,7 @@
                 <a:latin typeface="Calibri Light"/>
                 <a:ea typeface="DejaVu Sans"/>
               </a:rPr>
-              <a:t>Teste:</a:t>
+              <a:t>Botão:</a:t>
             </a:r>
             <a:endParaRPr b="0" lang="pt-BR" sz="4400" spc="-1" strike="noStrike">
               <a:latin typeface="Arial"/>
@@ -2389,14 +2619,14 @@
       </p:sp>
       <p:sp>
         <p:nvSpPr>
-          <p:cNvPr id="88" name="CustomShape 2"/>
+          <p:cNvPr id="104" name="CustomShape 2"/>
           <p:cNvSpPr/>
           <p:nvPr/>
         </p:nvSpPr>
         <p:spPr>
           <a:xfrm>
             <a:off x="395280" y="1479960"/>
-            <a:ext cx="11488320" cy="5087160"/>
+            <a:ext cx="11487240" cy="5086080"/>
           </a:xfrm>
           <a:prstGeom prst="rect">
             <a:avLst/>
@@ -2417,28 +2647,209 @@
             <a:normAutofit/>
           </a:bodyPr>
           <a:p>
-            <a:pPr marL="228600" indent="-225000">
-              <a:lnSpc>
-                <a:spcPct val="90000"/>
-              </a:lnSpc>
-              <a:spcBef>
-                <a:spcPts val="1001"/>
-              </a:spcBef>
-              <a:buClr>
-                <a:srgbClr val="000000"/>
-              </a:buClr>
-              <a:buFont typeface="Arial"/>
-              <a:buChar char="•"/>
-            </a:pPr>
-            <a:r>
-              <a:rPr b="0" lang="pt-BR" sz="3200" spc="-1" strike="noStrike">
-                <a:solidFill>
-                  <a:srgbClr val="000000"/>
-                </a:solidFill>
-                <a:latin typeface="Calibri"/>
-                <a:ea typeface="DejaVu Sans"/>
-              </a:rPr>
-              <a:t>Texto</a:t>
+            <a:pPr>
+              <a:lnSpc>
+                <a:spcPct val="90000"/>
+              </a:lnSpc>
+              <a:spcBef>
+                <a:spcPts val="1001"/>
+              </a:spcBef>
+            </a:pPr>
+            <a:endParaRPr b="0" lang="pt-BR" sz="1800" spc="-1" strike="noStrike">
+              <a:latin typeface="Arial"/>
+            </a:endParaRPr>
+          </a:p>
+          <a:p>
+            <a:pPr marL="228600" indent="-223920">
+              <a:lnSpc>
+                <a:spcPct val="90000"/>
+              </a:lnSpc>
+              <a:spcBef>
+                <a:spcPts val="1001"/>
+              </a:spcBef>
+              <a:buClr>
+                <a:srgbClr val="000000"/>
+              </a:buClr>
+              <a:buFont typeface="Arial"/>
+              <a:buChar char="•"/>
+            </a:pPr>
+            <a:r>
+              <a:rPr b="0" lang="pt-BR" sz="3200" spc="-1" strike="noStrike">
+                <a:solidFill>
+                  <a:srgbClr val="000000"/>
+                </a:solidFill>
+                <a:latin typeface="Calibri"/>
+                <a:ea typeface="DejaVu Sans"/>
+              </a:rPr>
+              <a:t>Vamos iniciar criando o nosso botão.</a:t>
+            </a:r>
+            <a:endParaRPr b="0" lang="pt-BR" sz="3200" spc="-1" strike="noStrike">
+              <a:latin typeface="Arial"/>
+            </a:endParaRPr>
+          </a:p>
+          <a:p>
+            <a:pPr marL="228600" indent="-223920">
+              <a:lnSpc>
+                <a:spcPct val="90000"/>
+              </a:lnSpc>
+              <a:spcBef>
+                <a:spcPts val="1001"/>
+              </a:spcBef>
+              <a:buClr>
+                <a:srgbClr val="000000"/>
+              </a:buClr>
+              <a:buFont typeface="Arial"/>
+              <a:buChar char="•"/>
+            </a:pPr>
+            <a:r>
+              <a:rPr b="0" lang="pt-BR" sz="3200" spc="-1" strike="noStrike">
+                <a:solidFill>
+                  <a:srgbClr val="000000"/>
+                </a:solidFill>
+                <a:latin typeface="Calibri"/>
+                <a:ea typeface="DejaVu Sans"/>
+              </a:rPr>
+              <a:t>Nele vamos ter um link, e dentro da tag &lt;a&gt; o que vai estar escrito no botão.</a:t>
+            </a:r>
+            <a:endParaRPr b="0" lang="pt-BR" sz="3200" spc="-1" strike="noStrike">
+              <a:latin typeface="Arial"/>
+            </a:endParaRPr>
+          </a:p>
+          <a:p>
+            <a:pPr marL="228600" indent="-223920">
+              <a:lnSpc>
+                <a:spcPct val="90000"/>
+              </a:lnSpc>
+              <a:spcBef>
+                <a:spcPts val="1001"/>
+              </a:spcBef>
+              <a:buClr>
+                <a:srgbClr val="000000"/>
+              </a:buClr>
+              <a:buFont typeface="Arial"/>
+              <a:buChar char="•"/>
+            </a:pPr>
+            <a:r>
+              <a:rPr b="0" lang="pt-BR" sz="3200" spc="-1" strike="noStrike">
+                <a:solidFill>
+                  <a:srgbClr val="000000"/>
+                </a:solidFill>
+                <a:latin typeface="Calibri"/>
+                <a:ea typeface="DejaVu Sans"/>
+              </a:rPr>
+              <a:t> </a:t>
+            </a:r>
+            <a:endParaRPr b="0" lang="pt-BR" sz="3200" spc="-1" strike="noStrike">
+              <a:latin typeface="Arial"/>
+            </a:endParaRPr>
+          </a:p>
+          <a:p>
+            <a:pPr marL="228600" indent="-223920">
+              <a:lnSpc>
+                <a:spcPct val="90000"/>
+              </a:lnSpc>
+              <a:spcBef>
+                <a:spcPts val="1001"/>
+              </a:spcBef>
+              <a:buClr>
+                <a:srgbClr val="000000"/>
+              </a:buClr>
+              <a:buFont typeface="Arial"/>
+              <a:buChar char="•"/>
+            </a:pPr>
+            <a:r>
+              <a:rPr b="0" lang="pt-BR" sz="3200" spc="-1" strike="noStrike">
+                <a:solidFill>
+                  <a:srgbClr val="000000"/>
+                </a:solidFill>
+                <a:latin typeface="Calibri"/>
+                <a:ea typeface="DejaVu Sans"/>
+              </a:rPr>
+              <a:t>Agora podemos arrumar as </a:t>
+            </a:r>
+            <a:endParaRPr b="0" lang="pt-BR" sz="3200" spc="-1" strike="noStrike">
+              <a:latin typeface="Arial"/>
+            </a:endParaRPr>
+          </a:p>
+          <a:p>
+            <a:pPr marL="228600" indent="-223920">
+              <a:lnSpc>
+                <a:spcPct val="90000"/>
+              </a:lnSpc>
+              <a:spcBef>
+                <a:spcPts val="1001"/>
+              </a:spcBef>
+              <a:buClr>
+                <a:srgbClr val="000000"/>
+              </a:buClr>
+              <a:buFont typeface="Arial"/>
+              <a:buChar char="•"/>
+            </a:pPr>
+            <a:r>
+              <a:rPr b="0" lang="pt-BR" sz="3200" spc="-1" strike="noStrike">
+                <a:solidFill>
+                  <a:srgbClr val="000000"/>
+                </a:solidFill>
+                <a:latin typeface="Calibri"/>
+                <a:ea typeface="DejaVu Sans"/>
+              </a:rPr>
+              <a:t>propriedades do nosso botão.</a:t>
+            </a:r>
+            <a:endParaRPr b="0" lang="pt-BR" sz="3200" spc="-1" strike="noStrike">
+              <a:latin typeface="Arial"/>
+            </a:endParaRPr>
+          </a:p>
+          <a:p>
+            <a:pPr marL="228600" indent="-223920">
+              <a:lnSpc>
+                <a:spcPct val="90000"/>
+              </a:lnSpc>
+              <a:spcBef>
+                <a:spcPts val="1001"/>
+              </a:spcBef>
+              <a:buClr>
+                <a:srgbClr val="000000"/>
+              </a:buClr>
+              <a:buFont typeface="Arial"/>
+              <a:buChar char="•"/>
+            </a:pPr>
+            <a:r>
+              <a:rPr b="0" lang="pt-BR" sz="3200" spc="-1" strike="noStrike">
+                <a:solidFill>
+                  <a:srgbClr val="000000"/>
+                </a:solidFill>
+                <a:latin typeface="Calibri"/>
+                <a:ea typeface="DejaVu Sans"/>
+              </a:rPr>
+              <a:t> </a:t>
+            </a:r>
+            <a:endParaRPr b="0" lang="pt-BR" sz="3200" spc="-1" strike="noStrike">
+              <a:latin typeface="Arial"/>
+            </a:endParaRPr>
+          </a:p>
+          <a:p>
+            <a:pPr marL="228600" indent="-223920">
+              <a:lnSpc>
+                <a:spcPct val="90000"/>
+              </a:lnSpc>
+              <a:spcBef>
+                <a:spcPts val="1001"/>
+              </a:spcBef>
+              <a:buClr>
+                <a:srgbClr val="000000"/>
+              </a:buClr>
+              <a:buFont typeface="Arial"/>
+              <a:buChar char="•"/>
+            </a:pPr>
+            <a:r>
+              <a:rPr b="0" lang="pt-BR" sz="3200" spc="-1" strike="noStrike">
+                <a:solidFill>
+                  <a:srgbClr val="000000"/>
+                </a:solidFill>
+                <a:latin typeface="Calibri"/>
+                <a:ea typeface="DejaVu Sans"/>
+              </a:rPr>
+              <a:t>Mas como fazer ele ocupar o espaço certo?</a:t>
             </a:r>
             <a:endParaRPr b="0" lang="pt-BR" sz="3200" spc="-1" strike="noStrike">
               <a:latin typeface="Arial"/>
@@ -2459,6 +2870,52 @@
           </a:p>
         </p:txBody>
       </p:sp>
+      <p:pic>
+        <p:nvPicPr>
+          <p:cNvPr id="105" name="" descr=""/>
+          <p:cNvPicPr/>
+          <p:nvPr/>
+        </p:nvPicPr>
+        <p:blipFill>
+          <a:blip r:embed="rId1"/>
+          <a:stretch/>
+        </p:blipFill>
+        <p:spPr>
+          <a:xfrm>
+            <a:off x="2520000" y="360000"/>
+            <a:ext cx="9368640" cy="1675440"/>
+          </a:xfrm>
+          <a:prstGeom prst="rect">
+            <a:avLst/>
+          </a:prstGeom>
+          <a:ln w="0">
+            <a:noFill/>
+          </a:ln>
+        </p:spPr>
+      </p:pic>
+      <p:pic>
+        <p:nvPicPr>
+          <p:cNvPr id="106" name="" descr=""/>
+          <p:cNvPicPr/>
+          <p:nvPr/>
+        </p:nvPicPr>
+        <p:blipFill>
+          <a:blip r:embed="rId2"/>
+          <a:stretch/>
+        </p:blipFill>
+        <p:spPr>
+          <a:xfrm>
+            <a:off x="5804280" y="3240000"/>
+            <a:ext cx="6130080" cy="2339640"/>
+          </a:xfrm>
+          <a:prstGeom prst="rect">
+            <a:avLst/>
+          </a:prstGeom>
+          <a:ln w="0">
+            <a:noFill/>
+          </a:ln>
+        </p:spPr>
+      </p:pic>
     </p:spTree>
   </p:cSld>
   <mc:AlternateContent>
@@ -2491,14 +2948,14 @@
       </p:grpSpPr>
       <p:sp>
         <p:nvSpPr>
-          <p:cNvPr id="89" name="CustomShape 1"/>
+          <p:cNvPr id="107" name="CustomShape 1"/>
           <p:cNvSpPr/>
           <p:nvPr/>
         </p:nvSpPr>
         <p:spPr>
           <a:xfrm>
             <a:off x="395280" y="374400"/>
-            <a:ext cx="8292600" cy="884880"/>
+            <a:ext cx="8291520" cy="883800"/>
           </a:xfrm>
           <a:prstGeom prst="rect">
             <a:avLst/>
@@ -2532,7 +2989,7 @@
                 <a:latin typeface="Calibri Light"/>
                 <a:ea typeface="DejaVu Sans"/>
               </a:rPr>
-              <a:t>Teste:</a:t>
+              <a:t>Sem gambiarra...</a:t>
             </a:r>
             <a:endParaRPr b="0" lang="pt-BR" sz="4400" spc="-1" strike="noStrike">
               <a:latin typeface="Arial"/>
@@ -2542,14 +2999,14 @@
       </p:sp>
       <p:sp>
         <p:nvSpPr>
-          <p:cNvPr id="90" name="CustomShape 2"/>
+          <p:cNvPr id="108" name="CustomShape 2"/>
           <p:cNvSpPr/>
           <p:nvPr/>
         </p:nvSpPr>
         <p:spPr>
           <a:xfrm>
             <a:off x="395280" y="1479960"/>
-            <a:ext cx="11488320" cy="5087160"/>
+            <a:ext cx="11487240" cy="5086080"/>
           </a:xfrm>
           <a:prstGeom prst="rect">
             <a:avLst/>
@@ -2570,28 +3027,252 @@
             <a:normAutofit/>
           </a:bodyPr>
           <a:p>
-            <a:pPr marL="228600" indent="-225000">
-              <a:lnSpc>
-                <a:spcPct val="90000"/>
-              </a:lnSpc>
-              <a:spcBef>
-                <a:spcPts val="1001"/>
-              </a:spcBef>
-              <a:buClr>
-                <a:srgbClr val="000000"/>
-              </a:buClr>
-              <a:buFont typeface="Arial"/>
-              <a:buChar char="•"/>
-            </a:pPr>
-            <a:r>
-              <a:rPr b="0" lang="pt-BR" sz="3200" spc="-1" strike="noStrike">
-                <a:solidFill>
-                  <a:srgbClr val="000000"/>
-                </a:solidFill>
-                <a:latin typeface="Calibri"/>
-                <a:ea typeface="DejaVu Sans"/>
-              </a:rPr>
-              <a:t>Texto</a:t>
+            <a:pPr marL="228600" indent="-223920">
+              <a:lnSpc>
+                <a:spcPct val="90000"/>
+              </a:lnSpc>
+              <a:spcBef>
+                <a:spcPts val="1001"/>
+              </a:spcBef>
+              <a:buClr>
+                <a:srgbClr val="000000"/>
+              </a:buClr>
+              <a:buFont typeface="Arial"/>
+              <a:buChar char="•"/>
+            </a:pPr>
+            <a:r>
+              <a:rPr b="0" lang="pt-BR" sz="3200" spc="-1" strike="noStrike">
+                <a:solidFill>
+                  <a:srgbClr val="000000"/>
+                </a:solidFill>
+                <a:latin typeface="Calibri"/>
+                <a:ea typeface="DejaVu Sans"/>
+              </a:rPr>
+              <a:t>O jeito certo de </a:t>
+            </a:r>
+            <a:endParaRPr b="0" lang="pt-BR" sz="3200" spc="-1" strike="noStrike">
+              <a:latin typeface="Arial"/>
+            </a:endParaRPr>
+          </a:p>
+          <a:p>
+            <a:pPr marL="228600" indent="-223920">
+              <a:lnSpc>
+                <a:spcPct val="90000"/>
+              </a:lnSpc>
+              <a:spcBef>
+                <a:spcPts val="1001"/>
+              </a:spcBef>
+              <a:buClr>
+                <a:srgbClr val="000000"/>
+              </a:buClr>
+              <a:buFont typeface="Arial"/>
+              <a:buChar char="•"/>
+            </a:pPr>
+            <a:r>
+              <a:rPr b="0" lang="pt-BR" sz="3200" spc="-1" strike="noStrike">
+                <a:solidFill>
+                  <a:srgbClr val="000000"/>
+                </a:solidFill>
+                <a:latin typeface="Calibri"/>
+                <a:ea typeface="DejaVu Sans"/>
+              </a:rPr>
+              <a:t>resolver é separar em </a:t>
+            </a:r>
+            <a:endParaRPr b="0" lang="pt-BR" sz="3200" spc="-1" strike="noStrike">
+              <a:latin typeface="Arial"/>
+            </a:endParaRPr>
+          </a:p>
+          <a:p>
+            <a:pPr marL="228600" indent="-223920">
+              <a:lnSpc>
+                <a:spcPct val="90000"/>
+              </a:lnSpc>
+              <a:spcBef>
+                <a:spcPts val="1001"/>
+              </a:spcBef>
+              <a:buClr>
+                <a:srgbClr val="000000"/>
+              </a:buClr>
+              <a:buFont typeface="Arial"/>
+              <a:buChar char="•"/>
+            </a:pPr>
+            <a:r>
+              <a:rPr b="0" lang="pt-BR" sz="3200" spc="-1" strike="noStrike">
+                <a:solidFill>
+                  <a:srgbClr val="000000"/>
+                </a:solidFill>
+                <a:latin typeface="Calibri"/>
+                <a:ea typeface="DejaVu Sans"/>
+              </a:rPr>
+              <a:t>um quadriculado.</a:t>
+            </a:r>
+            <a:endParaRPr b="0" lang="pt-BR" sz="3200" spc="-1" strike="noStrike">
+              <a:latin typeface="Arial"/>
+            </a:endParaRPr>
+          </a:p>
+          <a:p>
+            <a:pPr marL="228600" indent="-223920">
+              <a:lnSpc>
+                <a:spcPct val="90000"/>
+              </a:lnSpc>
+              <a:spcBef>
+                <a:spcPts val="1001"/>
+              </a:spcBef>
+              <a:buClr>
+                <a:srgbClr val="000000"/>
+              </a:buClr>
+              <a:buFont typeface="Arial"/>
+              <a:buChar char="•"/>
+            </a:pPr>
+            <a:r>
+              <a:rPr b="0" lang="pt-BR" sz="3200" spc="-1" strike="noStrike">
+                <a:solidFill>
+                  <a:srgbClr val="000000"/>
+                </a:solidFill>
+                <a:latin typeface="Calibri"/>
+                <a:ea typeface="DejaVu Sans"/>
+              </a:rPr>
+              <a:t>Pra início vamos colocar duas colunas de mesmo tamanho.</a:t>
+            </a:r>
+            <a:endParaRPr b="0" lang="pt-BR" sz="3200" spc="-1" strike="noStrike">
+              <a:latin typeface="Arial"/>
+            </a:endParaRPr>
+          </a:p>
+          <a:p>
+            <a:pPr marL="228600" indent="-223920">
+              <a:lnSpc>
+                <a:spcPct val="90000"/>
+              </a:lnSpc>
+              <a:spcBef>
+                <a:spcPts val="1001"/>
+              </a:spcBef>
+              <a:buClr>
+                <a:srgbClr val="000000"/>
+              </a:buClr>
+              <a:buFont typeface="Arial"/>
+              <a:buChar char="•"/>
+            </a:pPr>
+            <a:r>
+              <a:rPr b="0" lang="pt-BR" sz="3200" spc="-1" strike="noStrike">
+                <a:solidFill>
+                  <a:srgbClr val="000000"/>
+                </a:solidFill>
+                <a:latin typeface="Calibri"/>
+                <a:ea typeface="DejaVu Sans"/>
+              </a:rPr>
+              <a:t> </a:t>
+            </a:r>
+            <a:endParaRPr b="0" lang="pt-BR" sz="3200" spc="-1" strike="noStrike">
+              <a:latin typeface="Arial"/>
+            </a:endParaRPr>
+          </a:p>
+          <a:p>
+            <a:pPr marL="228600" indent="-223920">
+              <a:lnSpc>
+                <a:spcPct val="90000"/>
+              </a:lnSpc>
+              <a:spcBef>
+                <a:spcPts val="1001"/>
+              </a:spcBef>
+              <a:buClr>
+                <a:srgbClr val="000000"/>
+              </a:buClr>
+              <a:buFont typeface="Arial"/>
+              <a:buChar char="•"/>
+            </a:pPr>
+            <a:r>
+              <a:rPr b="0" lang="pt-BR" sz="3200" spc="-1" strike="noStrike">
+                <a:solidFill>
+                  <a:srgbClr val="000000"/>
+                </a:solidFill>
+                <a:latin typeface="Calibri"/>
+                <a:ea typeface="DejaVu Sans"/>
+              </a:rPr>
+              <a:t>A página fica estranha pois cada &lt;tag&gt; funciona como </a:t>
+            </a:r>
+            <a:endParaRPr b="0" lang="pt-BR" sz="3200" spc="-1" strike="noStrike">
+              <a:latin typeface="Arial"/>
+            </a:endParaRPr>
+          </a:p>
+          <a:p>
+            <a:pPr marL="228600" indent="-223920">
+              <a:lnSpc>
+                <a:spcPct val="90000"/>
+              </a:lnSpc>
+              <a:spcBef>
+                <a:spcPts val="1001"/>
+              </a:spcBef>
+              <a:buClr>
+                <a:srgbClr val="000000"/>
+              </a:buClr>
+              <a:buFont typeface="Arial"/>
+              <a:buChar char="•"/>
+            </a:pPr>
+            <a:r>
+              <a:rPr b="0" lang="pt-BR" sz="3200" spc="-1" strike="noStrike">
+                <a:solidFill>
+                  <a:srgbClr val="000000"/>
+                </a:solidFill>
+                <a:latin typeface="Calibri"/>
+                <a:ea typeface="DejaVu Sans"/>
+              </a:rPr>
+              <a:t>um elemento.</a:t>
+            </a:r>
+            <a:endParaRPr b="0" lang="pt-BR" sz="3200" spc="-1" strike="noStrike">
+              <a:latin typeface="Arial"/>
+            </a:endParaRPr>
+          </a:p>
+          <a:p>
+            <a:pPr marL="228600" indent="-223920">
+              <a:lnSpc>
+                <a:spcPct val="90000"/>
+              </a:lnSpc>
+              <a:spcBef>
+                <a:spcPts val="1001"/>
+              </a:spcBef>
+              <a:buClr>
+                <a:srgbClr val="000000"/>
+              </a:buClr>
+              <a:buFont typeface="Arial"/>
+              <a:buChar char="•"/>
+            </a:pPr>
+            <a:r>
+              <a:rPr b="0" lang="pt-BR" sz="3200" spc="-1" strike="noStrike">
+                <a:solidFill>
+                  <a:srgbClr val="000000"/>
+                </a:solidFill>
+                <a:latin typeface="Calibri"/>
+                <a:ea typeface="DejaVu Sans"/>
+              </a:rPr>
+              <a:t>Vamos juntar vários elementos em uma mesma divisão </a:t>
+            </a:r>
+            <a:endParaRPr b="0" lang="pt-BR" sz="3200" spc="-1" strike="noStrike">
+              <a:latin typeface="Arial"/>
+            </a:endParaRPr>
+          </a:p>
+          <a:p>
+            <a:pPr marL="228600" indent="-223920">
+              <a:lnSpc>
+                <a:spcPct val="90000"/>
+              </a:lnSpc>
+              <a:spcBef>
+                <a:spcPts val="1001"/>
+              </a:spcBef>
+              <a:buClr>
+                <a:srgbClr val="000000"/>
+              </a:buClr>
+              <a:buFont typeface="Arial"/>
+              <a:buChar char="•"/>
+            </a:pPr>
+            <a:r>
+              <a:rPr b="0" lang="pt-BR" sz="3200" spc="-1" strike="noStrike">
+                <a:solidFill>
+                  <a:srgbClr val="000000"/>
+                </a:solidFill>
+                <a:latin typeface="Calibri"/>
+                <a:ea typeface="DejaVu Sans"/>
+              </a:rPr>
+              <a:t>então.</a:t>
             </a:r>
             <a:endParaRPr b="0" lang="pt-BR" sz="3200" spc="-1" strike="noStrike">
               <a:latin typeface="Arial"/>
@@ -2612,6 +3293,52 @@
           </a:p>
         </p:txBody>
       </p:sp>
+      <p:pic>
+        <p:nvPicPr>
+          <p:cNvPr id="109" name="" descr=""/>
+          <p:cNvPicPr/>
+          <p:nvPr/>
+        </p:nvPicPr>
+        <p:blipFill>
+          <a:blip r:embed="rId1"/>
+          <a:stretch/>
+        </p:blipFill>
+        <p:spPr>
+          <a:xfrm>
+            <a:off x="4320000" y="1138320"/>
+            <a:ext cx="7559640" cy="1760400"/>
+          </a:xfrm>
+          <a:prstGeom prst="rect">
+            <a:avLst/>
+          </a:prstGeom>
+          <a:ln w="0">
+            <a:noFill/>
+          </a:ln>
+        </p:spPr>
+      </p:pic>
+      <p:pic>
+        <p:nvPicPr>
+          <p:cNvPr id="110" name="" descr=""/>
+          <p:cNvPicPr/>
+          <p:nvPr/>
+        </p:nvPicPr>
+        <p:blipFill>
+          <a:blip r:embed="rId2"/>
+          <a:stretch/>
+        </p:blipFill>
+        <p:spPr>
+          <a:xfrm>
+            <a:off x="10080000" y="3744720"/>
+            <a:ext cx="1802520" cy="2643120"/>
+          </a:xfrm>
+          <a:prstGeom prst="rect">
+            <a:avLst/>
+          </a:prstGeom>
+          <a:ln w="0">
+            <a:noFill/>
+          </a:ln>
+        </p:spPr>
+      </p:pic>
     </p:spTree>
   </p:cSld>
   <mc:AlternateContent>
@@ -2644,14 +3371,14 @@
       </p:grpSpPr>
       <p:sp>
         <p:nvSpPr>
-          <p:cNvPr id="91" name="CustomShape 1"/>
+          <p:cNvPr id="111" name="CustomShape 1"/>
           <p:cNvSpPr/>
           <p:nvPr/>
         </p:nvSpPr>
         <p:spPr>
           <a:xfrm>
             <a:off x="395280" y="374400"/>
-            <a:ext cx="8292600" cy="884880"/>
+            <a:ext cx="8291520" cy="883800"/>
           </a:xfrm>
           <a:prstGeom prst="rect">
             <a:avLst/>
@@ -2685,7 +3412,7 @@
                 <a:latin typeface="Calibri Light"/>
                 <a:ea typeface="DejaVu Sans"/>
               </a:rPr>
-              <a:t>Teste:</a:t>
+              <a:t>Zona de testes F12:</a:t>
             </a:r>
             <a:endParaRPr b="0" lang="pt-BR" sz="4400" spc="-1" strike="noStrike">
               <a:latin typeface="Arial"/>
@@ -2695,14 +3422,14 @@
       </p:sp>
       <p:sp>
         <p:nvSpPr>
-          <p:cNvPr id="92" name="CustomShape 2"/>
+          <p:cNvPr id="112" name="CustomShape 2"/>
           <p:cNvSpPr/>
           <p:nvPr/>
         </p:nvSpPr>
         <p:spPr>
           <a:xfrm>
             <a:off x="395280" y="1479960"/>
-            <a:ext cx="11488320" cy="5087160"/>
+            <a:ext cx="8064360" cy="5086080"/>
           </a:xfrm>
           <a:prstGeom prst="rect">
             <a:avLst/>
@@ -2723,28 +3450,224 @@
             <a:normAutofit/>
           </a:bodyPr>
           <a:p>
-            <a:pPr marL="228600" indent="-225000">
-              <a:lnSpc>
-                <a:spcPct val="90000"/>
-              </a:lnSpc>
-              <a:spcBef>
-                <a:spcPts val="1001"/>
-              </a:spcBef>
-              <a:buClr>
-                <a:srgbClr val="000000"/>
-              </a:buClr>
-              <a:buFont typeface="Arial"/>
-              <a:buChar char="•"/>
-            </a:pPr>
-            <a:r>
-              <a:rPr b="0" lang="pt-BR" sz="3200" spc="-1" strike="noStrike">
-                <a:solidFill>
-                  <a:srgbClr val="000000"/>
-                </a:solidFill>
-                <a:latin typeface="Calibri"/>
-                <a:ea typeface="DejaVu Sans"/>
-              </a:rPr>
-              <a:t>Texto</a:t>
+            <a:pPr marL="228600" indent="-223920">
+              <a:lnSpc>
+                <a:spcPct val="90000"/>
+              </a:lnSpc>
+              <a:spcBef>
+                <a:spcPts val="1001"/>
+              </a:spcBef>
+              <a:buClr>
+                <a:srgbClr val="000000"/>
+              </a:buClr>
+              <a:buFont typeface="Arial"/>
+              <a:buChar char="•"/>
+            </a:pPr>
+            <a:r>
+              <a:rPr b="0" lang="pt-BR" sz="3200" spc="-1" strike="noStrike">
+                <a:solidFill>
+                  <a:srgbClr val="000000"/>
+                </a:solidFill>
+                <a:latin typeface="Calibri"/>
+                <a:ea typeface="DejaVu Sans"/>
+              </a:rPr>
+              <a:t>Vão na página de vocês e apertem F12.</a:t>
+            </a:r>
+            <a:endParaRPr b="0" lang="pt-BR" sz="3200" spc="-1" strike="noStrike">
+              <a:latin typeface="Arial"/>
+            </a:endParaRPr>
+          </a:p>
+          <a:p>
+            <a:pPr marL="228600" indent="-223920">
+              <a:lnSpc>
+                <a:spcPct val="90000"/>
+              </a:lnSpc>
+              <a:spcBef>
+                <a:spcPts val="1001"/>
+              </a:spcBef>
+              <a:buClr>
+                <a:srgbClr val="000000"/>
+              </a:buClr>
+              <a:buFont typeface="Arial"/>
+              <a:buChar char="•"/>
+            </a:pPr>
+            <a:r>
+              <a:rPr b="0" lang="pt-BR" sz="3200" spc="-1" strike="noStrike">
+                <a:solidFill>
+                  <a:srgbClr val="000000"/>
+                </a:solidFill>
+                <a:latin typeface="Calibri"/>
+                <a:ea typeface="DejaVu Sans"/>
+              </a:rPr>
+              <a:t> </a:t>
+            </a:r>
+            <a:endParaRPr b="0" lang="pt-BR" sz="3200" spc="-1" strike="noStrike">
+              <a:latin typeface="Arial"/>
+            </a:endParaRPr>
+          </a:p>
+          <a:p>
+            <a:pPr marL="228600" indent="-223920">
+              <a:lnSpc>
+                <a:spcPct val="90000"/>
+              </a:lnSpc>
+              <a:spcBef>
+                <a:spcPts val="1001"/>
+              </a:spcBef>
+              <a:buClr>
+                <a:srgbClr val="000000"/>
+              </a:buClr>
+              <a:buFont typeface="Arial"/>
+              <a:buChar char="•"/>
+            </a:pPr>
+            <a:r>
+              <a:rPr b="0" lang="pt-BR" sz="3200" spc="-1" strike="noStrike">
+                <a:solidFill>
+                  <a:srgbClr val="000000"/>
+                </a:solidFill>
+                <a:latin typeface="Calibri"/>
+                <a:ea typeface="DejaVu Sans"/>
+              </a:rPr>
+              <a:t>Aqui é a zona de testes.</a:t>
+            </a:r>
+            <a:endParaRPr b="0" lang="pt-BR" sz="3200" spc="-1" strike="noStrike">
+              <a:latin typeface="Arial"/>
+            </a:endParaRPr>
+          </a:p>
+          <a:p>
+            <a:pPr marL="228600" indent="-223920">
+              <a:lnSpc>
+                <a:spcPct val="90000"/>
+              </a:lnSpc>
+              <a:spcBef>
+                <a:spcPts val="1001"/>
+              </a:spcBef>
+              <a:buClr>
+                <a:srgbClr val="000000"/>
+              </a:buClr>
+              <a:buFont typeface="Arial"/>
+              <a:buChar char="•"/>
+            </a:pPr>
+            <a:r>
+              <a:rPr b="0" lang="pt-BR" sz="3200" spc="-1" strike="noStrike">
+                <a:solidFill>
+                  <a:srgbClr val="000000"/>
+                </a:solidFill>
+                <a:latin typeface="Calibri"/>
+                <a:ea typeface="DejaVu Sans"/>
+              </a:rPr>
+              <a:t> </a:t>
+            </a:r>
+            <a:endParaRPr b="0" lang="pt-BR" sz="3200" spc="-1" strike="noStrike">
+              <a:latin typeface="Arial"/>
+            </a:endParaRPr>
+          </a:p>
+          <a:p>
+            <a:pPr marL="228600" indent="-223920">
+              <a:lnSpc>
+                <a:spcPct val="90000"/>
+              </a:lnSpc>
+              <a:spcBef>
+                <a:spcPts val="1001"/>
+              </a:spcBef>
+              <a:buClr>
+                <a:srgbClr val="000000"/>
+              </a:buClr>
+              <a:buFont typeface="Arial"/>
+              <a:buChar char="•"/>
+            </a:pPr>
+            <a:r>
+              <a:rPr b="0" lang="pt-BR" sz="3200" spc="-1" strike="noStrike">
+                <a:solidFill>
+                  <a:srgbClr val="000000"/>
+                </a:solidFill>
+                <a:latin typeface="Calibri"/>
+                <a:ea typeface="DejaVu Sans"/>
+              </a:rPr>
+              <a:t>Coloquem o mouse sobre </a:t>
+            </a:r>
+            <a:endParaRPr b="0" lang="pt-BR" sz="3200" spc="-1" strike="noStrike">
+              <a:latin typeface="Arial"/>
+            </a:endParaRPr>
+          </a:p>
+          <a:p>
+            <a:pPr marL="228600" indent="-223920">
+              <a:lnSpc>
+                <a:spcPct val="90000"/>
+              </a:lnSpc>
+              <a:spcBef>
+                <a:spcPts val="1001"/>
+              </a:spcBef>
+              <a:buClr>
+                <a:srgbClr val="000000"/>
+              </a:buClr>
+              <a:buFont typeface="Arial"/>
+              <a:buChar char="•"/>
+            </a:pPr>
+            <a:r>
+              <a:rPr b="0" lang="pt-BR" sz="3200" spc="-1" strike="noStrike">
+                <a:solidFill>
+                  <a:srgbClr val="000000"/>
+                </a:solidFill>
+                <a:latin typeface="Calibri"/>
+                <a:ea typeface="DejaVu Sans"/>
+              </a:rPr>
+              <a:t>onde diz “section”.</a:t>
+            </a:r>
+            <a:endParaRPr b="0" lang="pt-BR" sz="3200" spc="-1" strike="noStrike">
+              <a:latin typeface="Arial"/>
+            </a:endParaRPr>
+          </a:p>
+          <a:p>
+            <a:pPr marL="228600" indent="-223920">
+              <a:lnSpc>
+                <a:spcPct val="90000"/>
+              </a:lnSpc>
+              <a:spcBef>
+                <a:spcPts val="1001"/>
+              </a:spcBef>
+              <a:buClr>
+                <a:srgbClr val="000000"/>
+              </a:buClr>
+              <a:buFont typeface="Arial"/>
+              <a:buChar char="•"/>
+            </a:pPr>
+            <a:r>
+              <a:rPr b="0" lang="pt-BR" sz="3200" spc="-1" strike="noStrike">
+                <a:solidFill>
+                  <a:srgbClr val="000000"/>
+                </a:solidFill>
+                <a:latin typeface="Calibri"/>
+                <a:ea typeface="DejaVu Sans"/>
+              </a:rPr>
+              <a:t>Ali vemos claramente a </a:t>
+            </a:r>
+            <a:endParaRPr b="0" lang="pt-BR" sz="3200" spc="-1" strike="noStrike">
+              <a:latin typeface="Arial"/>
+            </a:endParaRPr>
+          </a:p>
+          <a:p>
+            <a:pPr marL="228600" indent="-223920">
+              <a:lnSpc>
+                <a:spcPct val="90000"/>
+              </a:lnSpc>
+              <a:spcBef>
+                <a:spcPts val="1001"/>
+              </a:spcBef>
+              <a:buClr>
+                <a:srgbClr val="000000"/>
+              </a:buClr>
+              <a:buFont typeface="Arial"/>
+              <a:buChar char="•"/>
+            </a:pPr>
+            <a:r>
+              <a:rPr b="0" lang="pt-BR" sz="3200" spc="-1" strike="noStrike">
+                <a:solidFill>
+                  <a:srgbClr val="000000"/>
+                </a:solidFill>
+                <a:latin typeface="Calibri"/>
+                <a:ea typeface="DejaVu Sans"/>
+              </a:rPr>
+              <a:t>nossa divisão.</a:t>
             </a:r>
             <a:endParaRPr b="0" lang="pt-BR" sz="3200" spc="-1" strike="noStrike">
               <a:latin typeface="Arial"/>
@@ -2765,6 +3688,53 @@
           </a:p>
         </p:txBody>
       </p:sp>
+      <p:pic>
+        <p:nvPicPr>
+          <p:cNvPr id="113" name="" descr=""/>
+          <p:cNvPicPr/>
+          <p:nvPr/>
+        </p:nvPicPr>
+        <p:blipFill>
+          <a:blip r:embed="rId1"/>
+          <a:srcRect l="0" t="0" r="22337" b="62862"/>
+          <a:stretch/>
+        </p:blipFill>
+        <p:spPr>
+          <a:xfrm>
+            <a:off x="8687160" y="353160"/>
+            <a:ext cx="3128040" cy="1806120"/>
+          </a:xfrm>
+          <a:prstGeom prst="rect">
+            <a:avLst/>
+          </a:prstGeom>
+          <a:ln w="0">
+            <a:noFill/>
+          </a:ln>
+        </p:spPr>
+      </p:pic>
+      <p:pic>
+        <p:nvPicPr>
+          <p:cNvPr id="114" name="" descr=""/>
+          <p:cNvPicPr/>
+          <p:nvPr/>
+        </p:nvPicPr>
+        <p:blipFill>
+          <a:blip r:embed="rId2"/>
+          <a:stretch/>
+        </p:blipFill>
+        <p:spPr>
+          <a:xfrm>
+            <a:off x="5402880" y="2390400"/>
+            <a:ext cx="6479640" cy="4175640"/>
+          </a:xfrm>
+          <a:prstGeom prst="rect">
+            <a:avLst/>
+          </a:prstGeom>
+          <a:ln w="0">
+            <a:noFill/>
+          </a:ln>
+        </p:spPr>
+      </p:pic>
     </p:spTree>
   </p:cSld>
   <mc:AlternateContent>
@@ -2797,14 +3767,14 @@
       </p:grpSpPr>
       <p:sp>
         <p:nvSpPr>
-          <p:cNvPr id="93" name="CustomShape 1"/>
+          <p:cNvPr id="115" name="CustomShape 1"/>
           <p:cNvSpPr/>
           <p:nvPr/>
         </p:nvSpPr>
         <p:spPr>
           <a:xfrm>
             <a:off x="395280" y="374400"/>
-            <a:ext cx="8292600" cy="884880"/>
+            <a:ext cx="8291520" cy="883800"/>
           </a:xfrm>
           <a:prstGeom prst="rect">
             <a:avLst/>
@@ -2838,7 +3808,7 @@
                 <a:latin typeface="Calibri Light"/>
                 <a:ea typeface="DejaVu Sans"/>
               </a:rPr>
-              <a:t>Teste:</a:t>
+              <a:t>Segundo botão:</a:t>
             </a:r>
             <a:endParaRPr b="0" lang="pt-BR" sz="4400" spc="-1" strike="noStrike">
               <a:latin typeface="Arial"/>
@@ -2848,14 +3818,14 @@
       </p:sp>
       <p:sp>
         <p:nvSpPr>
-          <p:cNvPr id="94" name="CustomShape 2"/>
+          <p:cNvPr id="116" name="CustomShape 2"/>
           <p:cNvSpPr/>
           <p:nvPr/>
         </p:nvSpPr>
         <p:spPr>
           <a:xfrm>
-            <a:off x="395280" y="1479960"/>
-            <a:ext cx="11488320" cy="5087160"/>
+            <a:off x="395280" y="2520000"/>
+            <a:ext cx="6084720" cy="4046040"/>
           </a:xfrm>
           <a:prstGeom prst="rect">
             <a:avLst/>
@@ -2876,28 +3846,112 @@
             <a:normAutofit/>
           </a:bodyPr>
           <a:p>
-            <a:pPr marL="228600" indent="-225000">
-              <a:lnSpc>
-                <a:spcPct val="90000"/>
-              </a:lnSpc>
-              <a:spcBef>
-                <a:spcPts val="1001"/>
-              </a:spcBef>
-              <a:buClr>
-                <a:srgbClr val="000000"/>
-              </a:buClr>
-              <a:buFont typeface="Arial"/>
-              <a:buChar char="•"/>
-            </a:pPr>
-            <a:r>
-              <a:rPr b="0" lang="pt-BR" sz="3200" spc="-1" strike="noStrike">
-                <a:solidFill>
-                  <a:srgbClr val="000000"/>
-                </a:solidFill>
-                <a:latin typeface="Calibri"/>
-                <a:ea typeface="DejaVu Sans"/>
-              </a:rPr>
-              <a:t>Texto</a:t>
+            <a:pPr marL="228600" indent="-223920">
+              <a:lnSpc>
+                <a:spcPct val="90000"/>
+              </a:lnSpc>
+              <a:spcBef>
+                <a:spcPts val="1001"/>
+              </a:spcBef>
+              <a:buClr>
+                <a:srgbClr val="000000"/>
+              </a:buClr>
+              <a:buFont typeface="Arial"/>
+              <a:buChar char="•"/>
+            </a:pPr>
+            <a:r>
+              <a:rPr b="0" lang="pt-BR" sz="3200" spc="-1" strike="noStrike">
+                <a:solidFill>
+                  <a:srgbClr val="000000"/>
+                </a:solidFill>
+                <a:latin typeface="Calibri"/>
+                <a:ea typeface="DejaVu Sans"/>
+              </a:rPr>
+              <a:t>Vamos adicionar agora o segundo botão.</a:t>
+            </a:r>
+            <a:endParaRPr b="0" lang="pt-BR" sz="3200" spc="-1" strike="noStrike">
+              <a:latin typeface="Arial"/>
+            </a:endParaRPr>
+          </a:p>
+          <a:p>
+            <a:pPr marL="228600" indent="-223920">
+              <a:lnSpc>
+                <a:spcPct val="90000"/>
+              </a:lnSpc>
+              <a:spcBef>
+                <a:spcPts val="1001"/>
+              </a:spcBef>
+              <a:buClr>
+                <a:srgbClr val="000000"/>
+              </a:buClr>
+              <a:buFont typeface="Arial"/>
+              <a:buChar char="•"/>
+            </a:pPr>
+            <a:r>
+              <a:rPr b="0" lang="pt-BR" sz="3200" spc="-1" strike="noStrike">
+                <a:solidFill>
+                  <a:srgbClr val="000000"/>
+                </a:solidFill>
+                <a:latin typeface="Calibri"/>
+                <a:ea typeface="DejaVu Sans"/>
+              </a:rPr>
+              <a:t>Criar as propriedades dele.</a:t>
+            </a:r>
+            <a:endParaRPr b="0" lang="pt-BR" sz="3200" spc="-1" strike="noStrike">
+              <a:latin typeface="Arial"/>
+            </a:endParaRPr>
+          </a:p>
+          <a:p>
+            <a:pPr marL="228600" indent="-223920">
+              <a:lnSpc>
+                <a:spcPct val="90000"/>
+              </a:lnSpc>
+              <a:spcBef>
+                <a:spcPts val="1001"/>
+              </a:spcBef>
+              <a:buClr>
+                <a:srgbClr val="000000"/>
+              </a:buClr>
+              <a:buFont typeface="Arial"/>
+              <a:buChar char="•"/>
+            </a:pPr>
+            <a:r>
+              <a:rPr b="0" lang="pt-BR" sz="3200" spc="-1" strike="noStrike">
+                <a:solidFill>
+                  <a:srgbClr val="000000"/>
+                </a:solidFill>
+                <a:latin typeface="Calibri"/>
+                <a:ea typeface="DejaVu Sans"/>
+              </a:rPr>
+              <a:t> </a:t>
+            </a:r>
+            <a:endParaRPr b="0" lang="pt-BR" sz="3200" spc="-1" strike="noStrike">
+              <a:latin typeface="Arial"/>
+            </a:endParaRPr>
+          </a:p>
+          <a:p>
+            <a:pPr marL="228600" indent="-223920">
+              <a:lnSpc>
+                <a:spcPct val="90000"/>
+              </a:lnSpc>
+              <a:spcBef>
+                <a:spcPts val="1001"/>
+              </a:spcBef>
+              <a:buClr>
+                <a:srgbClr val="000000"/>
+              </a:buClr>
+              <a:buFont typeface="Arial"/>
+              <a:buChar char="•"/>
+            </a:pPr>
+            <a:r>
+              <a:rPr b="0" lang="pt-BR" sz="3200" spc="-1" strike="noStrike">
+                <a:solidFill>
+                  <a:srgbClr val="000000"/>
+                </a:solidFill>
+                <a:latin typeface="Calibri"/>
+                <a:ea typeface="DejaVu Sans"/>
+              </a:rPr>
+              <a:t>E adicionar o aviso que fica em baixo dos botões.</a:t>
             </a:r>
             <a:endParaRPr b="0" lang="pt-BR" sz="3200" spc="-1" strike="noStrike">
               <a:latin typeface="Arial"/>
@@ -2918,6 +3972,75 @@
           </a:p>
         </p:txBody>
       </p:sp>
+      <p:pic>
+        <p:nvPicPr>
+          <p:cNvPr id="117" name="" descr=""/>
+          <p:cNvPicPr/>
+          <p:nvPr/>
+        </p:nvPicPr>
+        <p:blipFill>
+          <a:blip r:embed="rId1"/>
+          <a:stretch/>
+        </p:blipFill>
+        <p:spPr>
+          <a:xfrm>
+            <a:off x="360000" y="1263960"/>
+            <a:ext cx="11575800" cy="1186560"/>
+          </a:xfrm>
+          <a:prstGeom prst="rect">
+            <a:avLst/>
+          </a:prstGeom>
+          <a:ln w="0">
+            <a:noFill/>
+          </a:ln>
+        </p:spPr>
+      </p:pic>
+      <p:pic>
+        <p:nvPicPr>
+          <p:cNvPr id="118" name="" descr=""/>
+          <p:cNvPicPr/>
+          <p:nvPr/>
+        </p:nvPicPr>
+        <p:blipFill>
+          <a:blip r:embed="rId2"/>
+          <a:stretch/>
+        </p:blipFill>
+        <p:spPr>
+          <a:xfrm>
+            <a:off x="6702840" y="2811600"/>
+            <a:ext cx="5176800" cy="1508040"/>
+          </a:xfrm>
+          <a:prstGeom prst="rect">
+            <a:avLst/>
+          </a:prstGeom>
+          <a:ln w="0">
+            <a:noFill/>
+          </a:ln>
+        </p:spPr>
+      </p:pic>
+      <p:pic>
+        <p:nvPicPr>
+          <p:cNvPr id="119" name="" descr=""/>
+          <p:cNvPicPr/>
+          <p:nvPr/>
+        </p:nvPicPr>
+        <p:blipFill>
+          <a:blip r:embed="rId3"/>
+          <a:stretch/>
+        </p:blipFill>
+        <p:spPr>
+          <a:xfrm>
+            <a:off x="180000" y="5604840"/>
+            <a:ext cx="11702520" cy="875160"/>
+          </a:xfrm>
+          <a:prstGeom prst="rect">
+            <a:avLst/>
+          </a:prstGeom>
+          <a:ln w="0">
+            <a:noFill/>
+          </a:ln>
+        </p:spPr>
+      </p:pic>
     </p:spTree>
   </p:cSld>
   <mc:AlternateContent>
@@ -2950,14 +4073,14 @@
       </p:grpSpPr>
       <p:sp>
         <p:nvSpPr>
-          <p:cNvPr id="95" name="CustomShape 1"/>
+          <p:cNvPr id="120" name="CustomShape 1"/>
           <p:cNvSpPr/>
           <p:nvPr/>
         </p:nvSpPr>
         <p:spPr>
           <a:xfrm>
             <a:off x="395280" y="374400"/>
-            <a:ext cx="8292600" cy="884880"/>
+            <a:ext cx="8291520" cy="883800"/>
           </a:xfrm>
           <a:prstGeom prst="rect">
             <a:avLst/>
@@ -2991,7 +4114,7 @@
                 <a:latin typeface="Calibri Light"/>
                 <a:ea typeface="DejaVu Sans"/>
               </a:rPr>
-              <a:t>Teste:</a:t>
+              <a:t>Letras:</a:t>
             </a:r>
             <a:endParaRPr b="0" lang="pt-BR" sz="4400" spc="-1" strike="noStrike">
               <a:latin typeface="Arial"/>
@@ -3001,14 +4124,14 @@
       </p:sp>
       <p:sp>
         <p:nvSpPr>
-          <p:cNvPr id="96" name="CustomShape 2"/>
+          <p:cNvPr id="121" name="CustomShape 2"/>
           <p:cNvSpPr/>
           <p:nvPr/>
         </p:nvSpPr>
         <p:spPr>
           <a:xfrm>
             <a:off x="395280" y="1479960"/>
-            <a:ext cx="11488320" cy="5087160"/>
+            <a:ext cx="7884720" cy="5086080"/>
           </a:xfrm>
           <a:prstGeom prst="rect">
             <a:avLst/>
@@ -3029,28 +4152,224 @@
             <a:normAutofit/>
           </a:bodyPr>
           <a:p>
-            <a:pPr marL="228600" indent="-225000">
-              <a:lnSpc>
-                <a:spcPct val="90000"/>
-              </a:lnSpc>
-              <a:spcBef>
-                <a:spcPts val="1001"/>
-              </a:spcBef>
-              <a:buClr>
-                <a:srgbClr val="000000"/>
-              </a:buClr>
-              <a:buFont typeface="Arial"/>
-              <a:buChar char="•"/>
-            </a:pPr>
-            <a:r>
-              <a:rPr b="0" lang="pt-BR" sz="3200" spc="-1" strike="noStrike">
-                <a:solidFill>
-                  <a:srgbClr val="000000"/>
-                </a:solidFill>
-                <a:latin typeface="Calibri"/>
-                <a:ea typeface="DejaVu Sans"/>
-              </a:rPr>
-              <a:t>Texto</a:t>
+            <a:pPr marL="228600" indent="-223920">
+              <a:lnSpc>
+                <a:spcPct val="90000"/>
+              </a:lnSpc>
+              <a:spcBef>
+                <a:spcPts val="1001"/>
+              </a:spcBef>
+              <a:buClr>
+                <a:srgbClr val="000000"/>
+              </a:buClr>
+              <a:buFont typeface="Arial"/>
+              <a:buChar char="•"/>
+            </a:pPr>
+            <a:r>
+              <a:rPr b="0" lang="pt-BR" sz="3200" spc="-1" strike="noStrike">
+                <a:solidFill>
+                  <a:srgbClr val="000000"/>
+                </a:solidFill>
+                <a:latin typeface="Calibri"/>
+                <a:ea typeface="DejaVu Sans"/>
+              </a:rPr>
+              <a:t>Vamos ajeitar os textos:</a:t>
+            </a:r>
+            <a:endParaRPr b="0" lang="pt-BR" sz="3200" spc="-1" strike="noStrike">
+              <a:latin typeface="Arial"/>
+            </a:endParaRPr>
+          </a:p>
+          <a:p>
+            <a:pPr marL="228600" indent="-223920">
+              <a:lnSpc>
+                <a:spcPct val="90000"/>
+              </a:lnSpc>
+              <a:spcBef>
+                <a:spcPts val="1001"/>
+              </a:spcBef>
+              <a:buClr>
+                <a:srgbClr val="000000"/>
+              </a:buClr>
+              <a:buFont typeface="Arial"/>
+              <a:buChar char="•"/>
+            </a:pPr>
+            <a:r>
+              <a:rPr b="0" lang="pt-BR" sz="3200" spc="-1" strike="noStrike">
+                <a:solidFill>
+                  <a:srgbClr val="000000"/>
+                </a:solidFill>
+                <a:latin typeface="Calibri"/>
+                <a:ea typeface="DejaVu Sans"/>
+              </a:rPr>
+              <a:t>Começamos com o tamanho </a:t>
+            </a:r>
+            <a:endParaRPr b="0" lang="pt-BR" sz="3200" spc="-1" strike="noStrike">
+              <a:latin typeface="Arial"/>
+            </a:endParaRPr>
+          </a:p>
+          <a:p>
+            <a:pPr marL="228600" indent="-223920">
+              <a:lnSpc>
+                <a:spcPct val="90000"/>
+              </a:lnSpc>
+              <a:spcBef>
+                <a:spcPts val="1001"/>
+              </a:spcBef>
+              <a:buClr>
+                <a:srgbClr val="000000"/>
+              </a:buClr>
+              <a:buFont typeface="Arial"/>
+              <a:buChar char="•"/>
+            </a:pPr>
+            <a:r>
+              <a:rPr b="0" lang="pt-BR" sz="3200" spc="-1" strike="noStrike">
+                <a:solidFill>
+                  <a:srgbClr val="000000"/>
+                </a:solidFill>
+                <a:latin typeface="Calibri"/>
+                <a:ea typeface="DejaVu Sans"/>
+              </a:rPr>
+              <a:t>das letras.</a:t>
+            </a:r>
+            <a:endParaRPr b="0" lang="pt-BR" sz="3200" spc="-1" strike="noStrike">
+              <a:latin typeface="Arial"/>
+            </a:endParaRPr>
+          </a:p>
+          <a:p>
+            <a:pPr marL="228600" indent="-223920">
+              <a:lnSpc>
+                <a:spcPct val="90000"/>
+              </a:lnSpc>
+              <a:spcBef>
+                <a:spcPts val="1001"/>
+              </a:spcBef>
+              <a:buClr>
+                <a:srgbClr val="000000"/>
+              </a:buClr>
+              <a:buFont typeface="Arial"/>
+              <a:buChar char="•"/>
+            </a:pPr>
+            <a:r>
+              <a:rPr b="0" lang="pt-BR" sz="3200" spc="-1" strike="noStrike">
+                <a:solidFill>
+                  <a:srgbClr val="000000"/>
+                </a:solidFill>
+                <a:latin typeface="Calibri"/>
+                <a:ea typeface="DejaVu Sans"/>
+              </a:rPr>
+              <a:t>Agora colocamos o aviso em letras menores.</a:t>
+            </a:r>
+            <a:endParaRPr b="0" lang="pt-BR" sz="3200" spc="-1" strike="noStrike">
+              <a:latin typeface="Arial"/>
+            </a:endParaRPr>
+          </a:p>
+          <a:p>
+            <a:pPr marL="228600" indent="-223920">
+              <a:lnSpc>
+                <a:spcPct val="90000"/>
+              </a:lnSpc>
+              <a:spcBef>
+                <a:spcPts val="1001"/>
+              </a:spcBef>
+              <a:buClr>
+                <a:srgbClr val="000000"/>
+              </a:buClr>
+              <a:buFont typeface="Arial"/>
+              <a:buChar char="•"/>
+            </a:pPr>
+            <a:r>
+              <a:rPr b="0" lang="pt-BR" sz="3200" spc="-1" strike="noStrike">
+                <a:solidFill>
+                  <a:srgbClr val="000000"/>
+                </a:solidFill>
+                <a:latin typeface="Calibri"/>
+                <a:ea typeface="DejaVu Sans"/>
+              </a:rPr>
+              <a:t>Colocamos a cor.</a:t>
+            </a:r>
+            <a:endParaRPr b="0" lang="pt-BR" sz="3200" spc="-1" strike="noStrike">
+              <a:latin typeface="Arial"/>
+            </a:endParaRPr>
+          </a:p>
+          <a:p>
+            <a:pPr marL="228600" indent="-223920">
+              <a:lnSpc>
+                <a:spcPct val="90000"/>
+              </a:lnSpc>
+              <a:spcBef>
+                <a:spcPts val="1001"/>
+              </a:spcBef>
+              <a:buClr>
+                <a:srgbClr val="000000"/>
+              </a:buClr>
+              <a:buFont typeface="Arial"/>
+              <a:buChar char="•"/>
+            </a:pPr>
+            <a:r>
+              <a:rPr b="0" lang="pt-BR" sz="3200" spc="-1" strike="noStrike">
+                <a:solidFill>
+                  <a:srgbClr val="000000"/>
+                </a:solidFill>
+                <a:latin typeface="Calibri"/>
+                <a:ea typeface="DejaVu Sans"/>
+              </a:rPr>
+              <a:t> </a:t>
+            </a:r>
+            <a:endParaRPr b="0" lang="pt-BR" sz="3200" spc="-1" strike="noStrike">
+              <a:latin typeface="Arial"/>
+            </a:endParaRPr>
+          </a:p>
+          <a:p>
+            <a:pPr marL="228600" indent="-223920">
+              <a:lnSpc>
+                <a:spcPct val="90000"/>
+              </a:lnSpc>
+              <a:spcBef>
+                <a:spcPts val="1001"/>
+              </a:spcBef>
+              <a:buClr>
+                <a:srgbClr val="000000"/>
+              </a:buClr>
+              <a:buFont typeface="Arial"/>
+              <a:buChar char="•"/>
+            </a:pPr>
+            <a:r>
+              <a:rPr b="0" lang="pt-BR" sz="3200" spc="-1" strike="noStrike">
+                <a:solidFill>
+                  <a:srgbClr val="000000"/>
+                </a:solidFill>
+                <a:latin typeface="Calibri"/>
+                <a:ea typeface="DejaVu Sans"/>
+              </a:rPr>
+              <a:t>E tiramos o sublinhado que </a:t>
+            </a:r>
+            <a:endParaRPr b="0" lang="pt-BR" sz="3200" spc="-1" strike="noStrike">
+              <a:latin typeface="Arial"/>
+            </a:endParaRPr>
+          </a:p>
+          <a:p>
+            <a:pPr marL="228600" indent="-223920">
+              <a:lnSpc>
+                <a:spcPct val="90000"/>
+              </a:lnSpc>
+              <a:spcBef>
+                <a:spcPts val="1001"/>
+              </a:spcBef>
+              <a:buClr>
+                <a:srgbClr val="000000"/>
+              </a:buClr>
+              <a:buFont typeface="Arial"/>
+              <a:buChar char="•"/>
+            </a:pPr>
+            <a:r>
+              <a:rPr b="0" lang="pt-BR" sz="3200" spc="-1" strike="noStrike">
+                <a:solidFill>
+                  <a:srgbClr val="000000"/>
+                </a:solidFill>
+                <a:latin typeface="Calibri"/>
+                <a:ea typeface="DejaVu Sans"/>
+              </a:rPr>
+              <a:t>temos no segundo botão.</a:t>
             </a:r>
             <a:endParaRPr b="0" lang="pt-BR" sz="3200" spc="-1" strike="noStrike">
               <a:latin typeface="Arial"/>
@@ -3071,6 +4390,75 @@
           </a:p>
         </p:txBody>
       </p:sp>
+      <p:pic>
+        <p:nvPicPr>
+          <p:cNvPr id="122" name="" descr=""/>
+          <p:cNvPicPr/>
+          <p:nvPr/>
+        </p:nvPicPr>
+        <p:blipFill>
+          <a:blip r:embed="rId1"/>
+          <a:stretch/>
+        </p:blipFill>
+        <p:spPr>
+          <a:xfrm>
+            <a:off x="8473680" y="2880000"/>
+            <a:ext cx="3408840" cy="961920"/>
+          </a:xfrm>
+          <a:prstGeom prst="rect">
+            <a:avLst/>
+          </a:prstGeom>
+          <a:ln w="0">
+            <a:noFill/>
+          </a:ln>
+        </p:spPr>
+      </p:pic>
+      <p:pic>
+        <p:nvPicPr>
+          <p:cNvPr id="123" name="" descr=""/>
+          <p:cNvPicPr/>
+          <p:nvPr/>
+        </p:nvPicPr>
+        <p:blipFill>
+          <a:blip r:embed="rId2"/>
+          <a:stretch/>
+        </p:blipFill>
+        <p:spPr>
+          <a:xfrm>
+            <a:off x="5580000" y="455400"/>
+            <a:ext cx="6290640" cy="1989360"/>
+          </a:xfrm>
+          <a:prstGeom prst="rect">
+            <a:avLst/>
+          </a:prstGeom>
+          <a:ln w="0">
+            <a:noFill/>
+          </a:ln>
+        </p:spPr>
+      </p:pic>
+      <p:pic>
+        <p:nvPicPr>
+          <p:cNvPr id="124" name="" descr=""/>
+          <p:cNvPicPr/>
+          <p:nvPr/>
+        </p:nvPicPr>
+        <p:blipFill>
+          <a:blip r:embed="rId3"/>
+          <a:stretch/>
+        </p:blipFill>
+        <p:spPr>
+          <a:xfrm>
+            <a:off x="5940000" y="3907800"/>
+            <a:ext cx="5967000" cy="2658240"/>
+          </a:xfrm>
+          <a:prstGeom prst="rect">
+            <a:avLst/>
+          </a:prstGeom>
+          <a:ln w="0">
+            <a:noFill/>
+          </a:ln>
+        </p:spPr>
+      </p:pic>
     </p:spTree>
   </p:cSld>
   <mc:AlternateContent>
@@ -3103,14 +4491,14 @@
       </p:grpSpPr>
       <p:sp>
         <p:nvSpPr>
-          <p:cNvPr id="97" name="CustomShape 1"/>
+          <p:cNvPr id="125" name="CustomShape 1"/>
           <p:cNvSpPr/>
           <p:nvPr/>
         </p:nvSpPr>
         <p:spPr>
           <a:xfrm>
             <a:off x="395280" y="374400"/>
-            <a:ext cx="8292600" cy="884880"/>
+            <a:ext cx="8291520" cy="883800"/>
           </a:xfrm>
           <a:prstGeom prst="rect">
             <a:avLst/>
@@ -3144,7 +4532,7 @@
                 <a:latin typeface="Calibri Light"/>
                 <a:ea typeface="DejaVu Sans"/>
               </a:rPr>
-              <a:t>Teste:</a:t>
+              <a:t>Detalhes:</a:t>
             </a:r>
             <a:endParaRPr b="0" lang="pt-BR" sz="4400" spc="-1" strike="noStrike">
               <a:latin typeface="Arial"/>
@@ -3154,14 +4542,14 @@
       </p:sp>
       <p:sp>
         <p:nvSpPr>
-          <p:cNvPr id="98" name="CustomShape 2"/>
+          <p:cNvPr id="126" name="CustomShape 2"/>
           <p:cNvSpPr/>
           <p:nvPr/>
         </p:nvSpPr>
         <p:spPr>
           <a:xfrm>
             <a:off x="395280" y="1479960"/>
-            <a:ext cx="11488320" cy="5087160"/>
+            <a:ext cx="11487240" cy="5086080"/>
           </a:xfrm>
           <a:prstGeom prst="rect">
             <a:avLst/>
@@ -3182,28 +4570,252 @@
             <a:normAutofit/>
           </a:bodyPr>
           <a:p>
-            <a:pPr marL="228600" indent="-225000">
-              <a:lnSpc>
-                <a:spcPct val="90000"/>
-              </a:lnSpc>
-              <a:spcBef>
-                <a:spcPts val="1001"/>
-              </a:spcBef>
-              <a:buClr>
-                <a:srgbClr val="000000"/>
-              </a:buClr>
-              <a:buFont typeface="Arial"/>
-              <a:buChar char="•"/>
-            </a:pPr>
-            <a:r>
-              <a:rPr b="0" lang="pt-BR" sz="3200" spc="-1" strike="noStrike">
-                <a:solidFill>
-                  <a:srgbClr val="000000"/>
-                </a:solidFill>
-                <a:latin typeface="Calibri"/>
-                <a:ea typeface="DejaVu Sans"/>
-              </a:rPr>
-              <a:t>Texto</a:t>
+            <a:pPr marL="228600" indent="-223920">
+              <a:lnSpc>
+                <a:spcPct val="90000"/>
+              </a:lnSpc>
+              <a:spcBef>
+                <a:spcPts val="1001"/>
+              </a:spcBef>
+              <a:buClr>
+                <a:srgbClr val="000000"/>
+              </a:buClr>
+              <a:buFont typeface="Arial"/>
+              <a:buChar char="•"/>
+            </a:pPr>
+            <a:r>
+              <a:rPr b="0" lang="pt-BR" sz="3200" spc="-1" strike="noStrike">
+                <a:solidFill>
+                  <a:srgbClr val="000000"/>
+                </a:solidFill>
+                <a:latin typeface="Calibri"/>
+                <a:ea typeface="DejaVu Sans"/>
+              </a:rPr>
+              <a:t>Vamos adicionar uma classe ao nosso título.</a:t>
+            </a:r>
+            <a:endParaRPr b="0" lang="pt-BR" sz="3200" spc="-1" strike="noStrike">
+              <a:latin typeface="Arial"/>
+            </a:endParaRPr>
+          </a:p>
+          <a:p>
+            <a:pPr marL="228600" indent="-223920">
+              <a:lnSpc>
+                <a:spcPct val="90000"/>
+              </a:lnSpc>
+              <a:spcBef>
+                <a:spcPts val="1001"/>
+              </a:spcBef>
+              <a:buClr>
+                <a:srgbClr val="000000"/>
+              </a:buClr>
+              <a:buFont typeface="Arial"/>
+              <a:buChar char="•"/>
+            </a:pPr>
+            <a:r>
+              <a:rPr b="0" lang="pt-BR" sz="3200" spc="-1" strike="noStrike">
+                <a:solidFill>
+                  <a:srgbClr val="000000"/>
+                </a:solidFill>
+                <a:latin typeface="Calibri"/>
+                <a:ea typeface="DejaVu Sans"/>
+              </a:rPr>
+              <a:t>Vamos também ajeitar o tamanho e </a:t>
+            </a:r>
+            <a:endParaRPr b="0" lang="pt-BR" sz="3200" spc="-1" strike="noStrike">
+              <a:latin typeface="Arial"/>
+            </a:endParaRPr>
+          </a:p>
+          <a:p>
+            <a:pPr marL="228600" indent="-223920">
+              <a:lnSpc>
+                <a:spcPct val="90000"/>
+              </a:lnSpc>
+              <a:spcBef>
+                <a:spcPts val="1001"/>
+              </a:spcBef>
+              <a:buClr>
+                <a:srgbClr val="000000"/>
+              </a:buClr>
+              <a:buFont typeface="Arial"/>
+              <a:buChar char="•"/>
+            </a:pPr>
+            <a:r>
+              <a:rPr b="0" lang="pt-BR" sz="3200" spc="-1" strike="noStrike">
+                <a:solidFill>
+                  <a:srgbClr val="000000"/>
+                </a:solidFill>
+                <a:latin typeface="Calibri"/>
+                <a:ea typeface="DejaVu Sans"/>
+              </a:rPr>
+              <a:t>grossura desse primeiro parágrafo.</a:t>
+            </a:r>
+            <a:endParaRPr b="0" lang="pt-BR" sz="3200" spc="-1" strike="noStrike">
+              <a:latin typeface="Arial"/>
+            </a:endParaRPr>
+          </a:p>
+          <a:p>
+            <a:pPr marL="228600" indent="-223920">
+              <a:lnSpc>
+                <a:spcPct val="90000"/>
+              </a:lnSpc>
+              <a:spcBef>
+                <a:spcPts val="1001"/>
+              </a:spcBef>
+              <a:buClr>
+                <a:srgbClr val="000000"/>
+              </a:buClr>
+              <a:buFont typeface="Arial"/>
+              <a:buChar char="•"/>
+            </a:pPr>
+            <a:r>
+              <a:rPr b="0" lang="pt-BR" sz="3200" spc="-1" strike="noStrike">
+                <a:solidFill>
+                  <a:srgbClr val="000000"/>
+                </a:solidFill>
+                <a:latin typeface="Calibri"/>
+                <a:ea typeface="DejaVu Sans"/>
+              </a:rPr>
+              <a:t> </a:t>
+            </a:r>
+            <a:endParaRPr b="0" lang="pt-BR" sz="3200" spc="-1" strike="noStrike">
+              <a:latin typeface="Arial"/>
+            </a:endParaRPr>
+          </a:p>
+          <a:p>
+            <a:pPr marL="228600" indent="-223920">
+              <a:lnSpc>
+                <a:spcPct val="90000"/>
+              </a:lnSpc>
+              <a:spcBef>
+                <a:spcPts val="1001"/>
+              </a:spcBef>
+              <a:buClr>
+                <a:srgbClr val="000000"/>
+              </a:buClr>
+              <a:buFont typeface="Arial"/>
+              <a:buChar char="•"/>
+            </a:pPr>
+            <a:r>
+              <a:rPr b="0" lang="pt-BR" sz="3200" spc="-1" strike="noStrike">
+                <a:solidFill>
+                  <a:srgbClr val="000000"/>
+                </a:solidFill>
+                <a:latin typeface="Calibri"/>
+                <a:ea typeface="DejaVu Sans"/>
+              </a:rPr>
+              <a:t>Agora vamos adicionar uma classe </a:t>
+            </a:r>
+            <a:endParaRPr b="0" lang="pt-BR" sz="3200" spc="-1" strike="noStrike">
+              <a:latin typeface="Arial"/>
+            </a:endParaRPr>
+          </a:p>
+          <a:p>
+            <a:pPr marL="228600" indent="-223920">
+              <a:lnSpc>
+                <a:spcPct val="90000"/>
+              </a:lnSpc>
+              <a:spcBef>
+                <a:spcPts val="1001"/>
+              </a:spcBef>
+              <a:buClr>
+                <a:srgbClr val="000000"/>
+              </a:buClr>
+              <a:buFont typeface="Arial"/>
+              <a:buChar char="•"/>
+            </a:pPr>
+            <a:r>
+              <a:rPr b="0" lang="pt-BR" sz="3200" spc="-1" strike="noStrike">
+                <a:solidFill>
+                  <a:srgbClr val="000000"/>
+                </a:solidFill>
+                <a:latin typeface="Calibri"/>
+                <a:ea typeface="DejaVu Sans"/>
+              </a:rPr>
+              <a:t>na imagem.</a:t>
+            </a:r>
+            <a:endParaRPr b="0" lang="pt-BR" sz="3200" spc="-1" strike="noStrike">
+              <a:latin typeface="Arial"/>
+            </a:endParaRPr>
+          </a:p>
+          <a:p>
+            <a:pPr marL="228600" indent="-223920">
+              <a:lnSpc>
+                <a:spcPct val="90000"/>
+              </a:lnSpc>
+              <a:spcBef>
+                <a:spcPts val="1001"/>
+              </a:spcBef>
+              <a:buClr>
+                <a:srgbClr val="000000"/>
+              </a:buClr>
+              <a:buFont typeface="Arial"/>
+              <a:buChar char="•"/>
+            </a:pPr>
+            <a:r>
+              <a:rPr b="0" lang="pt-BR" sz="3200" spc="-1" strike="noStrike">
+                <a:solidFill>
+                  <a:srgbClr val="000000"/>
+                </a:solidFill>
+                <a:latin typeface="Calibri"/>
+                <a:ea typeface="DejaVu Sans"/>
+              </a:rPr>
+              <a:t>E dar um “respiro” pra ela.</a:t>
+            </a:r>
+            <a:endParaRPr b="0" lang="pt-BR" sz="3200" spc="-1" strike="noStrike">
+              <a:latin typeface="Arial"/>
+            </a:endParaRPr>
+          </a:p>
+          <a:p>
+            <a:pPr marL="228600" indent="-223920">
+              <a:lnSpc>
+                <a:spcPct val="90000"/>
+              </a:lnSpc>
+              <a:spcBef>
+                <a:spcPts val="1001"/>
+              </a:spcBef>
+              <a:buClr>
+                <a:srgbClr val="000000"/>
+              </a:buClr>
+              <a:buFont typeface="Arial"/>
+              <a:buChar char="•"/>
+            </a:pPr>
+            <a:r>
+              <a:rPr b="0" lang="pt-BR" sz="3200" spc="-1" strike="noStrike">
+                <a:solidFill>
+                  <a:srgbClr val="000000"/>
+                </a:solidFill>
+                <a:latin typeface="Calibri"/>
+                <a:ea typeface="DejaVu Sans"/>
+              </a:rPr>
+              <a:t>16px pra cima.</a:t>
+            </a:r>
+            <a:endParaRPr b="0" lang="pt-BR" sz="3200" spc="-1" strike="noStrike">
+              <a:latin typeface="Arial"/>
+            </a:endParaRPr>
+          </a:p>
+          <a:p>
+            <a:pPr marL="228600" indent="-223920">
+              <a:lnSpc>
+                <a:spcPct val="90000"/>
+              </a:lnSpc>
+              <a:spcBef>
+                <a:spcPts val="1001"/>
+              </a:spcBef>
+              <a:buClr>
+                <a:srgbClr val="000000"/>
+              </a:buClr>
+              <a:buFont typeface="Arial"/>
+              <a:buChar char="•"/>
+            </a:pPr>
+            <a:r>
+              <a:rPr b="0" lang="pt-BR" sz="3200" spc="-1" strike="noStrike">
+                <a:solidFill>
+                  <a:srgbClr val="000000"/>
+                </a:solidFill>
+                <a:latin typeface="Calibri"/>
+                <a:ea typeface="DejaVu Sans"/>
+              </a:rPr>
+              <a:t>32px pra baixo.</a:t>
             </a:r>
             <a:endParaRPr b="0" lang="pt-BR" sz="3200" spc="-1" strike="noStrike">
               <a:latin typeface="Arial"/>
@@ -3224,6 +4836,98 @@
           </a:p>
         </p:txBody>
       </p:sp>
+      <p:pic>
+        <p:nvPicPr>
+          <p:cNvPr id="127" name="" descr=""/>
+          <p:cNvPicPr/>
+          <p:nvPr/>
+        </p:nvPicPr>
+        <p:blipFill>
+          <a:blip r:embed="rId1"/>
+          <a:stretch/>
+        </p:blipFill>
+        <p:spPr>
+          <a:xfrm>
+            <a:off x="7920000" y="1395720"/>
+            <a:ext cx="3960000" cy="1304280"/>
+          </a:xfrm>
+          <a:prstGeom prst="rect">
+            <a:avLst/>
+          </a:prstGeom>
+          <a:ln w="0">
+            <a:noFill/>
+          </a:ln>
+        </p:spPr>
+      </p:pic>
+      <p:pic>
+        <p:nvPicPr>
+          <p:cNvPr id="128" name="" descr=""/>
+          <p:cNvPicPr/>
+          <p:nvPr/>
+        </p:nvPicPr>
+        <p:blipFill>
+          <a:blip r:embed="rId2"/>
+          <a:stretch/>
+        </p:blipFill>
+        <p:spPr>
+          <a:xfrm>
+            <a:off x="6660000" y="3847320"/>
+            <a:ext cx="5220000" cy="1087560"/>
+          </a:xfrm>
+          <a:prstGeom prst="rect">
+            <a:avLst/>
+          </a:prstGeom>
+          <a:ln w="0">
+            <a:noFill/>
+          </a:ln>
+        </p:spPr>
+      </p:pic>
+      <p:pic>
+        <p:nvPicPr>
+          <p:cNvPr id="129" name="" descr=""/>
+          <p:cNvPicPr/>
+          <p:nvPr/>
+        </p:nvPicPr>
+        <p:blipFill>
+          <a:blip r:embed="rId3"/>
+          <a:stretch/>
+        </p:blipFill>
+        <p:spPr>
+          <a:xfrm>
+            <a:off x="6333840" y="414720"/>
+            <a:ext cx="5524560" cy="845280"/>
+          </a:xfrm>
+          <a:prstGeom prst="rect">
+            <a:avLst/>
+          </a:prstGeom>
+          <a:ln w="0">
+            <a:noFill/>
+          </a:ln>
+        </p:spPr>
+      </p:pic>
+      <p:pic>
+        <p:nvPicPr>
+          <p:cNvPr id="130" name="" descr=""/>
+          <p:cNvPicPr/>
+          <p:nvPr/>
+        </p:nvPicPr>
+        <p:blipFill>
+          <a:blip r:embed="rId4"/>
+          <a:stretch/>
+        </p:blipFill>
+        <p:spPr>
+          <a:xfrm>
+            <a:off x="5298480" y="5040000"/>
+            <a:ext cx="6562800" cy="1440000"/>
+          </a:xfrm>
+          <a:prstGeom prst="rect">
+            <a:avLst/>
+          </a:prstGeom>
+          <a:ln w="0">
+            <a:noFill/>
+          </a:ln>
+        </p:spPr>
+      </p:pic>
     </p:spTree>
   </p:cSld>
   <mc:AlternateContent>
@@ -3256,14 +4960,14 @@
       </p:grpSpPr>
       <p:sp>
         <p:nvSpPr>
-          <p:cNvPr id="99" name="CustomShape 1"/>
+          <p:cNvPr id="131" name="CustomShape 1"/>
           <p:cNvSpPr/>
           <p:nvPr/>
         </p:nvSpPr>
         <p:spPr>
           <a:xfrm>
             <a:off x="395280" y="374400"/>
-            <a:ext cx="8292600" cy="884880"/>
+            <a:ext cx="8291520" cy="883800"/>
           </a:xfrm>
           <a:prstGeom prst="rect">
             <a:avLst/>
@@ -3307,14 +5011,14 @@
       </p:sp>
       <p:sp>
         <p:nvSpPr>
-          <p:cNvPr id="100" name="CustomShape 2"/>
+          <p:cNvPr id="132" name="CustomShape 2"/>
           <p:cNvSpPr/>
           <p:nvPr/>
         </p:nvSpPr>
         <p:spPr>
           <a:xfrm>
             <a:off x="395280" y="1479960"/>
-            <a:ext cx="11488320" cy="5087160"/>
+            <a:ext cx="11487240" cy="5086080"/>
           </a:xfrm>
           <a:prstGeom prst="rect">
             <a:avLst/>
@@ -3335,160 +5039,7 @@
             <a:normAutofit/>
           </a:bodyPr>
           <a:p>
-            <a:pPr marL="228600" indent="-225000">
-              <a:lnSpc>
-                <a:spcPct val="90000"/>
-              </a:lnSpc>
-              <a:spcBef>
-                <a:spcPts val="1001"/>
-              </a:spcBef>
-              <a:buClr>
-                <a:srgbClr val="000000"/>
-              </a:buClr>
-              <a:buFont typeface="Arial"/>
-              <a:buChar char="•"/>
-            </a:pPr>
-            <a:r>
-              <a:rPr b="0" lang="pt-BR" sz="3200" spc="-1" strike="noStrike">
-                <a:solidFill>
-                  <a:srgbClr val="000000"/>
-                </a:solidFill>
-                <a:latin typeface="Calibri"/>
-                <a:ea typeface="DejaVu Sans"/>
-              </a:rPr>
-              <a:t>Texto</a:t>
-            </a:r>
-            <a:endParaRPr b="0" lang="pt-BR" sz="3200" spc="-1" strike="noStrike">
-              <a:latin typeface="Arial"/>
-            </a:endParaRPr>
-          </a:p>
-          <a:p>
-            <a:pPr>
-              <a:lnSpc>
-                <a:spcPct val="90000"/>
-              </a:lnSpc>
-              <a:spcBef>
-                <a:spcPts val="1001"/>
-              </a:spcBef>
-            </a:pPr>
-            <a:endParaRPr b="0" lang="pt-BR" sz="3200" spc="-1" strike="noStrike">
-              <a:latin typeface="Arial"/>
-            </a:endParaRPr>
-          </a:p>
-        </p:txBody>
-      </p:sp>
-    </p:spTree>
-  </p:cSld>
-  <mc:AlternateContent>
-    <mc:Choice Requires="p14">
-      <p:transition spd="slow" p14:dur="2000"/>
-    </mc:Choice>
-    <mc:Fallback>
-      <p:transition spd="slow"/>
-    </mc:Fallback>
-  </mc:AlternateContent>
-</p:sld>
-</file>
-
-<file path=ppt/slides/slide18.xml><?xml version="1.0" encoding="utf-8"?>
-<p:sld xmlns:a="http://schemas.openxmlformats.org/drawingml/2006/main" xmlns:p="http://schemas.openxmlformats.org/presentationml/2006/main" xmlns:r="http://schemas.openxmlformats.org/officeDocument/2006/relationships" xmlns:p14="http://schemas.microsoft.com/office/powerpoint/2010/main" xmlns:p15="http://schemas.microsoft.com/office/powerpoint/2012/main" xmlns:mc="http://schemas.openxmlformats.org/markup-compatibility/2006">
-  <p:cSld>
-    <p:spTree>
-      <p:nvGrpSpPr>
-        <p:cNvPr id="1" name=""/>
-        <p:cNvGrpSpPr/>
-        <p:nvPr/>
-      </p:nvGrpSpPr>
-      <p:grpSpPr>
-        <a:xfrm>
-          <a:off x="0" y="0"/>
-          <a:ext cx="0" cy="0"/>
-          <a:chOff x="0" y="0"/>
-          <a:chExt cx="0" cy="0"/>
-        </a:xfrm>
-      </p:grpSpPr>
-      <p:sp>
-        <p:nvSpPr>
-          <p:cNvPr id="101" name="CustomShape 1"/>
-          <p:cNvSpPr/>
-          <p:nvPr/>
-        </p:nvSpPr>
-        <p:spPr>
-          <a:xfrm>
-            <a:off x="395280" y="374400"/>
-            <a:ext cx="8292600" cy="884880"/>
-          </a:xfrm>
-          <a:prstGeom prst="rect">
-            <a:avLst/>
-          </a:prstGeom>
-          <a:noFill/>
-          <a:ln w="0">
-            <a:noFill/>
-          </a:ln>
-        </p:spPr>
-        <p:style>
-          <a:lnRef idx="0"/>
-          <a:fillRef idx="0"/>
-          <a:effectRef idx="0"/>
-          <a:fontRef idx="minor"/>
-        </p:style>
-        <p:txBody>
-          <a:bodyPr lIns="90000" rIns="90000" tIns="45000" bIns="45000" anchor="ctr">
-            <a:noAutofit/>
-          </a:bodyPr>
-          <a:p>
-            <a:pPr>
-              <a:lnSpc>
-                <a:spcPct val="90000"/>
-              </a:lnSpc>
-            </a:pPr>
-            <a:r>
-              <a:rPr b="0" lang="pt-BR" sz="4400" spc="-1" strike="noStrike">
-                <a:solidFill>
-                  <a:srgbClr val="000000"/>
-                </a:solidFill>
-                <a:latin typeface="Calibri Light"/>
-                <a:ea typeface="DejaVu Sans"/>
-              </a:rPr>
-              <a:t>Teste:</a:t>
-            </a:r>
-            <a:endParaRPr b="0" lang="pt-BR" sz="4400" spc="-1" strike="noStrike">
-              <a:latin typeface="Arial"/>
-            </a:endParaRPr>
-          </a:p>
-        </p:txBody>
-      </p:sp>
-      <p:sp>
-        <p:nvSpPr>
-          <p:cNvPr id="102" name="CustomShape 2"/>
-          <p:cNvSpPr/>
-          <p:nvPr/>
-        </p:nvSpPr>
-        <p:spPr>
-          <a:xfrm>
-            <a:off x="395280" y="1479960"/>
-            <a:ext cx="11488320" cy="5087160"/>
-          </a:xfrm>
-          <a:prstGeom prst="rect">
-            <a:avLst/>
-          </a:prstGeom>
-          <a:noFill/>
-          <a:ln w="0">
-            <a:noFill/>
-          </a:ln>
-        </p:spPr>
-        <p:style>
-          <a:lnRef idx="0"/>
-          <a:fillRef idx="0"/>
-          <a:effectRef idx="0"/>
-          <a:fontRef idx="minor"/>
-        </p:style>
-        <p:txBody>
-          <a:bodyPr lIns="90000" rIns="90000" tIns="45000" bIns="45000">
-            <a:normAutofit/>
-          </a:bodyPr>
-          <a:p>
-            <a:pPr marL="228600" indent="-225000">
+            <a:pPr marL="228600" indent="-223920">
               <a:lnSpc>
                 <a:spcPct val="90000"/>
               </a:lnSpc>
@@ -3569,7 +5120,7 @@
         <p:spPr>
           <a:xfrm>
             <a:off x="395280" y="374400"/>
-            <a:ext cx="9144720" cy="884880"/>
+            <a:ext cx="9143640" cy="883800"/>
           </a:xfrm>
           <a:prstGeom prst="rect">
             <a:avLst/>
@@ -3620,7 +5171,7 @@
         <p:spPr>
           <a:xfrm>
             <a:off x="395280" y="1479960"/>
-            <a:ext cx="8244720" cy="5087160"/>
+            <a:ext cx="8243640" cy="5086080"/>
           </a:xfrm>
           <a:prstGeom prst="rect">
             <a:avLst/>
@@ -3641,7 +5192,7 @@
             <a:normAutofit/>
           </a:bodyPr>
           <a:p>
-            <a:pPr marL="228600" indent="-225000">
+            <a:pPr marL="228600" indent="-223920">
               <a:lnSpc>
                 <a:spcPct val="90000"/>
               </a:lnSpc>
@@ -3669,7 +5220,7 @@
             </a:endParaRPr>
           </a:p>
           <a:p>
-            <a:pPr marL="228600" indent="-225000">
+            <a:pPr marL="228600" indent="-223920">
               <a:lnSpc>
                 <a:spcPct val="90000"/>
               </a:lnSpc>
@@ -3697,7 +5248,7 @@
             </a:endParaRPr>
           </a:p>
           <a:p>
-            <a:pPr marL="228600" indent="-225000">
+            <a:pPr marL="228600" indent="-223920">
               <a:lnSpc>
                 <a:spcPct val="90000"/>
               </a:lnSpc>
@@ -3725,7 +5276,7 @@
             </a:endParaRPr>
           </a:p>
           <a:p>
-            <a:pPr marL="228600" indent="-225000">
+            <a:pPr marL="228600" indent="-223920">
               <a:lnSpc>
                 <a:spcPct val="90000"/>
               </a:lnSpc>
@@ -3753,7 +5304,7 @@
             </a:endParaRPr>
           </a:p>
           <a:p>
-            <a:pPr marL="228600" indent="-225000">
+            <a:pPr marL="228600" indent="-223920">
               <a:lnSpc>
                 <a:spcPct val="90000"/>
               </a:lnSpc>
@@ -3781,7 +5332,7 @@
             </a:endParaRPr>
           </a:p>
           <a:p>
-            <a:pPr marL="228600" indent="-225000">
+            <a:pPr marL="228600" indent="-223920">
               <a:lnSpc>
                 <a:spcPct val="90000"/>
               </a:lnSpc>
@@ -3809,7 +5360,7 @@
             </a:endParaRPr>
           </a:p>
           <a:p>
-            <a:pPr marL="228600" indent="-225000">
+            <a:pPr marL="228600" indent="-223920">
               <a:lnSpc>
                 <a:spcPct val="90000"/>
               </a:lnSpc>
@@ -3837,7 +5388,7 @@
             </a:endParaRPr>
           </a:p>
           <a:p>
-            <a:pPr marL="228600" indent="-225000">
+            <a:pPr marL="228600" indent="-223920">
               <a:lnSpc>
                 <a:spcPct val="90000"/>
               </a:lnSpc>
@@ -3879,7 +5430,7 @@
         <p:spPr>
           <a:xfrm>
             <a:off x="8819280" y="1080000"/>
-            <a:ext cx="3060720" cy="1620000"/>
+            <a:ext cx="3059640" cy="1618920"/>
           </a:xfrm>
           <a:prstGeom prst="rect">
             <a:avLst/>
@@ -3902,7 +5453,7 @@
         <p:spPr>
           <a:xfrm>
             <a:off x="8820000" y="2862000"/>
-            <a:ext cx="3025080" cy="1418040"/>
+            <a:ext cx="3024000" cy="1416960"/>
           </a:xfrm>
           <a:prstGeom prst="rect">
             <a:avLst/>
@@ -3925,7 +5476,7 @@
         <p:spPr>
           <a:xfrm>
             <a:off x="8820000" y="4407120"/>
-            <a:ext cx="3040920" cy="2160000"/>
+            <a:ext cx="3039840" cy="2158920"/>
           </a:xfrm>
           <a:prstGeom prst="rect">
             <a:avLst/>
@@ -3974,7 +5525,7 @@
         <p:spPr>
           <a:xfrm>
             <a:off x="395280" y="374400"/>
-            <a:ext cx="8292600" cy="884880"/>
+            <a:ext cx="8291520" cy="883800"/>
           </a:xfrm>
           <a:prstGeom prst="rect">
             <a:avLst/>
@@ -4025,7 +5576,7 @@
         <p:spPr>
           <a:xfrm>
             <a:off x="395280" y="1479960"/>
-            <a:ext cx="11488320" cy="5087160"/>
+            <a:ext cx="11487240" cy="5086080"/>
           </a:xfrm>
           <a:prstGeom prst="rect">
             <a:avLst/>
@@ -4046,1013 +5597,63 @@
             <a:normAutofit/>
           </a:bodyPr>
           <a:p>
-            <a:pPr marL="228600" indent="-225000">
-              <a:lnSpc>
-                <a:spcPct val="90000"/>
-              </a:lnSpc>
-              <a:spcBef>
-                <a:spcPts val="1001"/>
-              </a:spcBef>
-              <a:buClr>
-                <a:srgbClr val="000000"/>
-              </a:buClr>
-              <a:buFont typeface="Arial"/>
-              <a:buChar char="•"/>
-            </a:pPr>
-            <a:r>
-              <a:rPr b="0" lang="pt-BR" sz="3200" spc="-1" strike="noStrike">
-                <a:solidFill>
-                  <a:srgbClr val="000000"/>
-                </a:solidFill>
-                <a:latin typeface="Calibri"/>
-                <a:ea typeface="DejaVu Sans"/>
-              </a:rPr>
-              <a:t>O</a:t>
-            </a:r>
-            <a:r>
-              <a:rPr b="0" lang="pt-BR" sz="3200" spc="-1" strike="noStrike">
-                <a:solidFill>
-                  <a:srgbClr val="000000"/>
-                </a:solidFill>
-                <a:latin typeface="Calibri"/>
-                <a:ea typeface="DejaVu Sans"/>
-              </a:rPr>
-              <a:t> </a:t>
-            </a:r>
-            <a:r>
-              <a:rPr b="0" lang="pt-BR" sz="3200" spc="-1" strike="noStrike">
-                <a:solidFill>
-                  <a:srgbClr val="000000"/>
-                </a:solidFill>
-                <a:latin typeface="Calibri"/>
-                <a:ea typeface="DejaVu Sans"/>
-              </a:rPr>
-              <a:t>q</a:t>
-            </a:r>
-            <a:r>
-              <a:rPr b="0" lang="pt-BR" sz="3200" spc="-1" strike="noStrike">
-                <a:solidFill>
-                  <a:srgbClr val="000000"/>
-                </a:solidFill>
-                <a:latin typeface="Calibri"/>
-                <a:ea typeface="DejaVu Sans"/>
-              </a:rPr>
-              <a:t>u</a:t>
-            </a:r>
-            <a:r>
-              <a:rPr b="0" lang="pt-BR" sz="3200" spc="-1" strike="noStrike">
-                <a:solidFill>
-                  <a:srgbClr val="000000"/>
-                </a:solidFill>
-                <a:latin typeface="Calibri"/>
-                <a:ea typeface="DejaVu Sans"/>
-              </a:rPr>
-              <a:t>e</a:t>
-            </a:r>
-            <a:r>
-              <a:rPr b="0" lang="pt-BR" sz="3200" spc="-1" strike="noStrike">
-                <a:solidFill>
-                  <a:srgbClr val="000000"/>
-                </a:solidFill>
-                <a:latin typeface="Calibri"/>
-                <a:ea typeface="DejaVu Sans"/>
-              </a:rPr>
-              <a:t> </a:t>
-            </a:r>
-            <a:r>
-              <a:rPr b="0" lang="pt-BR" sz="3200" spc="-1" strike="noStrike">
-                <a:solidFill>
-                  <a:srgbClr val="000000"/>
-                </a:solidFill>
-                <a:latin typeface="Calibri"/>
-                <a:ea typeface="DejaVu Sans"/>
-              </a:rPr>
-              <a:t>e</a:t>
-            </a:r>
-            <a:r>
-              <a:rPr b="0" lang="pt-BR" sz="3200" spc="-1" strike="noStrike">
-                <a:solidFill>
-                  <a:srgbClr val="000000"/>
-                </a:solidFill>
-                <a:latin typeface="Calibri"/>
-                <a:ea typeface="DejaVu Sans"/>
-              </a:rPr>
-              <a:t>s</a:t>
-            </a:r>
-            <a:r>
-              <a:rPr b="0" lang="pt-BR" sz="3200" spc="-1" strike="noStrike">
-                <a:solidFill>
-                  <a:srgbClr val="000000"/>
-                </a:solidFill>
-                <a:latin typeface="Calibri"/>
-                <a:ea typeface="DejaVu Sans"/>
-              </a:rPr>
-              <a:t>t</a:t>
-            </a:r>
-            <a:r>
-              <a:rPr b="0" lang="pt-BR" sz="3200" spc="-1" strike="noStrike">
-                <a:solidFill>
-                  <a:srgbClr val="000000"/>
-                </a:solidFill>
-                <a:latin typeface="Calibri"/>
-                <a:ea typeface="DejaVu Sans"/>
-              </a:rPr>
-              <a:t>á</a:t>
-            </a:r>
-            <a:r>
-              <a:rPr b="0" lang="pt-BR" sz="3200" spc="-1" strike="noStrike">
-                <a:solidFill>
-                  <a:srgbClr val="000000"/>
-                </a:solidFill>
-                <a:latin typeface="Calibri"/>
-                <a:ea typeface="DejaVu Sans"/>
-              </a:rPr>
-              <a:t> </a:t>
-            </a:r>
-            <a:r>
-              <a:rPr b="0" lang="pt-BR" sz="3200" spc="-1" strike="noStrike">
-                <a:solidFill>
-                  <a:srgbClr val="000000"/>
-                </a:solidFill>
-                <a:latin typeface="Calibri"/>
-                <a:ea typeface="DejaVu Sans"/>
-              </a:rPr>
-              <a:t>e</a:t>
-            </a:r>
-            <a:r>
-              <a:rPr b="0" lang="pt-BR" sz="3200" spc="-1" strike="noStrike">
-                <a:solidFill>
-                  <a:srgbClr val="000000"/>
-                </a:solidFill>
-                <a:latin typeface="Calibri"/>
-                <a:ea typeface="DejaVu Sans"/>
-              </a:rPr>
-              <a:t>s</a:t>
-            </a:r>
-            <a:r>
-              <a:rPr b="0" lang="pt-BR" sz="3200" spc="-1" strike="noStrike">
-                <a:solidFill>
-                  <a:srgbClr val="000000"/>
-                </a:solidFill>
-                <a:latin typeface="Calibri"/>
-                <a:ea typeface="DejaVu Sans"/>
-              </a:rPr>
-              <a:t>c</a:t>
-            </a:r>
-            <a:r>
-              <a:rPr b="0" lang="pt-BR" sz="3200" spc="-1" strike="noStrike">
-                <a:solidFill>
-                  <a:srgbClr val="000000"/>
-                </a:solidFill>
-                <a:latin typeface="Calibri"/>
-                <a:ea typeface="DejaVu Sans"/>
-              </a:rPr>
-              <a:t>r</a:t>
-            </a:r>
-            <a:r>
-              <a:rPr b="0" lang="pt-BR" sz="3200" spc="-1" strike="noStrike">
-                <a:solidFill>
-                  <a:srgbClr val="000000"/>
-                </a:solidFill>
-                <a:latin typeface="Calibri"/>
-                <a:ea typeface="DejaVu Sans"/>
-              </a:rPr>
-              <a:t>i</a:t>
-            </a:r>
-            <a:r>
-              <a:rPr b="0" lang="pt-BR" sz="3200" spc="-1" strike="noStrike">
-                <a:solidFill>
-                  <a:srgbClr val="000000"/>
-                </a:solidFill>
-                <a:latin typeface="Calibri"/>
-                <a:ea typeface="DejaVu Sans"/>
-              </a:rPr>
-              <a:t>t</a:t>
-            </a:r>
-            <a:r>
-              <a:rPr b="0" lang="pt-BR" sz="3200" spc="-1" strike="noStrike">
-                <a:solidFill>
-                  <a:srgbClr val="000000"/>
-                </a:solidFill>
-                <a:latin typeface="Calibri"/>
-                <a:ea typeface="DejaVu Sans"/>
-              </a:rPr>
-              <a:t>o</a:t>
-            </a:r>
-            <a:r>
-              <a:rPr b="0" lang="pt-BR" sz="3200" spc="-1" strike="noStrike">
-                <a:solidFill>
-                  <a:srgbClr val="000000"/>
-                </a:solidFill>
-                <a:latin typeface="Calibri"/>
-                <a:ea typeface="DejaVu Sans"/>
-              </a:rPr>
-              <a:t> </a:t>
-            </a:r>
-            <a:r>
-              <a:rPr b="0" lang="pt-BR" sz="3200" spc="-1" strike="noStrike">
-                <a:solidFill>
-                  <a:srgbClr val="000000"/>
-                </a:solidFill>
-                <a:latin typeface="Calibri"/>
-                <a:ea typeface="DejaVu Sans"/>
-              </a:rPr>
-              <a:t>n</a:t>
-            </a:r>
-            <a:r>
-              <a:rPr b="0" lang="pt-BR" sz="3200" spc="-1" strike="noStrike">
-                <a:solidFill>
-                  <a:srgbClr val="000000"/>
-                </a:solidFill>
-                <a:latin typeface="Calibri"/>
-                <a:ea typeface="DejaVu Sans"/>
-              </a:rPr>
-              <a:t>o</a:t>
-            </a:r>
-            <a:r>
-              <a:rPr b="0" lang="pt-BR" sz="3200" spc="-1" strike="noStrike">
-                <a:solidFill>
-                  <a:srgbClr val="000000"/>
-                </a:solidFill>
-                <a:latin typeface="Calibri"/>
-                <a:ea typeface="DejaVu Sans"/>
-              </a:rPr>
-              <a:t>s</a:t>
-            </a:r>
-            <a:r>
-              <a:rPr b="0" lang="pt-BR" sz="3200" spc="-1" strike="noStrike">
-                <a:solidFill>
-                  <a:srgbClr val="000000"/>
-                </a:solidFill>
-                <a:latin typeface="Calibri"/>
-                <a:ea typeface="DejaVu Sans"/>
-              </a:rPr>
-              <a:t> </a:t>
-            </a:r>
-            <a:r>
-              <a:rPr b="0" lang="pt-BR" sz="3200" spc="-1" strike="noStrike">
-                <a:solidFill>
-                  <a:srgbClr val="000000"/>
-                </a:solidFill>
-                <a:latin typeface="Calibri"/>
-                <a:ea typeface="DejaVu Sans"/>
-              </a:rPr>
-              <a:t>t</a:t>
-            </a:r>
-            <a:r>
-              <a:rPr b="0" lang="pt-BR" sz="3200" spc="-1" strike="noStrike">
-                <a:solidFill>
-                  <a:srgbClr val="000000"/>
-                </a:solidFill>
-                <a:latin typeface="Calibri"/>
-                <a:ea typeface="DejaVu Sans"/>
-              </a:rPr>
-              <a:t>e</a:t>
-            </a:r>
-            <a:r>
-              <a:rPr b="0" lang="pt-BR" sz="3200" spc="-1" strike="noStrike">
-                <a:solidFill>
-                  <a:srgbClr val="000000"/>
-                </a:solidFill>
-                <a:latin typeface="Calibri"/>
-                <a:ea typeface="DejaVu Sans"/>
-              </a:rPr>
-              <a:t>x</a:t>
-            </a:r>
-            <a:r>
-              <a:rPr b="0" lang="pt-BR" sz="3200" spc="-1" strike="noStrike">
-                <a:solidFill>
-                  <a:srgbClr val="000000"/>
-                </a:solidFill>
-                <a:latin typeface="Calibri"/>
-                <a:ea typeface="DejaVu Sans"/>
-              </a:rPr>
-              <a:t>t</a:t>
-            </a:r>
-            <a:r>
-              <a:rPr b="0" lang="pt-BR" sz="3200" spc="-1" strike="noStrike">
-                <a:solidFill>
-                  <a:srgbClr val="000000"/>
-                </a:solidFill>
-                <a:latin typeface="Calibri"/>
-                <a:ea typeface="DejaVu Sans"/>
-              </a:rPr>
-              <a:t>o</a:t>
-            </a:r>
-            <a:r>
-              <a:rPr b="0" lang="pt-BR" sz="3200" spc="-1" strike="noStrike">
-                <a:solidFill>
-                  <a:srgbClr val="000000"/>
-                </a:solidFill>
-                <a:latin typeface="Calibri"/>
-                <a:ea typeface="DejaVu Sans"/>
-              </a:rPr>
-              <a:t>s</a:t>
-            </a:r>
-            <a:r>
-              <a:rPr b="0" lang="pt-BR" sz="3200" spc="-1" strike="noStrike">
-                <a:solidFill>
-                  <a:srgbClr val="000000"/>
-                </a:solidFill>
-                <a:latin typeface="Calibri"/>
-                <a:ea typeface="DejaVu Sans"/>
-              </a:rPr>
-              <a:t>.</a:t>
-            </a:r>
-            <a:endParaRPr b="0" lang="pt-BR" sz="3200" spc="-1" strike="noStrike">
-              <a:latin typeface="Arial"/>
-            </a:endParaRPr>
-          </a:p>
-          <a:p>
-            <a:pPr marL="228600" indent="-225000">
-              <a:lnSpc>
-                <a:spcPct val="90000"/>
-              </a:lnSpc>
-              <a:spcBef>
-                <a:spcPts val="1001"/>
-              </a:spcBef>
-              <a:buClr>
-                <a:srgbClr val="000000"/>
-              </a:buClr>
-              <a:buFont typeface="Arial"/>
-              <a:buChar char="•"/>
-            </a:pPr>
-            <a:r>
-              <a:rPr b="0" lang="pt-BR" sz="3200" spc="-1" strike="noStrike">
-                <a:solidFill>
-                  <a:srgbClr val="000000"/>
-                </a:solidFill>
-                <a:latin typeface="Calibri"/>
-                <a:ea typeface="DejaVu Sans"/>
-              </a:rPr>
-              <a:t>M</a:t>
-            </a:r>
-            <a:r>
-              <a:rPr b="0" lang="pt-BR" sz="3200" spc="-1" strike="noStrike">
-                <a:solidFill>
-                  <a:srgbClr val="000000"/>
-                </a:solidFill>
-                <a:latin typeface="Calibri"/>
-                <a:ea typeface="DejaVu Sans"/>
-              </a:rPr>
-              <a:t>u</a:t>
-            </a:r>
-            <a:r>
-              <a:rPr b="0" lang="pt-BR" sz="3200" spc="-1" strike="noStrike">
-                <a:solidFill>
-                  <a:srgbClr val="000000"/>
-                </a:solidFill>
-                <a:latin typeface="Calibri"/>
-                <a:ea typeface="DejaVu Sans"/>
-              </a:rPr>
-              <a:t>d</a:t>
-            </a:r>
-            <a:r>
-              <a:rPr b="0" lang="pt-BR" sz="3200" spc="-1" strike="noStrike">
-                <a:solidFill>
-                  <a:srgbClr val="000000"/>
-                </a:solidFill>
-                <a:latin typeface="Calibri"/>
-                <a:ea typeface="DejaVu Sans"/>
-              </a:rPr>
-              <a:t>e</a:t>
-            </a:r>
-            <a:r>
-              <a:rPr b="0" lang="pt-BR" sz="3200" spc="-1" strike="noStrike">
-                <a:solidFill>
-                  <a:srgbClr val="000000"/>
-                </a:solidFill>
-                <a:latin typeface="Calibri"/>
-                <a:ea typeface="DejaVu Sans"/>
-              </a:rPr>
-              <a:t>m</a:t>
-            </a:r>
-            <a:r>
-              <a:rPr b="0" lang="pt-BR" sz="3200" spc="-1" strike="noStrike">
-                <a:solidFill>
-                  <a:srgbClr val="000000"/>
-                </a:solidFill>
-                <a:latin typeface="Calibri"/>
-                <a:ea typeface="DejaVu Sans"/>
-              </a:rPr>
-              <a:t> </a:t>
-            </a:r>
-            <a:r>
-              <a:rPr b="0" lang="pt-BR" sz="3200" spc="-1" strike="noStrike">
-                <a:solidFill>
-                  <a:srgbClr val="000000"/>
-                </a:solidFill>
-                <a:latin typeface="Calibri"/>
-                <a:ea typeface="DejaVu Sans"/>
-              </a:rPr>
-              <a:t>q</a:t>
-            </a:r>
-            <a:r>
-              <a:rPr b="0" lang="pt-BR" sz="3200" spc="-1" strike="noStrike">
-                <a:solidFill>
-                  <a:srgbClr val="000000"/>
-                </a:solidFill>
-                <a:latin typeface="Calibri"/>
-                <a:ea typeface="DejaVu Sans"/>
-              </a:rPr>
-              <a:t>u</a:t>
-            </a:r>
-            <a:r>
-              <a:rPr b="0" lang="pt-BR" sz="3200" spc="-1" strike="noStrike">
-                <a:solidFill>
-                  <a:srgbClr val="000000"/>
-                </a:solidFill>
-                <a:latin typeface="Calibri"/>
-                <a:ea typeface="DejaVu Sans"/>
-              </a:rPr>
-              <a:t>a</a:t>
-            </a:r>
-            <a:r>
-              <a:rPr b="0" lang="pt-BR" sz="3200" spc="-1" strike="noStrike">
-                <a:solidFill>
-                  <a:srgbClr val="000000"/>
-                </a:solidFill>
-                <a:latin typeface="Calibri"/>
-                <a:ea typeface="DejaVu Sans"/>
-              </a:rPr>
-              <a:t>l</a:t>
-            </a:r>
-            <a:r>
-              <a:rPr b="0" lang="pt-BR" sz="3200" spc="-1" strike="noStrike">
-                <a:solidFill>
-                  <a:srgbClr val="000000"/>
-                </a:solidFill>
-                <a:latin typeface="Calibri"/>
-                <a:ea typeface="DejaVu Sans"/>
-              </a:rPr>
-              <a:t> </a:t>
-            </a:r>
-            <a:r>
-              <a:rPr b="0" lang="pt-BR" sz="3200" spc="-1" strike="noStrike">
-                <a:solidFill>
-                  <a:srgbClr val="000000"/>
-                </a:solidFill>
-                <a:latin typeface="Calibri"/>
-                <a:ea typeface="DejaVu Sans"/>
-              </a:rPr>
-              <a:t>é</a:t>
-            </a:r>
-            <a:r>
-              <a:rPr b="0" lang="pt-BR" sz="3200" spc="-1" strike="noStrike">
-                <a:solidFill>
-                  <a:srgbClr val="000000"/>
-                </a:solidFill>
-                <a:latin typeface="Calibri"/>
-                <a:ea typeface="DejaVu Sans"/>
-              </a:rPr>
-              <a:t> </a:t>
-            </a:r>
-            <a:r>
-              <a:rPr b="0" lang="pt-BR" sz="3200" spc="-1" strike="noStrike">
-                <a:solidFill>
-                  <a:srgbClr val="000000"/>
-                </a:solidFill>
-                <a:latin typeface="Calibri"/>
-                <a:ea typeface="DejaVu Sans"/>
-              </a:rPr>
-              <a:t>a</a:t>
-            </a:r>
-            <a:r>
-              <a:rPr b="0" lang="pt-BR" sz="3200" spc="-1" strike="noStrike">
-                <a:solidFill>
-                  <a:srgbClr val="000000"/>
-                </a:solidFill>
-                <a:latin typeface="Calibri"/>
-                <a:ea typeface="DejaVu Sans"/>
-              </a:rPr>
-              <a:t> </a:t>
-            </a:r>
-            <a:r>
-              <a:rPr b="0" lang="pt-BR" sz="3200" spc="-1" strike="noStrike">
-                <a:solidFill>
-                  <a:srgbClr val="000000"/>
-                </a:solidFill>
-                <a:latin typeface="Calibri"/>
-                <a:ea typeface="DejaVu Sans"/>
-              </a:rPr>
-              <a:t>c</a:t>
-            </a:r>
-            <a:r>
-              <a:rPr b="0" lang="pt-BR" sz="3200" spc="-1" strike="noStrike">
-                <a:solidFill>
-                  <a:srgbClr val="000000"/>
-                </a:solidFill>
-                <a:latin typeface="Calibri"/>
-                <a:ea typeface="DejaVu Sans"/>
-              </a:rPr>
-              <a:t>o</a:t>
-            </a:r>
-            <a:r>
-              <a:rPr b="0" lang="pt-BR" sz="3200" spc="-1" strike="noStrike">
-                <a:solidFill>
-                  <a:srgbClr val="000000"/>
-                </a:solidFill>
-                <a:latin typeface="Calibri"/>
-                <a:ea typeface="DejaVu Sans"/>
-              </a:rPr>
-              <a:t>r</a:t>
-            </a:r>
-            <a:r>
-              <a:rPr b="0" lang="pt-BR" sz="3200" spc="-1" strike="noStrike">
-                <a:solidFill>
-                  <a:srgbClr val="000000"/>
-                </a:solidFill>
-                <a:latin typeface="Calibri"/>
-                <a:ea typeface="DejaVu Sans"/>
-              </a:rPr>
-              <a:t> </a:t>
-            </a:r>
-            <a:r>
-              <a:rPr b="0" lang="pt-BR" sz="3200" spc="-1" strike="noStrike">
-                <a:solidFill>
-                  <a:srgbClr val="000000"/>
-                </a:solidFill>
-                <a:latin typeface="Calibri"/>
-                <a:ea typeface="DejaVu Sans"/>
-              </a:rPr>
-              <a:t>d</a:t>
-            </a:r>
-            <a:r>
-              <a:rPr b="0" lang="pt-BR" sz="3200" spc="-1" strike="noStrike">
-                <a:solidFill>
-                  <a:srgbClr val="000000"/>
-                </a:solidFill>
-                <a:latin typeface="Calibri"/>
-                <a:ea typeface="DejaVu Sans"/>
-              </a:rPr>
-              <a:t>o</a:t>
-            </a:r>
-            <a:r>
-              <a:rPr b="0" lang="pt-BR" sz="3200" spc="-1" strike="noStrike">
-                <a:solidFill>
-                  <a:srgbClr val="000000"/>
-                </a:solidFill>
-                <a:latin typeface="Calibri"/>
-                <a:ea typeface="DejaVu Sans"/>
-              </a:rPr>
-              <a:t> </a:t>
-            </a:r>
-            <a:r>
-              <a:rPr b="0" lang="pt-BR" sz="3200" spc="-1" strike="noStrike">
-                <a:solidFill>
-                  <a:srgbClr val="000000"/>
-                </a:solidFill>
-                <a:latin typeface="Calibri"/>
-                <a:ea typeface="DejaVu Sans"/>
-              </a:rPr>
-              <a:t>t</a:t>
-            </a:r>
-            <a:r>
-              <a:rPr b="0" lang="pt-BR" sz="3200" spc="-1" strike="noStrike">
-                <a:solidFill>
-                  <a:srgbClr val="000000"/>
-                </a:solidFill>
-                <a:latin typeface="Calibri"/>
-                <a:ea typeface="DejaVu Sans"/>
-              </a:rPr>
-              <a:t>e</a:t>
-            </a:r>
-            <a:r>
-              <a:rPr b="0" lang="pt-BR" sz="3200" spc="-1" strike="noStrike">
-                <a:solidFill>
-                  <a:srgbClr val="000000"/>
-                </a:solidFill>
-                <a:latin typeface="Calibri"/>
-                <a:ea typeface="DejaVu Sans"/>
-              </a:rPr>
-              <a:t>x</a:t>
-            </a:r>
-            <a:r>
-              <a:rPr b="0" lang="pt-BR" sz="3200" spc="-1" strike="noStrike">
-                <a:solidFill>
-                  <a:srgbClr val="000000"/>
-                </a:solidFill>
-                <a:latin typeface="Calibri"/>
-                <a:ea typeface="DejaVu Sans"/>
-              </a:rPr>
-              <a:t>t</a:t>
-            </a:r>
-            <a:r>
-              <a:rPr b="0" lang="pt-BR" sz="3200" spc="-1" strike="noStrike">
-                <a:solidFill>
-                  <a:srgbClr val="000000"/>
-                </a:solidFill>
-                <a:latin typeface="Calibri"/>
-                <a:ea typeface="DejaVu Sans"/>
-              </a:rPr>
-              <a:t>o</a:t>
-            </a:r>
-            <a:r>
-              <a:rPr b="0" lang="pt-BR" sz="3200" spc="-1" strike="noStrike">
-                <a:solidFill>
-                  <a:srgbClr val="000000"/>
-                </a:solidFill>
-                <a:latin typeface="Calibri"/>
-                <a:ea typeface="DejaVu Sans"/>
-              </a:rPr>
-              <a:t> </a:t>
-            </a:r>
-            <a:r>
-              <a:rPr b="0" lang="pt-BR" sz="3200" spc="-1" strike="noStrike">
-                <a:solidFill>
-                  <a:srgbClr val="000000"/>
-                </a:solidFill>
-                <a:latin typeface="Calibri"/>
-                <a:ea typeface="DejaVu Sans"/>
-              </a:rPr>
-              <a:t>p</a:t>
-            </a:r>
-            <a:r>
-              <a:rPr b="0" lang="pt-BR" sz="3200" spc="-1" strike="noStrike">
-                <a:solidFill>
-                  <a:srgbClr val="000000"/>
-                </a:solidFill>
-                <a:latin typeface="Calibri"/>
-                <a:ea typeface="DejaVu Sans"/>
-              </a:rPr>
-              <a:t>r</a:t>
-            </a:r>
-            <a:r>
-              <a:rPr b="0" lang="pt-BR" sz="3200" spc="-1" strike="noStrike">
-                <a:solidFill>
-                  <a:srgbClr val="000000"/>
-                </a:solidFill>
-                <a:latin typeface="Calibri"/>
-                <a:ea typeface="DejaVu Sans"/>
-              </a:rPr>
-              <a:t>i</a:t>
-            </a:r>
-            <a:r>
-              <a:rPr b="0" lang="pt-BR" sz="3200" spc="-1" strike="noStrike">
-                <a:solidFill>
-                  <a:srgbClr val="000000"/>
-                </a:solidFill>
-                <a:latin typeface="Calibri"/>
-                <a:ea typeface="DejaVu Sans"/>
-              </a:rPr>
-              <a:t>n</a:t>
-            </a:r>
-            <a:r>
-              <a:rPr b="0" lang="pt-BR" sz="3200" spc="-1" strike="noStrike">
-                <a:solidFill>
-                  <a:srgbClr val="000000"/>
-                </a:solidFill>
-                <a:latin typeface="Calibri"/>
-                <a:ea typeface="DejaVu Sans"/>
-              </a:rPr>
-              <a:t>c</a:t>
-            </a:r>
-            <a:r>
-              <a:rPr b="0" lang="pt-BR" sz="3200" spc="-1" strike="noStrike">
-                <a:solidFill>
-                  <a:srgbClr val="000000"/>
-                </a:solidFill>
-                <a:latin typeface="Calibri"/>
-                <a:ea typeface="DejaVu Sans"/>
-              </a:rPr>
-              <a:t>i</a:t>
-            </a:r>
-            <a:r>
-              <a:rPr b="0" lang="pt-BR" sz="3200" spc="-1" strike="noStrike">
-                <a:solidFill>
-                  <a:srgbClr val="000000"/>
-                </a:solidFill>
-                <a:latin typeface="Calibri"/>
-                <a:ea typeface="DejaVu Sans"/>
-              </a:rPr>
-              <a:t>p</a:t>
-            </a:r>
-            <a:r>
-              <a:rPr b="0" lang="pt-BR" sz="3200" spc="-1" strike="noStrike">
-                <a:solidFill>
-                  <a:srgbClr val="000000"/>
-                </a:solidFill>
-                <a:latin typeface="Calibri"/>
-                <a:ea typeface="DejaVu Sans"/>
-              </a:rPr>
-              <a:t>a</a:t>
-            </a:r>
-            <a:r>
-              <a:rPr b="0" lang="pt-BR" sz="3200" spc="-1" strike="noStrike">
-                <a:solidFill>
-                  <a:srgbClr val="000000"/>
-                </a:solidFill>
-                <a:latin typeface="Calibri"/>
-                <a:ea typeface="DejaVu Sans"/>
-              </a:rPr>
-              <a:t>l</a:t>
-            </a:r>
-            <a:r>
-              <a:rPr b="0" lang="pt-BR" sz="3200" spc="-1" strike="noStrike">
-                <a:solidFill>
-                  <a:srgbClr val="000000"/>
-                </a:solidFill>
-                <a:latin typeface="Calibri"/>
-                <a:ea typeface="DejaVu Sans"/>
-              </a:rPr>
-              <a:t>,</a:t>
-            </a:r>
-            <a:r>
-              <a:rPr b="0" lang="pt-BR" sz="3200" spc="-1" strike="noStrike">
-                <a:solidFill>
-                  <a:srgbClr val="000000"/>
-                </a:solidFill>
-                <a:latin typeface="Calibri"/>
-                <a:ea typeface="DejaVu Sans"/>
-              </a:rPr>
-              <a:t> </a:t>
-            </a:r>
-            <a:r>
-              <a:rPr b="0" lang="pt-BR" sz="3200" spc="-1" strike="noStrike">
-                <a:solidFill>
-                  <a:srgbClr val="000000"/>
-                </a:solidFill>
-                <a:latin typeface="Calibri"/>
-                <a:ea typeface="DejaVu Sans"/>
-              </a:rPr>
-              <a:t>e</a:t>
-            </a:r>
-            <a:r>
-              <a:rPr b="0" lang="pt-BR" sz="3200" spc="-1" strike="noStrike">
-                <a:solidFill>
-                  <a:srgbClr val="000000"/>
-                </a:solidFill>
-                <a:latin typeface="Calibri"/>
-                <a:ea typeface="DejaVu Sans"/>
-              </a:rPr>
-              <a:t> </a:t>
-            </a:r>
-            <a:r>
-              <a:rPr b="0" lang="pt-BR" sz="3200" spc="-1" strike="noStrike">
-                <a:solidFill>
-                  <a:srgbClr val="000000"/>
-                </a:solidFill>
-                <a:latin typeface="Calibri"/>
-                <a:ea typeface="DejaVu Sans"/>
-              </a:rPr>
-              <a:t>a</a:t>
-            </a:r>
-            <a:r>
-              <a:rPr b="0" lang="pt-BR" sz="3200" spc="-1" strike="noStrike">
-                <a:solidFill>
-                  <a:srgbClr val="000000"/>
-                </a:solidFill>
-                <a:latin typeface="Calibri"/>
-                <a:ea typeface="DejaVu Sans"/>
-              </a:rPr>
-              <a:t> </a:t>
-            </a:r>
-            <a:r>
-              <a:rPr b="0" lang="pt-BR" sz="3200" spc="-1" strike="noStrike">
-                <a:solidFill>
-                  <a:srgbClr val="000000"/>
-                </a:solidFill>
-                <a:latin typeface="Calibri"/>
-                <a:ea typeface="DejaVu Sans"/>
-              </a:rPr>
-              <a:t>c</a:t>
-            </a:r>
-            <a:r>
-              <a:rPr b="0" lang="pt-BR" sz="3200" spc="-1" strike="noStrike">
-                <a:solidFill>
-                  <a:srgbClr val="000000"/>
-                </a:solidFill>
-                <a:latin typeface="Calibri"/>
-                <a:ea typeface="DejaVu Sans"/>
-              </a:rPr>
-              <a:t>o</a:t>
-            </a:r>
-            <a:r>
-              <a:rPr b="0" lang="pt-BR" sz="3200" spc="-1" strike="noStrike">
-                <a:solidFill>
-                  <a:srgbClr val="000000"/>
-                </a:solidFill>
-                <a:latin typeface="Calibri"/>
-                <a:ea typeface="DejaVu Sans"/>
-              </a:rPr>
-              <a:t>r</a:t>
-            </a:r>
-            <a:r>
-              <a:rPr b="0" lang="pt-BR" sz="3200" spc="-1" strike="noStrike">
-                <a:solidFill>
-                  <a:srgbClr val="000000"/>
-                </a:solidFill>
-                <a:latin typeface="Calibri"/>
-                <a:ea typeface="DejaVu Sans"/>
-              </a:rPr>
-              <a:t> </a:t>
-            </a:r>
-            <a:r>
-              <a:rPr b="0" lang="pt-BR" sz="3200" spc="-1" strike="noStrike">
-                <a:solidFill>
-                  <a:srgbClr val="000000"/>
-                </a:solidFill>
-                <a:latin typeface="Calibri"/>
-                <a:ea typeface="DejaVu Sans"/>
-              </a:rPr>
-              <a:t>d</a:t>
-            </a:r>
-            <a:r>
-              <a:rPr b="0" lang="pt-BR" sz="3200" spc="-1" strike="noStrike">
-                <a:solidFill>
-                  <a:srgbClr val="000000"/>
-                </a:solidFill>
-                <a:latin typeface="Calibri"/>
-                <a:ea typeface="DejaVu Sans"/>
-              </a:rPr>
-              <a:t>o</a:t>
-            </a:r>
-            <a:r>
-              <a:rPr b="0" lang="pt-BR" sz="3200" spc="-1" strike="noStrike">
-                <a:solidFill>
-                  <a:srgbClr val="000000"/>
-                </a:solidFill>
-                <a:latin typeface="Calibri"/>
-                <a:ea typeface="DejaVu Sans"/>
-              </a:rPr>
-              <a:t> </a:t>
-            </a:r>
-            <a:r>
-              <a:rPr b="0" lang="pt-BR" sz="3200" spc="-1" strike="noStrike">
-                <a:solidFill>
-                  <a:srgbClr val="000000"/>
-                </a:solidFill>
-                <a:latin typeface="Calibri"/>
-                <a:ea typeface="DejaVu Sans"/>
-              </a:rPr>
-              <a:t>t</a:t>
-            </a:r>
-            <a:r>
-              <a:rPr b="0" lang="pt-BR" sz="3200" spc="-1" strike="noStrike">
-                <a:solidFill>
-                  <a:srgbClr val="000000"/>
-                </a:solidFill>
-                <a:latin typeface="Calibri"/>
-                <a:ea typeface="DejaVu Sans"/>
-              </a:rPr>
-              <a:t>e</a:t>
-            </a:r>
-            <a:r>
-              <a:rPr b="0" lang="pt-BR" sz="3200" spc="-1" strike="noStrike">
-                <a:solidFill>
-                  <a:srgbClr val="000000"/>
-                </a:solidFill>
-                <a:latin typeface="Calibri"/>
-                <a:ea typeface="DejaVu Sans"/>
-              </a:rPr>
-              <a:t>x</a:t>
-            </a:r>
-            <a:r>
-              <a:rPr b="0" lang="pt-BR" sz="3200" spc="-1" strike="noStrike">
-                <a:solidFill>
-                  <a:srgbClr val="000000"/>
-                </a:solidFill>
-                <a:latin typeface="Calibri"/>
-                <a:ea typeface="DejaVu Sans"/>
-              </a:rPr>
-              <a:t>t</a:t>
-            </a:r>
-            <a:r>
-              <a:rPr b="0" lang="pt-BR" sz="3200" spc="-1" strike="noStrike">
-                <a:solidFill>
-                  <a:srgbClr val="000000"/>
-                </a:solidFill>
-                <a:latin typeface="Calibri"/>
-                <a:ea typeface="DejaVu Sans"/>
-              </a:rPr>
-              <a:t>o</a:t>
-            </a:r>
-            <a:r>
-              <a:rPr b="0" lang="pt-BR" sz="3200" spc="-1" strike="noStrike">
-                <a:solidFill>
-                  <a:srgbClr val="000000"/>
-                </a:solidFill>
-                <a:latin typeface="Calibri"/>
-                <a:ea typeface="DejaVu Sans"/>
-              </a:rPr>
-              <a:t> </a:t>
-            </a:r>
-            <a:r>
-              <a:rPr b="0" lang="pt-BR" sz="3200" spc="-1" strike="noStrike">
-                <a:solidFill>
-                  <a:srgbClr val="000000"/>
-                </a:solidFill>
-                <a:latin typeface="Calibri"/>
-                <a:ea typeface="DejaVu Sans"/>
-              </a:rPr>
-              <a:t>s</a:t>
-            </a:r>
-            <a:r>
-              <a:rPr b="0" lang="pt-BR" sz="3200" spc="-1" strike="noStrike">
-                <a:solidFill>
-                  <a:srgbClr val="000000"/>
-                </a:solidFill>
-                <a:latin typeface="Calibri"/>
-                <a:ea typeface="DejaVu Sans"/>
-              </a:rPr>
-              <a:t>e</a:t>
-            </a:r>
-            <a:r>
-              <a:rPr b="0" lang="pt-BR" sz="3200" spc="-1" strike="noStrike">
-                <a:solidFill>
-                  <a:srgbClr val="000000"/>
-                </a:solidFill>
-                <a:latin typeface="Calibri"/>
-                <a:ea typeface="DejaVu Sans"/>
-              </a:rPr>
-              <a:t>c</a:t>
-            </a:r>
-            <a:r>
-              <a:rPr b="0" lang="pt-BR" sz="3200" spc="-1" strike="noStrike">
-                <a:solidFill>
-                  <a:srgbClr val="000000"/>
-                </a:solidFill>
-                <a:latin typeface="Calibri"/>
-                <a:ea typeface="DejaVu Sans"/>
-              </a:rPr>
-              <a:t>u</a:t>
-            </a:r>
-            <a:r>
-              <a:rPr b="0" lang="pt-BR" sz="3200" spc="-1" strike="noStrike">
-                <a:solidFill>
-                  <a:srgbClr val="000000"/>
-                </a:solidFill>
-                <a:latin typeface="Calibri"/>
-                <a:ea typeface="DejaVu Sans"/>
-              </a:rPr>
-              <a:t>n</a:t>
-            </a:r>
-            <a:r>
-              <a:rPr b="0" lang="pt-BR" sz="3200" spc="-1" strike="noStrike">
-                <a:solidFill>
-                  <a:srgbClr val="000000"/>
-                </a:solidFill>
-                <a:latin typeface="Calibri"/>
-                <a:ea typeface="DejaVu Sans"/>
-              </a:rPr>
-              <a:t>d</a:t>
-            </a:r>
-            <a:r>
-              <a:rPr b="0" lang="pt-BR" sz="3200" spc="-1" strike="noStrike">
-                <a:solidFill>
-                  <a:srgbClr val="000000"/>
-                </a:solidFill>
-                <a:latin typeface="Calibri"/>
-                <a:ea typeface="DejaVu Sans"/>
-              </a:rPr>
-              <a:t>á</a:t>
-            </a:r>
-            <a:r>
-              <a:rPr b="0" lang="pt-BR" sz="3200" spc="-1" strike="noStrike">
-                <a:solidFill>
-                  <a:srgbClr val="000000"/>
-                </a:solidFill>
-                <a:latin typeface="Calibri"/>
-                <a:ea typeface="DejaVu Sans"/>
-              </a:rPr>
-              <a:t>r</a:t>
-            </a:r>
-            <a:r>
-              <a:rPr b="0" lang="pt-BR" sz="3200" spc="-1" strike="noStrike">
-                <a:solidFill>
-                  <a:srgbClr val="000000"/>
-                </a:solidFill>
-                <a:latin typeface="Calibri"/>
-                <a:ea typeface="DejaVu Sans"/>
-              </a:rPr>
-              <a:t>i</a:t>
-            </a:r>
-            <a:r>
-              <a:rPr b="0" lang="pt-BR" sz="3200" spc="-1" strike="noStrike">
-                <a:solidFill>
-                  <a:srgbClr val="000000"/>
-                </a:solidFill>
-                <a:latin typeface="Calibri"/>
-                <a:ea typeface="DejaVu Sans"/>
-              </a:rPr>
-              <a:t>o</a:t>
-            </a:r>
-            <a:r>
-              <a:rPr b="0" lang="pt-BR" sz="3200" spc="-1" strike="noStrike">
-                <a:solidFill>
-                  <a:srgbClr val="000000"/>
-                </a:solidFill>
-                <a:latin typeface="Calibri"/>
-                <a:ea typeface="DejaVu Sans"/>
-              </a:rPr>
-              <a:t>.</a:t>
-            </a:r>
-            <a:endParaRPr b="0" lang="pt-BR" sz="3200" spc="-1" strike="noStrike">
-              <a:latin typeface="Arial"/>
-            </a:endParaRPr>
-          </a:p>
-          <a:p>
-            <a:pPr marL="228600" indent="-225000">
+            <a:pPr marL="228600" indent="-223920">
+              <a:lnSpc>
+                <a:spcPct val="90000"/>
+              </a:lnSpc>
+              <a:spcBef>
+                <a:spcPts val="1001"/>
+              </a:spcBef>
+              <a:buClr>
+                <a:srgbClr val="000000"/>
+              </a:buClr>
+              <a:buFont typeface="Arial"/>
+              <a:buChar char="•"/>
+            </a:pPr>
+            <a:r>
+              <a:rPr b="0" lang="pt-BR" sz="3200" spc="-1" strike="noStrike">
+                <a:solidFill>
+                  <a:srgbClr val="000000"/>
+                </a:solidFill>
+                <a:latin typeface="Calibri"/>
+                <a:ea typeface="DejaVu Sans"/>
+              </a:rPr>
+              <a:t>O que está escrito nos textos.</a:t>
+            </a:r>
+            <a:endParaRPr b="0" lang="pt-BR" sz="3200" spc="-1" strike="noStrike">
+              <a:latin typeface="Arial"/>
+            </a:endParaRPr>
+          </a:p>
+          <a:p>
+            <a:pPr marL="228600" indent="-223920">
+              <a:lnSpc>
+                <a:spcPct val="90000"/>
+              </a:lnSpc>
+              <a:spcBef>
+                <a:spcPts val="1001"/>
+              </a:spcBef>
+              <a:buClr>
+                <a:srgbClr val="000000"/>
+              </a:buClr>
+              <a:buFont typeface="Arial"/>
+              <a:buChar char="•"/>
+            </a:pPr>
+            <a:r>
+              <a:rPr b="0" lang="pt-BR" sz="3200" spc="-1" strike="noStrike">
+                <a:solidFill>
+                  <a:srgbClr val="000000"/>
+                </a:solidFill>
+                <a:latin typeface="Calibri"/>
+                <a:ea typeface="DejaVu Sans"/>
+              </a:rPr>
+              <a:t>Mudem qual é a cor do texto principal, e a cor do texto secundário.</a:t>
+            </a:r>
+            <a:endParaRPr b="0" lang="pt-BR" sz="3200" spc="-1" strike="noStrike">
+              <a:latin typeface="Arial"/>
+            </a:endParaRPr>
+          </a:p>
+          <a:p>
+            <a:pPr marL="228600" indent="-223920">
               <a:lnSpc>
                 <a:spcPct val="90000"/>
               </a:lnSpc>
@@ -5133,7 +5734,7 @@
         <p:spPr>
           <a:xfrm>
             <a:off x="395280" y="374400"/>
-            <a:ext cx="8292600" cy="884880"/>
+            <a:ext cx="8291520" cy="883800"/>
           </a:xfrm>
           <a:prstGeom prst="rect">
             <a:avLst/>
@@ -5184,7 +5785,7 @@
         <p:spPr>
           <a:xfrm>
             <a:off x="395280" y="1479960"/>
-            <a:ext cx="8062560" cy="5087160"/>
+            <a:ext cx="8061480" cy="5086080"/>
           </a:xfrm>
           <a:prstGeom prst="rect">
             <a:avLst/>
@@ -5205,7 +5806,7 @@
             <a:normAutofit/>
           </a:bodyPr>
           <a:p>
-            <a:pPr marL="228600" indent="-225000">
+            <a:pPr marL="228600" indent="-223920">
               <a:lnSpc>
                 <a:spcPct val="90000"/>
               </a:lnSpc>
@@ -5233,7 +5834,7 @@
             </a:endParaRPr>
           </a:p>
           <a:p>
-            <a:pPr marL="228600" indent="-225000">
+            <a:pPr marL="228600" indent="-223920">
               <a:lnSpc>
                 <a:spcPct val="90000"/>
               </a:lnSpc>
@@ -5261,7 +5862,7 @@
             </a:endParaRPr>
           </a:p>
           <a:p>
-            <a:pPr marL="228600" indent="-225000">
+            <a:pPr marL="228600" indent="-223920">
               <a:lnSpc>
                 <a:spcPct val="90000"/>
               </a:lnSpc>
@@ -5289,7 +5890,7 @@
             </a:endParaRPr>
           </a:p>
           <a:p>
-            <a:pPr marL="228600" indent="-225000">
+            <a:pPr marL="228600" indent="-223920">
               <a:lnSpc>
                 <a:spcPct val="90000"/>
               </a:lnSpc>
@@ -5317,7 +5918,7 @@
             </a:endParaRPr>
           </a:p>
           <a:p>
-            <a:pPr marL="228600" indent="-225000">
+            <a:pPr marL="228600" indent="-223920">
               <a:lnSpc>
                 <a:spcPct val="90000"/>
               </a:lnSpc>
@@ -5345,7 +5946,7 @@
             </a:endParaRPr>
           </a:p>
           <a:p>
-            <a:pPr marL="228600" indent="-225000">
+            <a:pPr marL="228600" indent="-223920">
               <a:lnSpc>
                 <a:spcPct val="90000"/>
               </a:lnSpc>
@@ -5400,7 +6001,7 @@
         <p:spPr>
           <a:xfrm>
             <a:off x="8613360" y="432720"/>
-            <a:ext cx="3264480" cy="645120"/>
+            <a:ext cx="3263400" cy="644040"/>
           </a:xfrm>
           <a:prstGeom prst="rect">
             <a:avLst/>
@@ -5418,13 +6019,13 @@
         </p:nvPicPr>
         <p:blipFill>
           <a:blip r:embed="rId2"/>
-          <a:srcRect l="43917" t="0" r="15745" b="0"/>
+          <a:srcRect l="43903" t="0" r="15745" b="0"/>
           <a:stretch/>
         </p:blipFill>
         <p:spPr>
           <a:xfrm>
             <a:off x="8646120" y="1110600"/>
-            <a:ext cx="3237480" cy="3207240"/>
+            <a:ext cx="3236400" cy="3206160"/>
           </a:xfrm>
           <a:prstGeom prst="rect">
             <a:avLst/>
@@ -5442,13 +6043,13 @@
         </p:nvPicPr>
         <p:blipFill>
           <a:blip r:embed="rId3"/>
-          <a:srcRect l="0" t="32041" r="75400" b="55818"/>
+          <a:srcRect l="0" t="32017" r="75372" b="55794"/>
           <a:stretch/>
         </p:blipFill>
         <p:spPr>
           <a:xfrm>
             <a:off x="10301400" y="4500000"/>
-            <a:ext cx="1582200" cy="537480"/>
+            <a:ext cx="1581120" cy="536400"/>
           </a:xfrm>
           <a:prstGeom prst="rect">
             <a:avLst/>
@@ -5466,13 +6067,13 @@
         </p:nvPicPr>
         <p:blipFill>
           <a:blip r:embed="rId4"/>
-          <a:srcRect l="0" t="80675" r="0" b="7721"/>
+          <a:srcRect l="0" t="80641" r="0" b="7721"/>
           <a:stretch/>
         </p:blipFill>
         <p:spPr>
           <a:xfrm>
             <a:off x="8100000" y="5220000"/>
-            <a:ext cx="2388240" cy="357480"/>
+            <a:ext cx="2387160" cy="356400"/>
           </a:xfrm>
           <a:prstGeom prst="rect">
             <a:avLst/>
@@ -5490,13 +6091,13 @@
         </p:nvPicPr>
         <p:blipFill>
           <a:blip r:embed="rId5"/>
-          <a:srcRect l="0" t="0" r="59730" b="31203"/>
+          <a:srcRect l="0" t="0" r="59694" b="31203"/>
           <a:stretch/>
         </p:blipFill>
         <p:spPr>
           <a:xfrm>
             <a:off x="10676520" y="5220000"/>
-            <a:ext cx="1207080" cy="357480"/>
+            <a:ext cx="1206000" cy="356400"/>
           </a:xfrm>
           <a:prstGeom prst="rect">
             <a:avLst/>
@@ -5514,13 +6115,13 @@
         </p:nvPicPr>
         <p:blipFill>
           <a:blip r:embed="rId6"/>
-          <a:srcRect l="46160" t="67216" r="31391" b="15882"/>
+          <a:srcRect l="46147" t="67183" r="31378" b="15882"/>
           <a:stretch/>
         </p:blipFill>
         <p:spPr>
           <a:xfrm>
             <a:off x="8460000" y="4500000"/>
-            <a:ext cx="1797480" cy="537480"/>
+            <a:ext cx="1796400" cy="536400"/>
           </a:xfrm>
           <a:prstGeom prst="rect">
             <a:avLst/>
@@ -5538,13 +6139,13 @@
         </p:nvPicPr>
         <p:blipFill>
           <a:blip r:embed="rId7"/>
-          <a:srcRect l="8122" t="41206" r="51229" b="29397"/>
+          <a:srcRect l="8122" t="41206" r="51213" b="29397"/>
           <a:stretch/>
         </p:blipFill>
         <p:spPr>
           <a:xfrm>
             <a:off x="6840360" y="5940000"/>
-            <a:ext cx="2697480" cy="537480"/>
+            <a:ext cx="2696400" cy="536400"/>
           </a:xfrm>
           <a:prstGeom prst="rect">
             <a:avLst/>
@@ -5562,13 +6163,13 @@
         </p:nvPicPr>
         <p:blipFill>
           <a:blip r:embed="rId8"/>
-          <a:srcRect l="9042" t="33134" r="53057" b="38325"/>
+          <a:srcRect l="9042" t="33134" r="53038" b="38325"/>
           <a:stretch/>
         </p:blipFill>
         <p:spPr>
           <a:xfrm>
             <a:off x="9726120" y="5849640"/>
-            <a:ext cx="2157480" cy="717480"/>
+            <a:ext cx="2156400" cy="716400"/>
           </a:xfrm>
           <a:prstGeom prst="rect">
             <a:avLst/>
@@ -5617,7 +6218,7 @@
         <p:spPr>
           <a:xfrm>
             <a:off x="395280" y="374400"/>
-            <a:ext cx="8292600" cy="884880"/>
+            <a:ext cx="8291520" cy="883800"/>
           </a:xfrm>
           <a:prstGeom prst="rect">
             <a:avLst/>
@@ -5668,7 +6269,7 @@
         <p:spPr>
           <a:xfrm>
             <a:off x="395280" y="1479960"/>
-            <a:ext cx="11488320" cy="5087160"/>
+            <a:ext cx="11487240" cy="5086080"/>
           </a:xfrm>
           <a:prstGeom prst="rect">
             <a:avLst/>
@@ -5689,7 +6290,7 @@
             <a:normAutofit/>
           </a:bodyPr>
           <a:p>
-            <a:pPr marL="228600" indent="-225000">
+            <a:pPr marL="228600" indent="-223920">
               <a:lnSpc>
                 <a:spcPct val="90000"/>
               </a:lnSpc>
@@ -5717,7 +6318,7 @@
             </a:endParaRPr>
           </a:p>
           <a:p>
-            <a:pPr marL="228600" indent="-225000">
+            <a:pPr marL="228600" indent="-223920">
               <a:lnSpc>
                 <a:spcPct val="90000"/>
               </a:lnSpc>
@@ -5745,7 +6346,7 @@
             </a:endParaRPr>
           </a:p>
           <a:p>
-            <a:pPr marL="228600" indent="-225000">
+            <a:pPr marL="228600" indent="-223920">
               <a:lnSpc>
                 <a:spcPct val="90000"/>
               </a:lnSpc>
@@ -5773,7 +6374,7 @@
             </a:endParaRPr>
           </a:p>
           <a:p>
-            <a:pPr marL="228600" indent="-225000">
+            <a:pPr marL="228600" indent="-223920">
               <a:lnSpc>
                 <a:spcPct val="90000"/>
               </a:lnSpc>
@@ -5801,7 +6402,7 @@
             </a:endParaRPr>
           </a:p>
           <a:p>
-            <a:pPr marL="228600" indent="-225000">
+            <a:pPr marL="228600" indent="-223920">
               <a:lnSpc>
                 <a:spcPct val="90000"/>
               </a:lnSpc>
@@ -5829,7 +6430,7 @@
             </a:endParaRPr>
           </a:p>
           <a:p>
-            <a:pPr marL="228600" indent="-225000">
+            <a:pPr marL="228600" indent="-223920">
               <a:lnSpc>
                 <a:spcPct val="90000"/>
               </a:lnSpc>
@@ -5857,7 +6458,7 @@
             </a:endParaRPr>
           </a:p>
           <a:p>
-            <a:pPr marL="228600" indent="-225000">
+            <a:pPr marL="228600" indent="-223920">
               <a:lnSpc>
                 <a:spcPct val="90000"/>
               </a:lnSpc>
@@ -5885,7 +6486,7 @@
             </a:endParaRPr>
           </a:p>
           <a:p>
-            <a:pPr marL="228600" indent="-225000">
+            <a:pPr marL="228600" indent="-223920">
               <a:lnSpc>
                 <a:spcPct val="90000"/>
               </a:lnSpc>
@@ -5935,13 +6536,13 @@
         </p:nvPicPr>
         <p:blipFill>
           <a:blip r:embed="rId1"/>
-          <a:srcRect l="0" t="0" r="52752" b="55410"/>
+          <a:srcRect l="0" t="0" r="52727" b="55385"/>
           <a:stretch/>
         </p:blipFill>
         <p:spPr>
           <a:xfrm>
             <a:off x="6120000" y="389880"/>
-            <a:ext cx="5580000" cy="1770120"/>
+            <a:ext cx="5578920" cy="1769040"/>
           </a:xfrm>
           <a:prstGeom prst="rect">
             <a:avLst/>
@@ -5964,7 +6565,7 @@
         <p:spPr>
           <a:xfrm>
             <a:off x="6589800" y="2221200"/>
-            <a:ext cx="5110200" cy="1198800"/>
+            <a:ext cx="5109120" cy="1197720"/>
           </a:xfrm>
           <a:prstGeom prst="rect">
             <a:avLst/>
@@ -5987,7 +6588,7 @@
         <p:spPr>
           <a:xfrm>
             <a:off x="4613760" y="3556080"/>
-            <a:ext cx="7086240" cy="2923920"/>
+            <a:ext cx="7085160" cy="2922840"/>
           </a:xfrm>
           <a:prstGeom prst="rect">
             <a:avLst/>
@@ -6036,7 +6637,7 @@
         <p:spPr>
           <a:xfrm>
             <a:off x="395280" y="374400"/>
-            <a:ext cx="8292600" cy="884880"/>
+            <a:ext cx="8291520" cy="883800"/>
           </a:xfrm>
           <a:prstGeom prst="rect">
             <a:avLst/>
@@ -6087,7 +6688,7 @@
         <p:spPr>
           <a:xfrm>
             <a:off x="395280" y="1479960"/>
-            <a:ext cx="7884720" cy="5087160"/>
+            <a:ext cx="7883640" cy="5086080"/>
           </a:xfrm>
           <a:prstGeom prst="rect">
             <a:avLst/>
@@ -6108,7 +6709,7 @@
             <a:normAutofit/>
           </a:bodyPr>
           <a:p>
-            <a:pPr marL="228600" indent="-225000">
+            <a:pPr marL="228600" indent="-223920">
               <a:lnSpc>
                 <a:spcPct val="90000"/>
               </a:lnSpc>
@@ -6136,7 +6737,7 @@
             </a:endParaRPr>
           </a:p>
           <a:p>
-            <a:pPr marL="228600" indent="-225000">
+            <a:pPr marL="228600" indent="-223920">
               <a:lnSpc>
                 <a:spcPct val="90000"/>
               </a:lnSpc>
@@ -6164,7 +6765,7 @@
             </a:endParaRPr>
           </a:p>
           <a:p>
-            <a:pPr marL="228600" indent="-225000">
+            <a:pPr marL="228600" indent="-223920">
               <a:lnSpc>
                 <a:spcPct val="90000"/>
               </a:lnSpc>
@@ -6192,7 +6793,7 @@
             </a:endParaRPr>
           </a:p>
           <a:p>
-            <a:pPr marL="228600" indent="-225000">
+            <a:pPr marL="228600" indent="-223920">
               <a:lnSpc>
                 <a:spcPct val="90000"/>
               </a:lnSpc>
@@ -6220,7 +6821,7 @@
             </a:endParaRPr>
           </a:p>
           <a:p>
-            <a:pPr marL="228600" indent="-225000">
+            <a:pPr marL="228600" indent="-223920">
               <a:lnSpc>
                 <a:spcPct val="90000"/>
               </a:lnSpc>
@@ -6248,7 +6849,7 @@
             </a:endParaRPr>
           </a:p>
           <a:p>
-            <a:pPr marL="228600" indent="-225000">
+            <a:pPr marL="228600" indent="-223920">
               <a:lnSpc>
                 <a:spcPct val="90000"/>
               </a:lnSpc>
@@ -6276,7 +6877,7 @@
             </a:endParaRPr>
           </a:p>
           <a:p>
-            <a:pPr marL="228600" indent="-225000">
+            <a:pPr marL="228600" indent="-223920">
               <a:lnSpc>
                 <a:spcPct val="90000"/>
               </a:lnSpc>
@@ -6304,7 +6905,7 @@
             </a:endParaRPr>
           </a:p>
           <a:p>
-            <a:pPr marL="228600" indent="-225000">
+            <a:pPr marL="228600" indent="-223920">
               <a:lnSpc>
                 <a:spcPct val="90000"/>
               </a:lnSpc>
@@ -6359,7 +6960,7 @@
         <p:spPr>
           <a:xfrm>
             <a:off x="4494600" y="360000"/>
-            <a:ext cx="7344000" cy="2520000"/>
+            <a:ext cx="7342920" cy="2518920"/>
           </a:xfrm>
           <a:prstGeom prst="rect">
             <a:avLst/>
@@ -6382,7 +6983,7 @@
         <p:spPr>
           <a:xfrm>
             <a:off x="8460000" y="4320000"/>
-            <a:ext cx="3423600" cy="966240"/>
+            <a:ext cx="3422520" cy="965160"/>
           </a:xfrm>
           <a:prstGeom prst="rect">
             <a:avLst/>
@@ -6405,7 +7006,7 @@
         <p:spPr>
           <a:xfrm>
             <a:off x="7380000" y="3006720"/>
-            <a:ext cx="4503600" cy="975600"/>
+            <a:ext cx="4502520" cy="974520"/>
           </a:xfrm>
           <a:prstGeom prst="rect">
             <a:avLst/>
@@ -6428,7 +7029,7 @@
         <p:spPr>
           <a:xfrm>
             <a:off x="7425360" y="5400000"/>
-            <a:ext cx="4454640" cy="1167120"/>
+            <a:ext cx="4453560" cy="1166040"/>
           </a:xfrm>
           <a:prstGeom prst="rect">
             <a:avLst/>
@@ -6476,8 +7077,8 @@
         </p:nvSpPr>
         <p:spPr>
           <a:xfrm>
-            <a:off x="395280" y="374400"/>
-            <a:ext cx="8292600" cy="884880"/>
+            <a:off x="540000" y="360000"/>
+            <a:ext cx="2206800" cy="883800"/>
           </a:xfrm>
           <a:prstGeom prst="rect">
             <a:avLst/>
@@ -6511,7 +7112,7 @@
                 <a:latin typeface="Calibri Light"/>
                 <a:ea typeface="DejaVu Sans"/>
               </a:rPr>
-              <a:t>Teste:</a:t>
+              <a:t>Testes:</a:t>
             </a:r>
             <a:endParaRPr b="0" lang="pt-BR" sz="4400" spc="-1" strike="noStrike">
               <a:latin typeface="Arial"/>
@@ -6527,8 +7128,8 @@
         </p:nvSpPr>
         <p:spPr>
           <a:xfrm>
-            <a:off x="395280" y="1479960"/>
-            <a:ext cx="11488320" cy="5087160"/>
+            <a:off x="540000" y="1440000"/>
+            <a:ext cx="8064000" cy="5086080"/>
           </a:xfrm>
           <a:prstGeom prst="rect">
             <a:avLst/>
@@ -6549,42 +7150,263 @@
             <a:normAutofit/>
           </a:bodyPr>
           <a:p>
-            <a:pPr marL="228600" indent="-225000">
-              <a:lnSpc>
-                <a:spcPct val="90000"/>
-              </a:lnSpc>
-              <a:spcBef>
-                <a:spcPts val="1001"/>
-              </a:spcBef>
-              <a:buClr>
-                <a:srgbClr val="000000"/>
-              </a:buClr>
-              <a:buFont typeface="Arial"/>
-              <a:buChar char="•"/>
-            </a:pPr>
-            <a:r>
-              <a:rPr b="0" lang="pt-BR" sz="3200" spc="-1" strike="noStrike">
-                <a:solidFill>
-                  <a:srgbClr val="000000"/>
-                </a:solidFill>
-                <a:latin typeface="Calibri"/>
-                <a:ea typeface="DejaVu Sans"/>
-              </a:rPr>
-              <a:t>Texto</a:t>
-            </a:r>
-            <a:endParaRPr b="0" lang="pt-BR" sz="3200" spc="-1" strike="noStrike">
-              <a:latin typeface="Arial"/>
-            </a:endParaRPr>
-          </a:p>
-          <a:p>
-            <a:pPr>
-              <a:lnSpc>
-                <a:spcPct val="90000"/>
-              </a:lnSpc>
-              <a:spcBef>
-                <a:spcPts val="1001"/>
-              </a:spcBef>
-            </a:pPr>
+            <a:pPr marL="228600" indent="-223920">
+              <a:lnSpc>
+                <a:spcPct val="90000"/>
+              </a:lnSpc>
+              <a:spcBef>
+                <a:spcPts val="1001"/>
+              </a:spcBef>
+              <a:buClr>
+                <a:srgbClr val="000000"/>
+              </a:buClr>
+              <a:buFont typeface="Arial"/>
+              <a:buChar char="•"/>
+            </a:pPr>
+            <a:r>
+              <a:rPr b="0" lang="pt-BR" sz="3200" spc="-1" strike="noStrike">
+                <a:solidFill>
+                  <a:srgbClr val="000000"/>
+                </a:solidFill>
+                <a:latin typeface="Calibri"/>
+                <a:ea typeface="DejaVu Sans"/>
+              </a:rPr>
+              <a:t>Pra ficar mais fácil de fazer os </a:t>
+            </a:r>
+            <a:endParaRPr b="0" lang="pt-BR" sz="3200" spc="-1" strike="noStrike">
+              <a:latin typeface="Arial"/>
+            </a:endParaRPr>
+          </a:p>
+          <a:p>
+            <a:pPr marL="228600" indent="-223920">
+              <a:lnSpc>
+                <a:spcPct val="90000"/>
+              </a:lnSpc>
+              <a:spcBef>
+                <a:spcPts val="1001"/>
+              </a:spcBef>
+              <a:buClr>
+                <a:srgbClr val="000000"/>
+              </a:buClr>
+              <a:buFont typeface="Arial"/>
+              <a:buChar char="•"/>
+            </a:pPr>
+            <a:r>
+              <a:rPr b="0" lang="pt-BR" sz="3200" spc="-1" strike="noStrike">
+                <a:solidFill>
+                  <a:srgbClr val="000000"/>
+                </a:solidFill>
+                <a:latin typeface="Calibri"/>
+                <a:ea typeface="DejaVu Sans"/>
+              </a:rPr>
+              <a:t>testes, adicionem um plug-in.</a:t>
+            </a:r>
+            <a:endParaRPr b="0" lang="pt-BR" sz="3200" spc="-1" strike="noStrike">
+              <a:latin typeface="Arial"/>
+            </a:endParaRPr>
+          </a:p>
+          <a:p>
+            <a:pPr marL="228600" indent="-223920">
+              <a:lnSpc>
+                <a:spcPct val="90000"/>
+              </a:lnSpc>
+              <a:spcBef>
+                <a:spcPts val="1001"/>
+              </a:spcBef>
+              <a:buClr>
+                <a:srgbClr val="000000"/>
+              </a:buClr>
+              <a:buFont typeface="Arial"/>
+              <a:buChar char="•"/>
+            </a:pPr>
+            <a:r>
+              <a:rPr b="0" lang="pt-BR" sz="3200" spc="-1" strike="noStrike">
+                <a:solidFill>
+                  <a:srgbClr val="000000"/>
+                </a:solidFill>
+                <a:latin typeface="Calibri"/>
+                <a:ea typeface="DejaVu Sans"/>
+              </a:rPr>
+              <a:t>Vai ser o Live Server.</a:t>
+            </a:r>
+            <a:endParaRPr b="0" lang="pt-BR" sz="3200" spc="-1" strike="noStrike">
+              <a:latin typeface="Arial"/>
+            </a:endParaRPr>
+          </a:p>
+          <a:p>
+            <a:pPr marL="228600" indent="-223920">
+              <a:lnSpc>
+                <a:spcPct val="90000"/>
+              </a:lnSpc>
+              <a:spcBef>
+                <a:spcPts val="1001"/>
+              </a:spcBef>
+              <a:buClr>
+                <a:srgbClr val="000000"/>
+              </a:buClr>
+              <a:buFont typeface="Arial"/>
+              <a:buChar char="•"/>
+            </a:pPr>
+            <a:r>
+              <a:rPr b="0" lang="pt-BR" sz="3200" spc="-1" strike="noStrike">
+                <a:solidFill>
+                  <a:srgbClr val="000000"/>
+                </a:solidFill>
+                <a:latin typeface="Calibri"/>
+                <a:ea typeface="DejaVu Sans"/>
+              </a:rPr>
+              <a:t>Daí quando a gente precisar </a:t>
+            </a:r>
+            <a:endParaRPr b="0" lang="pt-BR" sz="3200" spc="-1" strike="noStrike">
+              <a:latin typeface="Arial"/>
+            </a:endParaRPr>
+          </a:p>
+          <a:p>
+            <a:pPr marL="228600" indent="-223920">
+              <a:lnSpc>
+                <a:spcPct val="90000"/>
+              </a:lnSpc>
+              <a:spcBef>
+                <a:spcPts val="1001"/>
+              </a:spcBef>
+              <a:buClr>
+                <a:srgbClr val="000000"/>
+              </a:buClr>
+              <a:buFont typeface="Arial"/>
+              <a:buChar char="•"/>
+            </a:pPr>
+            <a:r>
+              <a:rPr b="0" lang="pt-BR" sz="3200" spc="-1" strike="noStrike">
+                <a:solidFill>
+                  <a:srgbClr val="000000"/>
+                </a:solidFill>
+                <a:latin typeface="Calibri"/>
+                <a:ea typeface="DejaVu Sans"/>
+              </a:rPr>
+              <a:t>ele vai estar lá em baixo como </a:t>
+            </a:r>
+            <a:endParaRPr b="0" lang="pt-BR" sz="3200" spc="-1" strike="noStrike">
+              <a:latin typeface="Arial"/>
+            </a:endParaRPr>
+          </a:p>
+          <a:p>
+            <a:pPr marL="228600" indent="-223920">
+              <a:lnSpc>
+                <a:spcPct val="90000"/>
+              </a:lnSpc>
+              <a:spcBef>
+                <a:spcPts val="1001"/>
+              </a:spcBef>
+              <a:buClr>
+                <a:srgbClr val="000000"/>
+              </a:buClr>
+              <a:buFont typeface="Arial"/>
+              <a:buChar char="•"/>
+            </a:pPr>
+            <a:r>
+              <a:rPr b="0" lang="pt-BR" sz="3200" spc="-1" strike="noStrike">
+                <a:solidFill>
+                  <a:srgbClr val="000000"/>
+                </a:solidFill>
+                <a:latin typeface="Calibri"/>
+                <a:ea typeface="DejaVu Sans"/>
+              </a:rPr>
+              <a:t>“</a:t>
+            </a:r>
+            <a:r>
+              <a:rPr b="0" lang="pt-BR" sz="3200" spc="-1" strike="noStrike">
+                <a:solidFill>
+                  <a:srgbClr val="000000"/>
+                </a:solidFill>
+                <a:latin typeface="Calibri"/>
+                <a:ea typeface="DejaVu Sans"/>
+              </a:rPr>
+              <a:t>Go Live”.</a:t>
+            </a:r>
+            <a:endParaRPr b="0" lang="pt-BR" sz="3200" spc="-1" strike="noStrike">
+              <a:latin typeface="Arial"/>
+            </a:endParaRPr>
+          </a:p>
+          <a:p>
+            <a:pPr marL="228600" indent="-223920">
+              <a:lnSpc>
+                <a:spcPct val="90000"/>
+              </a:lnSpc>
+              <a:spcBef>
+                <a:spcPts val="1001"/>
+              </a:spcBef>
+              <a:buClr>
+                <a:srgbClr val="000000"/>
+              </a:buClr>
+              <a:buFont typeface="Arial"/>
+              <a:buChar char="•"/>
+            </a:pPr>
+            <a:r>
+              <a:rPr b="0" lang="pt-BR" sz="3200" spc="-1" strike="noStrike">
+                <a:solidFill>
+                  <a:srgbClr val="000000"/>
+                </a:solidFill>
+                <a:latin typeface="Calibri"/>
+                <a:ea typeface="DejaVu Sans"/>
+              </a:rPr>
+              <a:t> </a:t>
+            </a:r>
+            <a:endParaRPr b="0" lang="pt-BR" sz="3200" spc="-1" strike="noStrike">
+              <a:latin typeface="Arial"/>
+            </a:endParaRPr>
+          </a:p>
+          <a:p>
+            <a:pPr marL="228600" indent="-223920">
+              <a:lnSpc>
+                <a:spcPct val="90000"/>
+              </a:lnSpc>
+              <a:spcBef>
+                <a:spcPts val="1001"/>
+              </a:spcBef>
+              <a:buClr>
+                <a:srgbClr val="000000"/>
+              </a:buClr>
+              <a:buFont typeface="Arial"/>
+              <a:buChar char="•"/>
+            </a:pPr>
+            <a:r>
+              <a:rPr b="0" lang="pt-BR" sz="3200" spc="-1" strike="noStrike">
+                <a:solidFill>
+                  <a:srgbClr val="000000"/>
+                </a:solidFill>
+                <a:latin typeface="Calibri"/>
+                <a:ea typeface="DejaVu Sans"/>
+              </a:rPr>
+              <a:t>Vamos também tirar as </a:t>
+            </a:r>
+            <a:endParaRPr b="0" lang="pt-BR" sz="3200" spc="-1" strike="noStrike">
+              <a:latin typeface="Arial"/>
+            </a:endParaRPr>
+          </a:p>
+          <a:p>
+            <a:pPr marL="228600" indent="-223920">
+              <a:lnSpc>
+                <a:spcPct val="90000"/>
+              </a:lnSpc>
+              <a:spcBef>
+                <a:spcPts val="1001"/>
+              </a:spcBef>
+              <a:buClr>
+                <a:srgbClr val="000000"/>
+              </a:buClr>
+              <a:buFont typeface="Arial"/>
+              <a:buChar char="•"/>
+            </a:pPr>
+            <a:r>
+              <a:rPr b="0" lang="pt-BR" sz="3200" spc="-1" strike="noStrike">
+                <a:solidFill>
+                  <a:srgbClr val="000000"/>
+                </a:solidFill>
+                <a:latin typeface="Calibri"/>
+                <a:ea typeface="DejaVu Sans"/>
+              </a:rPr>
+              <a:t>configs de base do site.</a:t>
+            </a:r>
             <a:endParaRPr b="0" lang="pt-BR" sz="3200" spc="-1" strike="noStrike">
               <a:latin typeface="Arial"/>
             </a:endParaRPr>
@@ -6599,13 +7421,13 @@
         </p:nvPicPr>
         <p:blipFill>
           <a:blip r:embed="rId1"/>
-          <a:srcRect l="0" t="58899" r="70108" b="0"/>
+          <a:srcRect l="0" t="58868" r="70063" b="0"/>
           <a:stretch/>
         </p:blipFill>
         <p:spPr>
           <a:xfrm>
             <a:off x="9000360" y="360000"/>
-            <a:ext cx="719640" cy="1440000"/>
+            <a:ext cx="718560" cy="1438920"/>
           </a:xfrm>
           <a:prstGeom prst="rect">
             <a:avLst/>
@@ -6629,7 +7451,7 @@
         <p:spPr>
           <a:xfrm>
             <a:off x="9900000" y="360000"/>
-            <a:ext cx="1907640" cy="1620360"/>
+            <a:ext cx="1906560" cy="1619280"/>
           </a:xfrm>
           <a:prstGeom prst="rect">
             <a:avLst/>
@@ -6651,8 +7473,8 @@
         </p:blipFill>
         <p:spPr>
           <a:xfrm>
-            <a:off x="5580000" y="2160000"/>
-            <a:ext cx="6248160" cy="1552320"/>
+            <a:off x="5760000" y="2092680"/>
+            <a:ext cx="6067080" cy="1506600"/>
           </a:xfrm>
           <a:prstGeom prst="rect">
             <a:avLst/>
@@ -6670,13 +7492,36 @@
         </p:nvPicPr>
         <p:blipFill>
           <a:blip r:embed="rId4"/>
-          <a:srcRect l="12476" t="79201" r="0" b="0"/>
+          <a:srcRect l="12476" t="79167" r="0" b="0"/>
           <a:stretch/>
         </p:blipFill>
         <p:spPr>
           <a:xfrm>
-            <a:off x="6120000" y="3839040"/>
-            <a:ext cx="5760000" cy="660960"/>
+            <a:off x="6120000" y="3659400"/>
+            <a:ext cx="5758920" cy="659880"/>
+          </a:xfrm>
+          <a:prstGeom prst="rect">
+            <a:avLst/>
+          </a:prstGeom>
+          <a:ln w="0">
+            <a:noFill/>
+          </a:ln>
+        </p:spPr>
+      </p:pic>
+      <p:pic>
+        <p:nvPicPr>
+          <p:cNvPr id="81" name="" descr=""/>
+          <p:cNvPicPr/>
+          <p:nvPr/>
+        </p:nvPicPr>
+        <p:blipFill>
+          <a:blip r:embed="rId5"/>
+          <a:stretch/>
+        </p:blipFill>
+        <p:spPr>
+          <a:xfrm>
+            <a:off x="4942080" y="4860000"/>
+            <a:ext cx="6915600" cy="1619280"/>
           </a:xfrm>
           <a:prstGeom prst="rect">
             <a:avLst/>
@@ -6718,14 +7563,14 @@
       </p:grpSpPr>
       <p:sp>
         <p:nvSpPr>
-          <p:cNvPr id="81" name="CustomShape 1"/>
+          <p:cNvPr id="82" name="CustomShape 1"/>
           <p:cNvSpPr/>
           <p:nvPr/>
         </p:nvSpPr>
         <p:spPr>
           <a:xfrm>
             <a:off x="395280" y="374400"/>
-            <a:ext cx="8292600" cy="884880"/>
+            <a:ext cx="8291520" cy="883800"/>
           </a:xfrm>
           <a:prstGeom prst="rect">
             <a:avLst/>
@@ -6759,7 +7604,7 @@
                 <a:latin typeface="Calibri Light"/>
                 <a:ea typeface="DejaVu Sans"/>
               </a:rPr>
-              <a:t>Teste:</a:t>
+              <a:t>Salvando imagens:</a:t>
             </a:r>
             <a:endParaRPr b="0" lang="pt-BR" sz="4400" spc="-1" strike="noStrike">
               <a:latin typeface="Arial"/>
@@ -6769,14 +7614,14 @@
       </p:sp>
       <p:sp>
         <p:nvSpPr>
-          <p:cNvPr id="82" name="CustomShape 2"/>
+          <p:cNvPr id="83" name="CustomShape 2"/>
           <p:cNvSpPr/>
           <p:nvPr/>
         </p:nvSpPr>
         <p:spPr>
           <a:xfrm>
             <a:off x="395280" y="1479960"/>
-            <a:ext cx="11488320" cy="5087160"/>
+            <a:ext cx="7344000" cy="5086080"/>
           </a:xfrm>
           <a:prstGeom prst="rect">
             <a:avLst/>
@@ -6797,28 +7642,234 @@
             <a:normAutofit/>
           </a:bodyPr>
           <a:p>
-            <a:pPr marL="228600" indent="-225000">
-              <a:lnSpc>
-                <a:spcPct val="90000"/>
-              </a:lnSpc>
-              <a:spcBef>
-                <a:spcPts val="1001"/>
-              </a:spcBef>
-              <a:buClr>
-                <a:srgbClr val="000000"/>
-              </a:buClr>
-              <a:buFont typeface="Arial"/>
-              <a:buChar char="•"/>
-            </a:pPr>
-            <a:r>
-              <a:rPr b="0" lang="pt-BR" sz="3200" spc="-1" strike="noStrike">
-                <a:solidFill>
-                  <a:srgbClr val="000000"/>
-                </a:solidFill>
-                <a:latin typeface="Calibri"/>
-                <a:ea typeface="DejaVu Sans"/>
-              </a:rPr>
-              <a:t>Texto</a:t>
+            <a:pPr marL="228600" indent="-223920">
+              <a:lnSpc>
+                <a:spcPct val="90000"/>
+              </a:lnSpc>
+              <a:spcBef>
+                <a:spcPts val="1001"/>
+              </a:spcBef>
+              <a:buClr>
+                <a:srgbClr val="000000"/>
+              </a:buClr>
+              <a:buFont typeface="Arial"/>
+              <a:buChar char="•"/>
+            </a:pPr>
+            <a:r>
+              <a:rPr b="0" lang="pt-BR" sz="3200" spc="-1" strike="noStrike">
+                <a:solidFill>
+                  <a:srgbClr val="000000"/>
+                </a:solidFill>
+                <a:latin typeface="Calibri"/>
+                <a:ea typeface="DejaVu Sans"/>
+              </a:rPr>
+              <a:t>Vamos salvar as imagens do FIGMA.</a:t>
+            </a:r>
+            <a:endParaRPr b="0" lang="pt-BR" sz="3200" spc="-1" strike="noStrike">
+              <a:latin typeface="Arial"/>
+            </a:endParaRPr>
+          </a:p>
+          <a:p>
+            <a:pPr marL="228600" indent="-223920">
+              <a:lnSpc>
+                <a:spcPct val="90000"/>
+              </a:lnSpc>
+              <a:spcBef>
+                <a:spcPts val="1001"/>
+              </a:spcBef>
+              <a:buClr>
+                <a:srgbClr val="000000"/>
+              </a:buClr>
+              <a:buFont typeface="Arial"/>
+              <a:buChar char="•"/>
+            </a:pPr>
+            <a:r>
+              <a:rPr b="0" lang="pt-BR" sz="3200" spc="-1" strike="noStrike">
+                <a:solidFill>
+                  <a:srgbClr val="000000"/>
+                </a:solidFill>
+                <a:latin typeface="Calibri"/>
+                <a:ea typeface="DejaVu Sans"/>
+              </a:rPr>
+              <a:t>Selecionamos essa imagem.</a:t>
+            </a:r>
+            <a:endParaRPr b="0" lang="pt-BR" sz="3200" spc="-1" strike="noStrike">
+              <a:latin typeface="Arial"/>
+            </a:endParaRPr>
+          </a:p>
+          <a:p>
+            <a:pPr marL="228600" indent="-223920">
+              <a:lnSpc>
+                <a:spcPct val="90000"/>
+              </a:lnSpc>
+              <a:spcBef>
+                <a:spcPts val="1001"/>
+              </a:spcBef>
+              <a:buClr>
+                <a:srgbClr val="000000"/>
+              </a:buClr>
+              <a:buFont typeface="Arial"/>
+              <a:buChar char="•"/>
+            </a:pPr>
+            <a:r>
+              <a:rPr b="0" lang="pt-BR" sz="3200" spc="-1" strike="noStrike">
+                <a:solidFill>
+                  <a:srgbClr val="000000"/>
+                </a:solidFill>
+                <a:latin typeface="Calibri"/>
+                <a:ea typeface="DejaVu Sans"/>
+              </a:rPr>
+              <a:t>Vamos na esquerda procurar por </a:t>
+            </a:r>
+            <a:endParaRPr b="0" lang="pt-BR" sz="3200" spc="-1" strike="noStrike">
+              <a:latin typeface="Arial"/>
+            </a:endParaRPr>
+          </a:p>
+          <a:p>
+            <a:pPr marL="228600" indent="-223920">
+              <a:lnSpc>
+                <a:spcPct val="90000"/>
+              </a:lnSpc>
+              <a:spcBef>
+                <a:spcPts val="1001"/>
+              </a:spcBef>
+              <a:buClr>
+                <a:srgbClr val="000000"/>
+              </a:buClr>
+              <a:buFont typeface="Arial"/>
+              <a:buChar char="•"/>
+            </a:pPr>
+            <a:r>
+              <a:rPr b="0" lang="pt-BR" sz="3200" spc="-1" strike="noStrike">
+                <a:solidFill>
+                  <a:srgbClr val="000000"/>
+                </a:solidFill>
+                <a:latin typeface="Calibri"/>
+                <a:ea typeface="DejaVu Sans"/>
+              </a:rPr>
+              <a:t>“</a:t>
+            </a:r>
+            <a:r>
+              <a:rPr b="0" lang="pt-BR" sz="3200" spc="-1" strike="noStrike">
+                <a:solidFill>
+                  <a:srgbClr val="000000"/>
+                </a:solidFill>
+                <a:latin typeface="Calibri"/>
+                <a:ea typeface="DejaVu Sans"/>
+              </a:rPr>
+              <a:t>Grupo 6”.</a:t>
+            </a:r>
+            <a:endParaRPr b="0" lang="pt-BR" sz="3200" spc="-1" strike="noStrike">
+              <a:latin typeface="Arial"/>
+            </a:endParaRPr>
+          </a:p>
+          <a:p>
+            <a:pPr marL="228600" indent="-223920">
+              <a:lnSpc>
+                <a:spcPct val="90000"/>
+              </a:lnSpc>
+              <a:spcBef>
+                <a:spcPts val="1001"/>
+              </a:spcBef>
+              <a:buClr>
+                <a:srgbClr val="000000"/>
+              </a:buClr>
+              <a:buFont typeface="Arial"/>
+              <a:buChar char="•"/>
+            </a:pPr>
+            <a:r>
+              <a:rPr b="0" lang="pt-BR" sz="3200" spc="-1" strike="noStrike">
+                <a:solidFill>
+                  <a:srgbClr val="000000"/>
+                </a:solidFill>
+                <a:latin typeface="Calibri"/>
+                <a:ea typeface="DejaVu Sans"/>
+              </a:rPr>
+              <a:t>Vamos salvar o “combo”.</a:t>
+            </a:r>
+            <a:endParaRPr b="0" lang="pt-BR" sz="3200" spc="-1" strike="noStrike">
+              <a:latin typeface="Arial"/>
+            </a:endParaRPr>
+          </a:p>
+          <a:p>
+            <a:pPr marL="228600" indent="-223920">
+              <a:lnSpc>
+                <a:spcPct val="90000"/>
+              </a:lnSpc>
+              <a:spcBef>
+                <a:spcPts val="1001"/>
+              </a:spcBef>
+              <a:buClr>
+                <a:srgbClr val="000000"/>
+              </a:buClr>
+              <a:buFont typeface="Arial"/>
+              <a:buChar char="•"/>
+            </a:pPr>
+            <a:r>
+              <a:rPr b="0" lang="pt-BR" sz="3200" spc="-1" strike="noStrike">
+                <a:solidFill>
+                  <a:srgbClr val="000000"/>
+                </a:solidFill>
+                <a:latin typeface="Calibri"/>
+                <a:ea typeface="DejaVu Sans"/>
+              </a:rPr>
+              <a:t> </a:t>
+            </a:r>
+            <a:endParaRPr b="0" lang="pt-BR" sz="3200" spc="-1" strike="noStrike">
+              <a:latin typeface="Arial"/>
+            </a:endParaRPr>
+          </a:p>
+          <a:p>
+            <a:pPr marL="228600" indent="-223920">
+              <a:lnSpc>
+                <a:spcPct val="90000"/>
+              </a:lnSpc>
+              <a:spcBef>
+                <a:spcPts val="1001"/>
+              </a:spcBef>
+              <a:buClr>
+                <a:srgbClr val="000000"/>
+              </a:buClr>
+              <a:buFont typeface="Arial"/>
+              <a:buChar char="•"/>
+            </a:pPr>
+            <a:r>
+              <a:rPr b="0" lang="pt-BR" sz="3200" spc="-1" strike="noStrike">
+                <a:solidFill>
+                  <a:srgbClr val="000000"/>
+                </a:solidFill>
+                <a:latin typeface="Calibri"/>
+                <a:ea typeface="DejaVu Sans"/>
+              </a:rPr>
+              <a:t>Vamos colocar em uma nova pasta.</a:t>
+            </a:r>
+            <a:endParaRPr b="0" lang="pt-BR" sz="3200" spc="-1" strike="noStrike">
+              <a:latin typeface="Arial"/>
+            </a:endParaRPr>
+          </a:p>
+          <a:p>
+            <a:pPr marL="228600" indent="-223920">
+              <a:lnSpc>
+                <a:spcPct val="90000"/>
+              </a:lnSpc>
+              <a:spcBef>
+                <a:spcPts val="1001"/>
+              </a:spcBef>
+              <a:buClr>
+                <a:srgbClr val="000000"/>
+              </a:buClr>
+              <a:buFont typeface="Arial"/>
+              <a:buChar char="•"/>
+            </a:pPr>
+            <a:r>
+              <a:rPr b="0" lang="pt-BR" sz="3200" spc="-1" strike="noStrike">
+                <a:solidFill>
+                  <a:srgbClr val="000000"/>
+                </a:solidFill>
+                <a:latin typeface="Calibri"/>
+                <a:ea typeface="DejaVu Sans"/>
+              </a:rPr>
+              <a:t>Com o nome “img”.</a:t>
             </a:r>
             <a:endParaRPr b="0" lang="pt-BR" sz="3200" spc="-1" strike="noStrike">
               <a:latin typeface="Arial"/>
@@ -6839,6 +7890,172 @@
           </a:p>
         </p:txBody>
       </p:sp>
+      <p:pic>
+        <p:nvPicPr>
+          <p:cNvPr id="84" name="" descr=""/>
+          <p:cNvPicPr/>
+          <p:nvPr/>
+        </p:nvPicPr>
+        <p:blipFill>
+          <a:blip r:embed="rId1"/>
+          <a:srcRect l="0" t="28852" r="0" b="3818"/>
+          <a:stretch/>
+        </p:blipFill>
+        <p:spPr>
+          <a:xfrm>
+            <a:off x="9360000" y="374400"/>
+            <a:ext cx="2522520" cy="1808280"/>
+          </a:xfrm>
+          <a:prstGeom prst="rect">
+            <a:avLst/>
+          </a:prstGeom>
+          <a:ln w="0">
+            <a:noFill/>
+          </a:ln>
+        </p:spPr>
+      </p:pic>
+      <p:pic>
+        <p:nvPicPr>
+          <p:cNvPr id="85" name="" descr=""/>
+          <p:cNvPicPr/>
+          <p:nvPr/>
+        </p:nvPicPr>
+        <p:blipFill>
+          <a:blip r:embed="rId2"/>
+          <a:srcRect l="0" t="61803" r="0" b="6960"/>
+          <a:stretch/>
+        </p:blipFill>
+        <p:spPr>
+          <a:xfrm>
+            <a:off x="7200000" y="2793600"/>
+            <a:ext cx="2313360" cy="1705680"/>
+          </a:xfrm>
+          <a:prstGeom prst="rect">
+            <a:avLst/>
+          </a:prstGeom>
+          <a:ln w="0">
+            <a:noFill/>
+          </a:ln>
+        </p:spPr>
+      </p:pic>
+      <p:pic>
+        <p:nvPicPr>
+          <p:cNvPr id="86" name="" descr=""/>
+          <p:cNvPicPr/>
+          <p:nvPr/>
+        </p:nvPicPr>
+        <p:blipFill>
+          <a:blip r:embed="rId3"/>
+          <a:srcRect l="0" t="55264" r="0" b="0"/>
+          <a:stretch/>
+        </p:blipFill>
+        <p:spPr>
+          <a:xfrm>
+            <a:off x="9635760" y="2255760"/>
+            <a:ext cx="2246760" cy="2243520"/>
+          </a:xfrm>
+          <a:prstGeom prst="rect">
+            <a:avLst/>
+          </a:prstGeom>
+          <a:ln w="0">
+            <a:noFill/>
+          </a:ln>
+        </p:spPr>
+      </p:pic>
+      <p:pic>
+        <p:nvPicPr>
+          <p:cNvPr id="87" name="" descr=""/>
+          <p:cNvPicPr/>
+          <p:nvPr/>
+        </p:nvPicPr>
+        <p:blipFill>
+          <a:blip r:embed="rId4"/>
+          <a:srcRect l="49176" t="80855" r="0" b="0"/>
+          <a:stretch/>
+        </p:blipFill>
+        <p:spPr>
+          <a:xfrm>
+            <a:off x="8100000" y="4680000"/>
+            <a:ext cx="2229840" cy="719280"/>
+          </a:xfrm>
+          <a:prstGeom prst="rect">
+            <a:avLst/>
+          </a:prstGeom>
+          <a:ln w="0">
+            <a:noFill/>
+          </a:ln>
+        </p:spPr>
+      </p:pic>
+      <p:pic>
+        <p:nvPicPr>
+          <p:cNvPr id="88" name="" descr=""/>
+          <p:cNvPicPr/>
+          <p:nvPr/>
+        </p:nvPicPr>
+        <p:blipFill>
+          <a:blip r:embed="rId5"/>
+          <a:srcRect l="0" t="0" r="51671" b="75096"/>
+          <a:stretch/>
+        </p:blipFill>
+        <p:spPr>
+          <a:xfrm>
+            <a:off x="10370160" y="4680000"/>
+            <a:ext cx="1512360" cy="718920"/>
+          </a:xfrm>
+          <a:prstGeom prst="rect">
+            <a:avLst/>
+          </a:prstGeom>
+          <a:ln w="0">
+            <a:noFill/>
+          </a:ln>
+        </p:spPr>
+      </p:pic>
+      <p:pic>
+        <p:nvPicPr>
+          <p:cNvPr id="89" name="" descr=""/>
+          <p:cNvPicPr/>
+          <p:nvPr/>
+        </p:nvPicPr>
+        <p:blipFill>
+          <a:blip r:embed="rId6"/>
+          <a:stretch/>
+        </p:blipFill>
+        <p:spPr>
+          <a:xfrm>
+            <a:off x="7920000" y="5580000"/>
+            <a:ext cx="1684800" cy="932400"/>
+          </a:xfrm>
+          <a:prstGeom prst="rect">
+            <a:avLst/>
+          </a:prstGeom>
+          <a:ln w="0">
+            <a:noFill/>
+          </a:ln>
+        </p:spPr>
+      </p:pic>
+      <p:pic>
+        <p:nvPicPr>
+          <p:cNvPr id="90" name="" descr=""/>
+          <p:cNvPicPr/>
+          <p:nvPr/>
+        </p:nvPicPr>
+        <p:blipFill>
+          <a:blip r:embed="rId7"/>
+          <a:stretch/>
+        </p:blipFill>
+        <p:spPr>
+          <a:xfrm>
+            <a:off x="9720000" y="5986080"/>
+            <a:ext cx="2170800" cy="579960"/>
+          </a:xfrm>
+          <a:prstGeom prst="rect">
+            <a:avLst/>
+          </a:prstGeom>
+          <a:ln w="0">
+            <a:noFill/>
+          </a:ln>
+        </p:spPr>
+      </p:pic>
     </p:spTree>
   </p:cSld>
   <mc:AlternateContent>
@@ -6871,14 +8088,14 @@
       </p:grpSpPr>
       <p:sp>
         <p:nvSpPr>
-          <p:cNvPr id="83" name="CustomShape 1"/>
+          <p:cNvPr id="91" name="CustomShape 1"/>
           <p:cNvSpPr/>
           <p:nvPr/>
         </p:nvSpPr>
         <p:spPr>
           <a:xfrm>
             <a:off x="395280" y="374400"/>
-            <a:ext cx="8292600" cy="884880"/>
+            <a:ext cx="8291520" cy="883800"/>
           </a:xfrm>
           <a:prstGeom prst="rect">
             <a:avLst/>
@@ -6912,7 +8129,7 @@
                 <a:latin typeface="Calibri Light"/>
                 <a:ea typeface="DejaVu Sans"/>
               </a:rPr>
-              <a:t>Teste:</a:t>
+              <a:t>Imagens do site:</a:t>
             </a:r>
             <a:endParaRPr b="0" lang="pt-BR" sz="4400" spc="-1" strike="noStrike">
               <a:latin typeface="Arial"/>
@@ -6922,14 +8139,14 @@
       </p:sp>
       <p:sp>
         <p:nvSpPr>
-          <p:cNvPr id="84" name="CustomShape 2"/>
+          <p:cNvPr id="92" name="CustomShape 2"/>
           <p:cNvSpPr/>
           <p:nvPr/>
         </p:nvSpPr>
         <p:spPr>
           <a:xfrm>
             <a:off x="395280" y="1479960"/>
-            <a:ext cx="11488320" cy="5087160"/>
+            <a:ext cx="11487240" cy="5086080"/>
           </a:xfrm>
           <a:prstGeom prst="rect">
             <a:avLst/>
@@ -6950,28 +8167,196 @@
             <a:normAutofit/>
           </a:bodyPr>
           <a:p>
-            <a:pPr marL="228600" indent="-225000">
-              <a:lnSpc>
-                <a:spcPct val="90000"/>
-              </a:lnSpc>
-              <a:spcBef>
-                <a:spcPts val="1001"/>
-              </a:spcBef>
-              <a:buClr>
-                <a:srgbClr val="000000"/>
-              </a:buClr>
-              <a:buFont typeface="Arial"/>
-              <a:buChar char="•"/>
-            </a:pPr>
-            <a:r>
-              <a:rPr b="0" lang="pt-BR" sz="3200" spc="-1" strike="noStrike">
-                <a:solidFill>
-                  <a:srgbClr val="000000"/>
-                </a:solidFill>
-                <a:latin typeface="Calibri"/>
-                <a:ea typeface="DejaVu Sans"/>
-              </a:rPr>
-              <a:t>Texto</a:t>
+            <a:pPr marL="228600" indent="-223920">
+              <a:lnSpc>
+                <a:spcPct val="90000"/>
+              </a:lnSpc>
+              <a:spcBef>
+                <a:spcPts val="1001"/>
+              </a:spcBef>
+              <a:buClr>
+                <a:srgbClr val="000000"/>
+              </a:buClr>
+              <a:buFont typeface="Arial"/>
+              <a:buChar char="•"/>
+            </a:pPr>
+            <a:r>
+              <a:rPr b="0" lang="pt-BR" sz="3200" spc="-1" strike="noStrike">
+                <a:solidFill>
+                  <a:srgbClr val="000000"/>
+                </a:solidFill>
+                <a:latin typeface="Calibri"/>
+                <a:ea typeface="DejaVu Sans"/>
+              </a:rPr>
+              <a:t>Façam o mesmo com a outra imagem.</a:t>
+            </a:r>
+            <a:endParaRPr b="0" lang="pt-BR" sz="3200" spc="-1" strike="noStrike">
+              <a:latin typeface="Arial"/>
+            </a:endParaRPr>
+          </a:p>
+          <a:p>
+            <a:pPr marL="228600" indent="-223920">
+              <a:lnSpc>
+                <a:spcPct val="90000"/>
+              </a:lnSpc>
+              <a:spcBef>
+                <a:spcPts val="1001"/>
+              </a:spcBef>
+              <a:buClr>
+                <a:srgbClr val="000000"/>
+              </a:buClr>
+              <a:buFont typeface="Arial"/>
+              <a:buChar char="•"/>
+            </a:pPr>
+            <a:r>
+              <a:rPr b="0" lang="pt-BR" sz="3200" spc="-1" strike="noStrike">
+                <a:solidFill>
+                  <a:srgbClr val="000000"/>
+                </a:solidFill>
+                <a:latin typeface="Calibri"/>
+                <a:ea typeface="DejaVu Sans"/>
+              </a:rPr>
+              <a:t> </a:t>
+            </a:r>
+            <a:endParaRPr b="0" lang="pt-BR" sz="3200" spc="-1" strike="noStrike">
+              <a:latin typeface="Arial"/>
+            </a:endParaRPr>
+          </a:p>
+          <a:p>
+            <a:pPr marL="228600" indent="-223920">
+              <a:lnSpc>
+                <a:spcPct val="90000"/>
+              </a:lnSpc>
+              <a:spcBef>
+                <a:spcPts val="1001"/>
+              </a:spcBef>
+              <a:buClr>
+                <a:srgbClr val="000000"/>
+              </a:buClr>
+              <a:buFont typeface="Arial"/>
+              <a:buChar char="•"/>
+            </a:pPr>
+            <a:r>
+              <a:rPr b="0" lang="pt-BR" sz="3200" spc="-1" strike="noStrike">
+                <a:solidFill>
+                  <a:srgbClr val="000000"/>
+                </a:solidFill>
+                <a:latin typeface="Calibri"/>
+                <a:ea typeface="DejaVu Sans"/>
+              </a:rPr>
+              <a:t>Agora vamos colocar a </a:t>
+            </a:r>
+            <a:endParaRPr b="0" lang="pt-BR" sz="3200" spc="-1" strike="noStrike">
+              <a:latin typeface="Arial"/>
+            </a:endParaRPr>
+          </a:p>
+          <a:p>
+            <a:pPr marL="228600" indent="-223920">
+              <a:lnSpc>
+                <a:spcPct val="90000"/>
+              </a:lnSpc>
+              <a:spcBef>
+                <a:spcPts val="1001"/>
+              </a:spcBef>
+              <a:buClr>
+                <a:srgbClr val="000000"/>
+              </a:buClr>
+              <a:buFont typeface="Arial"/>
+              <a:buChar char="•"/>
+            </a:pPr>
+            <a:r>
+              <a:rPr b="0" lang="pt-BR" sz="3200" spc="-1" strike="noStrike">
+                <a:solidFill>
+                  <a:srgbClr val="000000"/>
+                </a:solidFill>
+                <a:latin typeface="Calibri"/>
+                <a:ea typeface="DejaVu Sans"/>
+              </a:rPr>
+              <a:t>imagem em baixo do nosso</a:t>
+            </a:r>
+            <a:endParaRPr b="0" lang="pt-BR" sz="3200" spc="-1" strike="noStrike">
+              <a:latin typeface="Arial"/>
+            </a:endParaRPr>
+          </a:p>
+          <a:p>
+            <a:pPr marL="228600" indent="-223920">
+              <a:lnSpc>
+                <a:spcPct val="90000"/>
+              </a:lnSpc>
+              <a:spcBef>
+                <a:spcPts val="1001"/>
+              </a:spcBef>
+              <a:buClr>
+                <a:srgbClr val="000000"/>
+              </a:buClr>
+              <a:buFont typeface="Arial"/>
+              <a:buChar char="•"/>
+            </a:pPr>
+            <a:r>
+              <a:rPr b="0" lang="pt-BR" sz="3200" spc="-1" strike="noStrike">
+                <a:solidFill>
+                  <a:srgbClr val="000000"/>
+                </a:solidFill>
+                <a:latin typeface="Calibri"/>
+                <a:ea typeface="DejaVu Sans"/>
+              </a:rPr>
+              <a:t>título.</a:t>
+            </a:r>
+            <a:endParaRPr b="0" lang="pt-BR" sz="3200" spc="-1" strike="noStrike">
+              <a:latin typeface="Arial"/>
+            </a:endParaRPr>
+          </a:p>
+          <a:p>
+            <a:pPr marL="228600" indent="-223920">
+              <a:lnSpc>
+                <a:spcPct val="90000"/>
+              </a:lnSpc>
+              <a:spcBef>
+                <a:spcPts val="1001"/>
+              </a:spcBef>
+              <a:buClr>
+                <a:srgbClr val="000000"/>
+              </a:buClr>
+              <a:buFont typeface="Arial"/>
+              <a:buChar char="•"/>
+            </a:pPr>
+            <a:r>
+              <a:rPr b="0" lang="pt-BR" sz="3200" spc="-1" strike="noStrike">
+                <a:solidFill>
+                  <a:srgbClr val="000000"/>
+                </a:solidFill>
+                <a:latin typeface="Calibri"/>
+                <a:ea typeface="DejaVu Sans"/>
+              </a:rPr>
+              <a:t> </a:t>
+            </a:r>
+            <a:endParaRPr b="0" lang="pt-BR" sz="3200" spc="-1" strike="noStrike">
+              <a:latin typeface="Arial"/>
+            </a:endParaRPr>
+          </a:p>
+          <a:p>
+            <a:pPr marL="228600" indent="-223920">
+              <a:lnSpc>
+                <a:spcPct val="90000"/>
+              </a:lnSpc>
+              <a:spcBef>
+                <a:spcPts val="1001"/>
+              </a:spcBef>
+              <a:buClr>
+                <a:srgbClr val="000000"/>
+              </a:buClr>
+              <a:buFont typeface="Arial"/>
+              <a:buChar char="•"/>
+            </a:pPr>
+            <a:r>
+              <a:rPr b="0" lang="pt-BR" sz="3200" spc="-1" strike="noStrike">
+                <a:solidFill>
+                  <a:srgbClr val="000000"/>
+                </a:solidFill>
+                <a:latin typeface="Calibri"/>
+                <a:ea typeface="DejaVu Sans"/>
+              </a:rPr>
+              <a:t>E criar uma nova secção.</a:t>
             </a:r>
             <a:endParaRPr b="0" lang="pt-BR" sz="3200" spc="-1" strike="noStrike">
               <a:latin typeface="Arial"/>
@@ -6987,6 +8372,149 @@
               </a:spcBef>
             </a:pPr>
             <a:endParaRPr b="0" lang="pt-BR" sz="3200" spc="-1" strike="noStrike">
+              <a:latin typeface="Arial"/>
+            </a:endParaRPr>
+          </a:p>
+        </p:txBody>
+      </p:sp>
+      <p:pic>
+        <p:nvPicPr>
+          <p:cNvPr id="93" name="" descr=""/>
+          <p:cNvPicPr/>
+          <p:nvPr/>
+        </p:nvPicPr>
+        <p:blipFill>
+          <a:blip r:embed="rId1"/>
+          <a:stretch/>
+        </p:blipFill>
+        <p:spPr>
+          <a:xfrm>
+            <a:off x="9360000" y="360000"/>
+            <a:ext cx="2370600" cy="2046960"/>
+          </a:xfrm>
+          <a:prstGeom prst="rect">
+            <a:avLst/>
+          </a:prstGeom>
+          <a:ln w="0">
+            <a:noFill/>
+          </a:ln>
+        </p:spPr>
+      </p:pic>
+      <p:pic>
+        <p:nvPicPr>
+          <p:cNvPr id="94" name="" descr=""/>
+          <p:cNvPicPr/>
+          <p:nvPr/>
+        </p:nvPicPr>
+        <p:blipFill>
+          <a:blip r:embed="rId2"/>
+          <a:stretch/>
+        </p:blipFill>
+        <p:spPr>
+          <a:xfrm>
+            <a:off x="5359320" y="2520000"/>
+            <a:ext cx="6402960" cy="1079280"/>
+          </a:xfrm>
+          <a:prstGeom prst="rect">
+            <a:avLst/>
+          </a:prstGeom>
+          <a:ln w="0">
+            <a:noFill/>
+          </a:ln>
+        </p:spPr>
+      </p:pic>
+      <p:pic>
+        <p:nvPicPr>
+          <p:cNvPr id="95" name="" descr=""/>
+          <p:cNvPicPr/>
+          <p:nvPr/>
+        </p:nvPicPr>
+        <p:blipFill>
+          <a:blip r:embed="rId3"/>
+          <a:stretch/>
+        </p:blipFill>
+        <p:spPr>
+          <a:xfrm>
+            <a:off x="8069040" y="3780000"/>
+            <a:ext cx="3682440" cy="1439280"/>
+          </a:xfrm>
+          <a:prstGeom prst="rect">
+            <a:avLst/>
+          </a:prstGeom>
+          <a:ln w="0">
+            <a:noFill/>
+          </a:ln>
+        </p:spPr>
+      </p:pic>
+      <p:pic>
+        <p:nvPicPr>
+          <p:cNvPr id="96" name="" descr=""/>
+          <p:cNvPicPr/>
+          <p:nvPr/>
+        </p:nvPicPr>
+        <p:blipFill>
+          <a:blip r:embed="rId4"/>
+          <a:stretch/>
+        </p:blipFill>
+        <p:spPr>
+          <a:xfrm>
+            <a:off x="4704480" y="5400000"/>
+            <a:ext cx="6994800" cy="1006560"/>
+          </a:xfrm>
+          <a:prstGeom prst="rect">
+            <a:avLst/>
+          </a:prstGeom>
+          <a:ln w="0">
+            <a:noFill/>
+          </a:ln>
+        </p:spPr>
+      </p:pic>
+      <p:sp>
+        <p:nvSpPr>
+          <p:cNvPr id="97" name="CustomShape 3"/>
+          <p:cNvSpPr/>
+          <p:nvPr/>
+        </p:nvSpPr>
+        <p:spPr>
+          <a:xfrm>
+            <a:off x="3060000" y="5580000"/>
+            <a:ext cx="1584000" cy="883800"/>
+          </a:xfrm>
+          <a:prstGeom prst="rect">
+            <a:avLst/>
+          </a:prstGeom>
+          <a:noFill/>
+          <a:ln w="0">
+            <a:noFill/>
+          </a:ln>
+        </p:spPr>
+        <p:style>
+          <a:lnRef idx="0"/>
+          <a:fillRef idx="0"/>
+          <a:effectRef idx="0"/>
+          <a:fontRef idx="minor"/>
+        </p:style>
+        <p:txBody>
+          <a:bodyPr lIns="90000" rIns="90000" tIns="45000" bIns="45000" anchor="ctr">
+            <a:noAutofit/>
+          </a:bodyPr>
+          <a:p>
+            <a:pPr>
+              <a:lnSpc>
+                <a:spcPct val="90000"/>
+              </a:lnSpc>
+            </a:pPr>
+            <a:r>
+              <a:rPr b="0" lang="pt-BR" sz="4400" spc="-1" strike="noStrike">
+                <a:solidFill>
+                  <a:srgbClr val="000000"/>
+                </a:solidFill>
+                <a:latin typeface="Calibri Light"/>
+                <a:ea typeface="DejaVu Sans"/>
+              </a:rPr>
+              <a:t>CSS:</a:t>
+            </a:r>
+            <a:endParaRPr b="0" lang="pt-BR" sz="4400" spc="-1" strike="noStrike">
               <a:latin typeface="Arial"/>
             </a:endParaRPr>
           </a:p>
